--- a/Lecture/Lecture 26/Lecture 26.pptx
+++ b/Lecture/Lecture 26/Lecture 26.pptx
@@ -6,23 +6,31 @@
     <p:sldMasterId id="2147483676" r:id="rId2"/>
   </p:sldMasterIdLst>
   <p:notesMasterIdLst>
-    <p:notesMasterId r:id="rId9"/>
+    <p:notesMasterId r:id="rId17"/>
   </p:notesMasterIdLst>
   <p:handoutMasterIdLst>
-    <p:handoutMasterId r:id="rId10"/>
+    <p:handoutMasterId r:id="rId18"/>
   </p:handoutMasterIdLst>
   <p:sldIdLst>
     <p:sldId id="320" r:id="rId3"/>
     <p:sldId id="342" r:id="rId4"/>
     <p:sldId id="343" r:id="rId5"/>
     <p:sldId id="341" r:id="rId6"/>
-    <p:sldId id="340" r:id="rId7"/>
-    <p:sldId id="329" r:id="rId8"/>
+    <p:sldId id="344" r:id="rId7"/>
+    <p:sldId id="345" r:id="rId8"/>
+    <p:sldId id="346" r:id="rId9"/>
+    <p:sldId id="351" r:id="rId10"/>
+    <p:sldId id="349" r:id="rId11"/>
+    <p:sldId id="348" r:id="rId12"/>
+    <p:sldId id="350" r:id="rId13"/>
+    <p:sldId id="340" r:id="rId14"/>
+    <p:sldId id="347" r:id="rId15"/>
+    <p:sldId id="329" r:id="rId16"/>
   </p:sldIdLst>
   <p:sldSz cx="9144000" cy="6858000" type="screen4x3"/>
   <p:notesSz cx="6858000" cy="9144000"/>
   <p:custDataLst>
-    <p:tags r:id="rId11"/>
+    <p:tags r:id="rId19"/>
   </p:custDataLst>
   <p:defaultTextStyle>
     <a:defPPr>
@@ -293,7 +301,7 @@
               <a:pPr>
                 <a:defRPr/>
               </a:pPr>
-              <a:t>11/1/2018</a:t>
+              <a:t>11/3/2018</a:t>
             </a:fld>
             <a:endParaRPr lang="en-US" dirty="0"/>
           </a:p>
@@ -505,7 +513,7 @@
               <a:pPr>
                 <a:defRPr/>
               </a:pPr>
-              <a:t>11/1/2018</a:t>
+              <a:t>11/3/2018</a:t>
             </a:fld>
             <a:endParaRPr lang="en-US" dirty="0"/>
           </a:p>
@@ -1024,7 +1032,7 @@
               <a:pPr>
                 <a:defRPr/>
               </a:pPr>
-              <a:t>11/1/2018</a:t>
+              <a:t>11/3/2018</a:t>
             </a:fld>
             <a:endParaRPr lang="en-US" dirty="0"/>
           </a:p>
@@ -1214,7 +1222,7 @@
               <a:pPr>
                 <a:defRPr/>
               </a:pPr>
-              <a:t>11/1/2018</a:t>
+              <a:t>11/3/2018</a:t>
             </a:fld>
             <a:endParaRPr lang="en-US" dirty="0"/>
           </a:p>
@@ -1414,7 +1422,7 @@
               <a:pPr>
                 <a:defRPr/>
               </a:pPr>
-              <a:t>11/1/2018</a:t>
+              <a:t>11/3/2018</a:t>
             </a:fld>
             <a:endParaRPr lang="en-US" dirty="0"/>
           </a:p>
@@ -1682,7 +1690,7 @@
               <a:pPr>
                 <a:defRPr/>
               </a:pPr>
-              <a:t>11/1/2018</a:t>
+              <a:t>11/3/2018</a:t>
             </a:fld>
             <a:endParaRPr lang="en-US" dirty="0">
               <a:solidFill>
@@ -1896,7 +1904,7 @@
               <a:pPr>
                 <a:defRPr/>
               </a:pPr>
-              <a:t>11/1/2018</a:t>
+              <a:t>11/3/2018</a:t>
             </a:fld>
             <a:endParaRPr lang="en-US" dirty="0">
               <a:solidFill>
@@ -2187,7 +2195,7 @@
               <a:pPr>
                 <a:defRPr/>
               </a:pPr>
-              <a:t>11/1/2018</a:t>
+              <a:t>11/3/2018</a:t>
             </a:fld>
             <a:endParaRPr lang="en-US" dirty="0">
               <a:solidFill>
@@ -2518,7 +2526,7 @@
               <a:pPr>
                 <a:defRPr/>
               </a:pPr>
-              <a:t>11/1/2018</a:t>
+              <a:t>11/3/2018</a:t>
             </a:fld>
             <a:endParaRPr lang="en-US" dirty="0">
               <a:solidFill>
@@ -2983,7 +2991,7 @@
               <a:pPr>
                 <a:defRPr/>
               </a:pPr>
-              <a:t>11/1/2018</a:t>
+              <a:t>11/3/2018</a:t>
             </a:fld>
             <a:endParaRPr lang="en-US" dirty="0">
               <a:solidFill>
@@ -3146,7 +3154,7 @@
               <a:pPr>
                 <a:defRPr/>
               </a:pPr>
-              <a:t>11/1/2018</a:t>
+              <a:t>11/3/2018</a:t>
             </a:fld>
             <a:endParaRPr lang="en-US" dirty="0">
               <a:solidFill>
@@ -3287,7 +3295,7 @@
               <a:pPr>
                 <a:defRPr/>
               </a:pPr>
-              <a:t>11/1/2018</a:t>
+              <a:t>11/3/2018</a:t>
             </a:fld>
             <a:endParaRPr lang="en-US" dirty="0">
               <a:solidFill>
@@ -3608,7 +3616,7 @@
               <a:pPr>
                 <a:defRPr/>
               </a:pPr>
-              <a:t>11/1/2018</a:t>
+              <a:t>11/3/2018</a:t>
             </a:fld>
             <a:endParaRPr lang="en-US" dirty="0">
               <a:solidFill>
@@ -3816,7 +3824,7 @@
               <a:pPr>
                 <a:defRPr/>
               </a:pPr>
-              <a:t>11/1/2018</a:t>
+              <a:t>11/3/2018</a:t>
             </a:fld>
             <a:endParaRPr lang="en-US" dirty="0"/>
           </a:p>
@@ -4099,7 +4107,7 @@
               <a:pPr>
                 <a:defRPr/>
               </a:pPr>
-              <a:t>11/1/2018</a:t>
+              <a:t>11/3/2018</a:t>
             </a:fld>
             <a:endParaRPr lang="en-US" dirty="0">
               <a:solidFill>
@@ -4313,7 +4321,7 @@
               <a:pPr>
                 <a:defRPr/>
               </a:pPr>
-              <a:t>11/1/2018</a:t>
+              <a:t>11/3/2018</a:t>
             </a:fld>
             <a:endParaRPr lang="en-US" dirty="0">
               <a:solidFill>
@@ -4537,7 +4545,7 @@
               <a:pPr>
                 <a:defRPr/>
               </a:pPr>
-              <a:t>11/1/2018</a:t>
+              <a:t>11/3/2018</a:t>
             </a:fld>
             <a:endParaRPr lang="en-US" dirty="0">
               <a:solidFill>
@@ -4747,7 +4755,7 @@
               <a:pPr>
                 <a:defRPr/>
               </a:pPr>
-              <a:t>11/1/2018</a:t>
+              <a:t>11/3/2018</a:t>
             </a:fld>
             <a:endParaRPr lang="en-US" dirty="0">
               <a:solidFill>
@@ -5024,7 +5032,7 @@
               <a:pPr>
                 <a:defRPr/>
               </a:pPr>
-              <a:t>11/1/2018</a:t>
+              <a:t>11/3/2018</a:t>
             </a:fld>
             <a:endParaRPr lang="en-US" dirty="0"/>
           </a:p>
@@ -5331,7 +5339,7 @@
               <a:pPr>
                 <a:defRPr/>
               </a:pPr>
-              <a:t>11/1/2018</a:t>
+              <a:t>11/3/2018</a:t>
             </a:fld>
             <a:endParaRPr lang="en-US" dirty="0"/>
           </a:p>
@@ -5772,7 +5780,7 @@
               <a:pPr>
                 <a:defRPr/>
               </a:pPr>
-              <a:t>11/1/2018</a:t>
+              <a:t>11/3/2018</a:t>
             </a:fld>
             <a:endParaRPr lang="en-US" dirty="0"/>
           </a:p>
@@ -5911,7 +5919,7 @@
               <a:pPr>
                 <a:defRPr/>
               </a:pPr>
-              <a:t>11/1/2018</a:t>
+              <a:t>11/3/2018</a:t>
             </a:fld>
             <a:endParaRPr lang="en-US" dirty="0"/>
           </a:p>
@@ -6028,7 +6036,7 @@
               <a:pPr>
                 <a:defRPr/>
               </a:pPr>
-              <a:t>11/1/2018</a:t>
+              <a:t>11/3/2018</a:t>
             </a:fld>
             <a:endParaRPr lang="en-US" dirty="0"/>
           </a:p>
@@ -6325,7 +6333,7 @@
               <a:pPr>
                 <a:defRPr/>
               </a:pPr>
-              <a:t>11/1/2018</a:t>
+              <a:t>11/3/2018</a:t>
             </a:fld>
             <a:endParaRPr lang="en-US" dirty="0"/>
           </a:p>
@@ -6602,7 +6610,7 @@
               <a:pPr>
                 <a:defRPr/>
               </a:pPr>
-              <a:t>11/1/2018</a:t>
+              <a:t>11/3/2018</a:t>
             </a:fld>
             <a:endParaRPr lang="en-US" dirty="0"/>
           </a:p>
@@ -6859,7 +6867,7 @@
               <a:pPr>
                 <a:defRPr/>
               </a:pPr>
-              <a:t>11/1/2018</a:t>
+              <a:t>11/3/2018</a:t>
             </a:fld>
             <a:endParaRPr lang="en-US" dirty="0"/>
           </a:p>
@@ -7569,7 +7577,7 @@
               <a:pPr>
                 <a:defRPr/>
               </a:pPr>
-              <a:t>11/1/2018</a:t>
+              <a:t>11/3/2018</a:t>
             </a:fld>
             <a:endParaRPr lang="en-US" dirty="0">
               <a:solidFill>
@@ -8453,7 +8461,7 @@
 </p:sld>
 </file>
 
-<file path=ppt/slides/slide2.xml><?xml version="1.0" encoding="utf-8"?>
+<file path=ppt/slides/slide10.xml><?xml version="1.0" encoding="utf-8"?>
 <p:sld xmlns:a="http://schemas.openxmlformats.org/drawingml/2006/main" xmlns:r="http://schemas.openxmlformats.org/officeDocument/2006/relationships" xmlns:p="http://schemas.openxmlformats.org/presentationml/2006/main">
   <p:cSld>
     <p:bg>
@@ -8615,7 +8623,28 @@
                 <a:ea typeface="+mj-ea"/>
                 <a:cs typeface="+mj-cs"/>
               </a:rPr>
-              <a:t>Currently</a:t>
+              <a:t>Part 4</a:t>
+            </a:r>
+            <a:br>
+              <a:rPr lang="en-US" sz="2400" kern="1200" dirty="0">
+                <a:solidFill>
+                  <a:schemeClr val="bg1"/>
+                </a:solidFill>
+                <a:latin typeface="+mj-lt"/>
+                <a:ea typeface="+mj-ea"/>
+                <a:cs typeface="+mj-cs"/>
+              </a:rPr>
+            </a:br>
+            <a:r>
+              <a:rPr lang="en-US" sz="2400" kern="1200" dirty="0">
+                <a:solidFill>
+                  <a:schemeClr val="bg1"/>
+                </a:solidFill>
+                <a:latin typeface="+mj-lt"/>
+                <a:ea typeface="+mj-ea"/>
+                <a:cs typeface="+mj-cs"/>
+              </a:rPr>
+              <a:t>Final Paper</a:t>
             </a:r>
           </a:p>
         </p:txBody>
@@ -8652,6 +8681,1113 @@
       </p:pic>
       <p:sp>
         <p:nvSpPr>
+          <p:cNvPr id="6" name="TextBox 5">
+            <a:extLst>
+              <a:ext uri="{FF2B5EF4-FFF2-40B4-BE49-F238E27FC236}">
+                <a16:creationId xmlns:a16="http://schemas.microsoft.com/office/drawing/2014/main" id="{9BF1A4AB-D5D3-46D9-9B5D-F6EB9EE88791}"/>
+              </a:ext>
+            </a:extLst>
+          </p:cNvPr>
+          <p:cNvSpPr txBox="1"/>
+          <p:nvPr/>
+        </p:nvSpPr>
+        <p:spPr>
+          <a:xfrm>
+            <a:off x="3962400" y="643467"/>
+            <a:ext cx="5181600" cy="4524315"/>
+          </a:xfrm>
+          <a:prstGeom prst="rect">
+            <a:avLst/>
+          </a:prstGeom>
+          <a:noFill/>
+        </p:spPr>
+        <p:txBody>
+          <a:bodyPr wrap="square" rtlCol="0">
+            <a:spAutoFit/>
+          </a:bodyPr>
+          <a:lstStyle/>
+          <a:p>
+            <a:pPr marL="342900" indent="-342900">
+              <a:buFont typeface="Arial" panose="020B0604020202020204" pitchFamily="34" charset="0"/>
+              <a:buChar char="•"/>
+            </a:pPr>
+            <a:r>
+              <a:rPr lang="en-US" dirty="0">
+                <a:solidFill>
+                  <a:srgbClr val="404040"/>
+                </a:solidFill>
+              </a:rPr>
+              <a:t>Final HTML</a:t>
+            </a:r>
+          </a:p>
+          <a:p>
+            <a:pPr marL="800100" lvl="1" indent="-342900">
+              <a:buFont typeface="Arial" panose="020B0604020202020204" pitchFamily="34" charset="0"/>
+              <a:buChar char="•"/>
+            </a:pPr>
+            <a:r>
+              <a:rPr lang="en-US" dirty="0">
+                <a:solidFill>
+                  <a:srgbClr val="404040"/>
+                </a:solidFill>
+              </a:rPr>
+              <a:t>Submit on Sakai by Deliverer</a:t>
+            </a:r>
+          </a:p>
+          <a:p>
+            <a:pPr marL="800100" lvl="1" indent="-342900">
+              <a:buFont typeface="Arial" panose="020B0604020202020204" pitchFamily="34" charset="0"/>
+              <a:buChar char="•"/>
+            </a:pPr>
+            <a:r>
+              <a:rPr lang="en-US" dirty="0">
+                <a:solidFill>
+                  <a:srgbClr val="404040"/>
+                </a:solidFill>
+              </a:rPr>
+              <a:t>No R Code</a:t>
+            </a:r>
+          </a:p>
+          <a:p>
+            <a:pPr marL="800100" lvl="1" indent="-342900">
+              <a:buFont typeface="Arial" panose="020B0604020202020204" pitchFamily="34" charset="0"/>
+              <a:buChar char="•"/>
+            </a:pPr>
+            <a:r>
+              <a:rPr lang="en-US" dirty="0">
+                <a:solidFill>
+                  <a:srgbClr val="404040"/>
+                </a:solidFill>
+              </a:rPr>
+              <a:t>Figures Should Be Labeled, Colored, and Appropriate</a:t>
+            </a:r>
+          </a:p>
+          <a:p>
+            <a:pPr marL="800100" lvl="1" indent="-342900">
+              <a:buFont typeface="Arial" panose="020B0604020202020204" pitchFamily="34" charset="0"/>
+              <a:buChar char="•"/>
+            </a:pPr>
+            <a:r>
+              <a:rPr lang="en-US" dirty="0">
+                <a:solidFill>
+                  <a:srgbClr val="404040"/>
+                </a:solidFill>
+              </a:rPr>
+              <a:t>Tables Should Be in HTML</a:t>
+            </a:r>
+          </a:p>
+          <a:p>
+            <a:pPr marL="1257300" lvl="2" indent="-342900">
+              <a:buFont typeface="Arial" panose="020B0604020202020204" pitchFamily="34" charset="0"/>
+              <a:buChar char="•"/>
+            </a:pPr>
+            <a:r>
+              <a:rPr lang="en-US" dirty="0" err="1">
+                <a:solidFill>
+                  <a:srgbClr val="404040"/>
+                </a:solidFill>
+              </a:rPr>
+              <a:t>xtable</a:t>
+            </a:r>
+            <a:r>
+              <a:rPr lang="en-US" dirty="0">
+                <a:solidFill>
+                  <a:srgbClr val="404040"/>
+                </a:solidFill>
+              </a:rPr>
+              <a:t> Package</a:t>
+            </a:r>
+          </a:p>
+          <a:p>
+            <a:pPr marL="1257300" lvl="2" indent="-342900">
+              <a:buFont typeface="Arial" panose="020B0604020202020204" pitchFamily="34" charset="0"/>
+              <a:buChar char="•"/>
+            </a:pPr>
+            <a:r>
+              <a:rPr lang="en-US" dirty="0" err="1">
+                <a:solidFill>
+                  <a:srgbClr val="404040"/>
+                </a:solidFill>
+              </a:rPr>
+              <a:t>kable</a:t>
+            </a:r>
+            <a:r>
+              <a:rPr lang="en-US" dirty="0">
+                <a:solidFill>
+                  <a:srgbClr val="404040"/>
+                </a:solidFill>
+              </a:rPr>
+              <a:t> Package</a:t>
+            </a:r>
+          </a:p>
+          <a:p>
+            <a:pPr marL="800100" lvl="1" indent="-342900">
+              <a:buFont typeface="Arial" panose="020B0604020202020204" pitchFamily="34" charset="0"/>
+              <a:buChar char="•"/>
+            </a:pPr>
+            <a:r>
+              <a:rPr lang="en-US" dirty="0">
+                <a:solidFill>
+                  <a:srgbClr val="404040"/>
+                </a:solidFill>
+              </a:rPr>
+              <a:t>Completely Free of Grammatical/ Spelling Error</a:t>
+            </a:r>
+          </a:p>
+          <a:p>
+            <a:pPr marL="800100" lvl="1" indent="-342900">
+              <a:buFont typeface="Arial" panose="020B0604020202020204" pitchFamily="34" charset="0"/>
+              <a:buChar char="•"/>
+            </a:pPr>
+            <a:endParaRPr lang="en-US" dirty="0">
+              <a:solidFill>
+                <a:srgbClr val="404040"/>
+              </a:solidFill>
+            </a:endParaRPr>
+          </a:p>
+          <a:p>
+            <a:pPr marL="342900" indent="-342900">
+              <a:buFont typeface="Arial" panose="020B0604020202020204" pitchFamily="34" charset="0"/>
+              <a:buChar char="•"/>
+            </a:pPr>
+            <a:endParaRPr lang="en-US" dirty="0">
+              <a:solidFill>
+                <a:srgbClr val="404040"/>
+              </a:solidFill>
+            </a:endParaRPr>
+          </a:p>
+        </p:txBody>
+      </p:sp>
+    </p:spTree>
+    <p:custDataLst>
+      <p:tags r:id="rId1"/>
+    </p:custDataLst>
+    <p:extLst>
+      <p:ext uri="{BB962C8B-B14F-4D97-AF65-F5344CB8AC3E}">
+        <p14:creationId xmlns:p14="http://schemas.microsoft.com/office/powerpoint/2010/main" val="1069044539"/>
+      </p:ext>
+    </p:extLst>
+  </p:cSld>
+  <p:clrMapOvr>
+    <a:masterClrMapping/>
+  </p:clrMapOvr>
+</p:sld>
+</file>
+
+<file path=ppt/slides/slide11.xml><?xml version="1.0" encoding="utf-8"?>
+<p:sld xmlns:a="http://schemas.openxmlformats.org/drawingml/2006/main" xmlns:r="http://schemas.openxmlformats.org/officeDocument/2006/relationships" xmlns:p="http://schemas.openxmlformats.org/presentationml/2006/main">
+  <p:cSld>
+    <p:bg>
+      <p:bgPr>
+        <a:solidFill>
+          <a:schemeClr val="bg1">
+            <a:lumMod val="85000"/>
+          </a:schemeClr>
+        </a:solidFill>
+        <a:effectLst/>
+      </p:bgPr>
+    </p:bg>
+    <p:spTree>
+      <p:nvGrpSpPr>
+        <p:cNvPr id="1" name=""/>
+        <p:cNvGrpSpPr/>
+        <p:nvPr/>
+      </p:nvGrpSpPr>
+      <p:grpSpPr>
+        <a:xfrm>
+          <a:off x="0" y="0"/>
+          <a:ext cx="0" cy="0"/>
+          <a:chOff x="0" y="0"/>
+          <a:chExt cx="0" cy="0"/>
+        </a:xfrm>
+      </p:grpSpPr>
+      <p:sp>
+        <p:nvSpPr>
+          <p:cNvPr id="15" name="Rectangle 12">
+            <a:extLst>
+              <a:ext uri="{FF2B5EF4-FFF2-40B4-BE49-F238E27FC236}">
+                <a16:creationId xmlns:a16="http://schemas.microsoft.com/office/drawing/2014/main" id="{867D4867-5BA7-4462-B2F6-A23F4A622AA7}"/>
+              </a:ext>
+              <a:ext uri="{C183D7F6-B498-43B3-948B-1728B52AA6E4}">
+                <adec:decorative xmlns:adec="http://schemas.microsoft.com/office/drawing/2017/decorative" val="1"/>
+              </a:ext>
+            </a:extLst>
+          </p:cNvPr>
+          <p:cNvSpPr>
+            <a:spLocks noGrp="1" noRot="1" noChangeAspect="1" noMove="1" noResize="1" noEditPoints="1" noAdjustHandles="1" noChangeArrowheads="1" noChangeShapeType="1" noTextEdit="1"/>
+          </p:cNvSpPr>
+          <p:nvPr>
+            <p:extLst>
+              <p:ext uri="{386F3935-93C4-4BCD-93E2-E3B085C9AB24}">
+                <p16:designElem xmlns:p16="http://schemas.microsoft.com/office/powerpoint/2015/main" val="1"/>
+              </p:ext>
+            </p:extLst>
+          </p:nvPr>
+        </p:nvSpPr>
+        <p:spPr>
+          <a:xfrm>
+            <a:off x="0" y="0"/>
+            <a:ext cx="3490722" cy="6858000"/>
+          </a:xfrm>
+          <a:prstGeom prst="rect">
+            <a:avLst/>
+          </a:prstGeom>
+          <a:solidFill>
+            <a:schemeClr val="tx1">
+              <a:lumMod val="75000"/>
+              <a:lumOff val="25000"/>
+            </a:schemeClr>
+          </a:solidFill>
+          <a:ln>
+            <a:noFill/>
+          </a:ln>
+        </p:spPr>
+        <p:style>
+          <a:lnRef idx="0">
+            <a:scrgbClr r="0" g="0" b="0"/>
+          </a:lnRef>
+          <a:fillRef idx="0">
+            <a:scrgbClr r="0" g="0" b="0"/>
+          </a:fillRef>
+          <a:effectRef idx="0">
+            <a:scrgbClr r="0" g="0" b="0"/>
+          </a:effectRef>
+          <a:fontRef idx="minor">
+            <a:schemeClr val="lt1"/>
+          </a:fontRef>
+        </p:style>
+        <p:txBody>
+          <a:bodyPr rtlCol="0" anchor="ctr"/>
+          <a:lstStyle/>
+          <a:p>
+            <a:pPr marL="0" marR="0" lvl="0" indent="0" algn="ctr" defTabSz="457200" rtl="0" eaLnBrk="1" fontAlgn="base" latinLnBrk="0" hangingPunct="1">
+              <a:lnSpc>
+                <a:spcPct val="100000"/>
+              </a:lnSpc>
+              <a:spcBef>
+                <a:spcPct val="0"/>
+              </a:spcBef>
+              <a:spcAft>
+                <a:spcPct val="0"/>
+              </a:spcAft>
+              <a:buClrTx/>
+              <a:buSzTx/>
+              <a:buFontTx/>
+              <a:buNone/>
+              <a:tabLst/>
+              <a:defRPr/>
+            </a:pPr>
+            <a:endParaRPr kumimoji="0" lang="en-US" sz="2400" b="0" i="0" u="none" strike="noStrike" kern="1200" cap="none" spc="0" normalizeH="0" baseline="0" noProof="0">
+              <a:ln>
+                <a:noFill/>
+              </a:ln>
+              <a:solidFill>
+                <a:prstClr val="white"/>
+              </a:solidFill>
+              <a:effectLst/>
+              <a:uLnTx/>
+              <a:uFillTx/>
+              <a:latin typeface="Calibri"/>
+              <a:ea typeface="+mn-ea"/>
+              <a:cs typeface="+mn-cs"/>
+            </a:endParaRPr>
+          </a:p>
+        </p:txBody>
+      </p:sp>
+      <p:sp>
+        <p:nvSpPr>
+          <p:cNvPr id="2" name="Title 1"/>
+          <p:cNvSpPr>
+            <a:spLocks noGrp="1"/>
+          </p:cNvSpPr>
+          <p:nvPr>
+            <p:ph type="title"/>
+          </p:nvPr>
+        </p:nvSpPr>
+        <p:spPr>
+          <a:xfrm>
+            <a:off x="482600" y="643467"/>
+            <a:ext cx="2522980" cy="1597315"/>
+          </a:xfrm>
+          <a:noFill/>
+          <a:ln w="19050">
+            <a:solidFill>
+              <a:schemeClr val="bg1"/>
+            </a:solidFill>
+          </a:ln>
+        </p:spPr>
+        <p:txBody>
+          <a:bodyPr vert="horz" wrap="square" lIns="91440" tIns="45720" rIns="91440" bIns="45720" rtlCol="0" anchor="ctr">
+            <a:normAutofit/>
+          </a:bodyPr>
+          <a:lstStyle/>
+          <a:p>
+            <a:pPr defTabSz="914400" eaLnBrk="1" hangingPunct="1">
+              <a:lnSpc>
+                <a:spcPct val="90000"/>
+              </a:lnSpc>
+            </a:pPr>
+            <a:r>
+              <a:rPr lang="en-US" sz="2400" kern="1200" dirty="0">
+                <a:solidFill>
+                  <a:schemeClr val="bg1"/>
+                </a:solidFill>
+                <a:latin typeface="+mj-lt"/>
+                <a:ea typeface="+mj-ea"/>
+                <a:cs typeface="+mj-cs"/>
+              </a:rPr>
+              <a:t>Part 4</a:t>
+            </a:r>
+            <a:br>
+              <a:rPr lang="en-US" sz="2400" kern="1200" dirty="0">
+                <a:solidFill>
+                  <a:schemeClr val="bg1"/>
+                </a:solidFill>
+                <a:latin typeface="+mj-lt"/>
+                <a:ea typeface="+mj-ea"/>
+                <a:cs typeface="+mj-cs"/>
+              </a:rPr>
+            </a:br>
+            <a:r>
+              <a:rPr lang="en-US" sz="2400" kern="1200" dirty="0">
+                <a:solidFill>
+                  <a:schemeClr val="bg1"/>
+                </a:solidFill>
+                <a:latin typeface="+mj-lt"/>
+                <a:ea typeface="+mj-ea"/>
+                <a:cs typeface="+mj-cs"/>
+              </a:rPr>
+              <a:t>Final Paper</a:t>
+            </a:r>
+          </a:p>
+        </p:txBody>
+      </p:sp>
+      <p:pic>
+        <p:nvPicPr>
+          <p:cNvPr id="8" name="Picture 7">
+            <a:extLst>
+              <a:ext uri="{FF2B5EF4-FFF2-40B4-BE49-F238E27FC236}">
+                <a16:creationId xmlns:a16="http://schemas.microsoft.com/office/drawing/2014/main" id="{521D4292-9ECC-4DA5-8CC0-C561A0DA118E}"/>
+              </a:ext>
+            </a:extLst>
+          </p:cNvPr>
+          <p:cNvPicPr>
+            <a:picLocks noChangeAspect="1"/>
+          </p:cNvPicPr>
+          <p:nvPr/>
+        </p:nvPicPr>
+        <p:blipFill rotWithShape="1">
+          <a:blip r:embed="rId3"/>
+          <a:srcRect l="8000" r="9400"/>
+          <a:stretch/>
+        </p:blipFill>
+        <p:spPr>
+          <a:xfrm>
+            <a:off x="660103" y="3048000"/>
+            <a:ext cx="2167974" cy="2624666"/>
+          </a:xfrm>
+          <a:prstGeom prst="rect">
+            <a:avLst/>
+          </a:prstGeom>
+          <a:noFill/>
+        </p:spPr>
+      </p:pic>
+      <p:sp>
+        <p:nvSpPr>
+          <p:cNvPr id="6" name="TextBox 5">
+            <a:extLst>
+              <a:ext uri="{FF2B5EF4-FFF2-40B4-BE49-F238E27FC236}">
+                <a16:creationId xmlns:a16="http://schemas.microsoft.com/office/drawing/2014/main" id="{9BF1A4AB-D5D3-46D9-9B5D-F6EB9EE88791}"/>
+              </a:ext>
+            </a:extLst>
+          </p:cNvPr>
+          <p:cNvSpPr txBox="1"/>
+          <p:nvPr/>
+        </p:nvSpPr>
+        <p:spPr>
+          <a:xfrm>
+            <a:off x="3962400" y="643467"/>
+            <a:ext cx="5181600" cy="4154984"/>
+          </a:xfrm>
+          <a:prstGeom prst="rect">
+            <a:avLst/>
+          </a:prstGeom>
+          <a:noFill/>
+        </p:spPr>
+        <p:txBody>
+          <a:bodyPr wrap="square" rtlCol="0">
+            <a:spAutoFit/>
+          </a:bodyPr>
+          <a:lstStyle/>
+          <a:p>
+            <a:pPr marL="342900" indent="-342900">
+              <a:buFont typeface="Arial" panose="020B0604020202020204" pitchFamily="34" charset="0"/>
+              <a:buChar char="•"/>
+            </a:pPr>
+            <a:r>
+              <a:rPr lang="en-US" dirty="0">
+                <a:solidFill>
+                  <a:srgbClr val="404040"/>
+                </a:solidFill>
+              </a:rPr>
+              <a:t>Final Ranking</a:t>
+            </a:r>
+          </a:p>
+          <a:p>
+            <a:pPr marL="800100" lvl="1" indent="-342900">
+              <a:buFont typeface="Arial" panose="020B0604020202020204" pitchFamily="34" charset="0"/>
+              <a:buChar char="•"/>
+            </a:pPr>
+            <a:r>
+              <a:rPr lang="en-US" dirty="0">
+                <a:solidFill>
+                  <a:srgbClr val="404040"/>
+                </a:solidFill>
+              </a:rPr>
+              <a:t>Rank Members According to Their Level of Contribution</a:t>
+            </a:r>
+          </a:p>
+          <a:p>
+            <a:pPr marL="800100" lvl="1" indent="-342900">
+              <a:buFont typeface="Arial" panose="020B0604020202020204" pitchFamily="34" charset="0"/>
+              <a:buChar char="•"/>
+            </a:pPr>
+            <a:r>
+              <a:rPr lang="en-US" dirty="0">
+                <a:solidFill>
+                  <a:srgbClr val="404040"/>
+                </a:solidFill>
+              </a:rPr>
+              <a:t>Rank Goes From 1 to Number of Members</a:t>
+            </a:r>
+          </a:p>
+          <a:p>
+            <a:pPr marL="800100" lvl="1" indent="-342900">
+              <a:buFont typeface="Arial" panose="020B0604020202020204" pitchFamily="34" charset="0"/>
+              <a:buChar char="•"/>
+            </a:pPr>
+            <a:r>
+              <a:rPr lang="en-US" dirty="0">
+                <a:solidFill>
+                  <a:srgbClr val="404040"/>
+                </a:solidFill>
+              </a:rPr>
+              <a:t>Required to Rank Yourself</a:t>
+            </a:r>
+          </a:p>
+          <a:p>
+            <a:pPr marL="800100" lvl="1" indent="-342900">
+              <a:buFont typeface="Arial" panose="020B0604020202020204" pitchFamily="34" charset="0"/>
+              <a:buChar char="•"/>
+            </a:pPr>
+            <a:r>
+              <a:rPr lang="en-US" dirty="0">
+                <a:solidFill>
+                  <a:srgbClr val="404040"/>
+                </a:solidFill>
+              </a:rPr>
+              <a:t>Every Member Gets a Different Number (No Ties)</a:t>
+            </a:r>
+          </a:p>
+          <a:p>
+            <a:pPr marL="800100" lvl="1" indent="-342900">
+              <a:buFont typeface="Arial" panose="020B0604020202020204" pitchFamily="34" charset="0"/>
+              <a:buChar char="•"/>
+            </a:pPr>
+            <a:r>
+              <a:rPr lang="en-US" dirty="0">
+                <a:solidFill>
+                  <a:srgbClr val="404040"/>
+                </a:solidFill>
+              </a:rPr>
+              <a:t>Submit on Sakai Before Final Paper is Due</a:t>
+            </a:r>
+          </a:p>
+          <a:p>
+            <a:pPr marL="800100" lvl="1" indent="-342900">
+              <a:buFont typeface="Arial" panose="020B0604020202020204" pitchFamily="34" charset="0"/>
+              <a:buChar char="•"/>
+            </a:pPr>
+            <a:r>
+              <a:rPr lang="en-US" dirty="0">
+                <a:solidFill>
+                  <a:srgbClr val="404040"/>
+                </a:solidFill>
+              </a:rPr>
+              <a:t>CSV Template on Website</a:t>
+            </a:r>
+          </a:p>
+        </p:txBody>
+      </p:sp>
+      <p:graphicFrame>
+        <p:nvGraphicFramePr>
+          <p:cNvPr id="3" name="Table 2">
+            <a:extLst>
+              <a:ext uri="{FF2B5EF4-FFF2-40B4-BE49-F238E27FC236}">
+                <a16:creationId xmlns:a16="http://schemas.microsoft.com/office/drawing/2014/main" id="{18C93635-5253-4529-8D5F-CA3E53E7CC73}"/>
+              </a:ext>
+            </a:extLst>
+          </p:cNvPr>
+          <p:cNvGraphicFramePr>
+            <a:graphicFrameLocks noGrp="1"/>
+          </p:cNvGraphicFramePr>
+          <p:nvPr>
+            <p:extLst>
+              <p:ext uri="{D42A27DB-BD31-4B8C-83A1-F6EECF244321}">
+                <p14:modId xmlns:p14="http://schemas.microsoft.com/office/powerpoint/2010/main" val="1049603660"/>
+              </p:ext>
+            </p:extLst>
+          </p:nvPr>
+        </p:nvGraphicFramePr>
+        <p:xfrm>
+          <a:off x="4050391" y="4953000"/>
+          <a:ext cx="4665542" cy="1752600"/>
+        </p:xfrm>
+        <a:graphic>
+          <a:graphicData uri="http://schemas.openxmlformats.org/drawingml/2006/table">
+            <a:tbl>
+              <a:tblPr>
+                <a:tableStyleId>{125E5076-3810-47DD-B79F-674D7AD40C01}</a:tableStyleId>
+              </a:tblPr>
+              <a:tblGrid>
+                <a:gridCol w="2272337">
+                  <a:extLst>
+                    <a:ext uri="{9D8B030D-6E8A-4147-A177-3AD203B41FA5}">
+                      <a16:colId xmlns:a16="http://schemas.microsoft.com/office/drawing/2014/main" val="801357358"/>
+                    </a:ext>
+                  </a:extLst>
+                </a:gridCol>
+                <a:gridCol w="2393205">
+                  <a:extLst>
+                    <a:ext uri="{9D8B030D-6E8A-4147-A177-3AD203B41FA5}">
+                      <a16:colId xmlns:a16="http://schemas.microsoft.com/office/drawing/2014/main" val="3594802306"/>
+                    </a:ext>
+                  </a:extLst>
+                </a:gridCol>
+              </a:tblGrid>
+              <a:tr h="350520">
+                <a:tc>
+                  <a:txBody>
+                    <a:bodyPr/>
+                    <a:lstStyle/>
+                    <a:p>
+                      <a:pPr algn="ctr" fontAlgn="b"/>
+                      <a:r>
+                        <a:rPr lang="en-US" sz="2100" b="1" u="none" strike="noStrike" dirty="0">
+                          <a:effectLst/>
+                        </a:rPr>
+                        <a:t>Name</a:t>
+                      </a:r>
+                      <a:endParaRPr lang="en-US" sz="2100" b="1" i="0" u="none" strike="noStrike" dirty="0">
+                        <a:solidFill>
+                          <a:srgbClr val="000000"/>
+                        </a:solidFill>
+                        <a:effectLst/>
+                        <a:latin typeface="Calibri" panose="020F0502020204030204" pitchFamily="34" charset="0"/>
+                      </a:endParaRPr>
+                    </a:p>
+                  </a:txBody>
+                  <a:tcPr marL="12087" marR="12087" marT="12087" marB="0" anchor="ctr">
+                    <a:solidFill>
+                      <a:srgbClr val="404040"/>
+                    </a:solidFill>
+                  </a:tcPr>
+                </a:tc>
+                <a:tc>
+                  <a:txBody>
+                    <a:bodyPr/>
+                    <a:lstStyle/>
+                    <a:p>
+                      <a:pPr algn="ctr" fontAlgn="b"/>
+                      <a:r>
+                        <a:rPr lang="en-US" sz="2100" b="1" u="none" strike="noStrike" dirty="0">
+                          <a:effectLst/>
+                        </a:rPr>
+                        <a:t>Rank</a:t>
+                      </a:r>
+                      <a:endParaRPr lang="en-US" sz="2100" b="1" i="0" u="none" strike="noStrike" dirty="0">
+                        <a:solidFill>
+                          <a:srgbClr val="000000"/>
+                        </a:solidFill>
+                        <a:effectLst/>
+                        <a:latin typeface="Calibri" panose="020F0502020204030204" pitchFamily="34" charset="0"/>
+                      </a:endParaRPr>
+                    </a:p>
+                  </a:txBody>
+                  <a:tcPr marL="12087" marR="12087" marT="12087" marB="0" anchor="ctr">
+                    <a:solidFill>
+                      <a:srgbClr val="404040"/>
+                    </a:solidFill>
+                  </a:tcPr>
+                </a:tc>
+                <a:extLst>
+                  <a:ext uri="{0D108BD9-81ED-4DB2-BD59-A6C34878D82A}">
+                    <a16:rowId xmlns:a16="http://schemas.microsoft.com/office/drawing/2014/main" val="3971550525"/>
+                  </a:ext>
+                </a:extLst>
+              </a:tr>
+              <a:tr h="350520">
+                <a:tc>
+                  <a:txBody>
+                    <a:bodyPr/>
+                    <a:lstStyle/>
+                    <a:p>
+                      <a:pPr algn="ctr" fontAlgn="b"/>
+                      <a:r>
+                        <a:rPr lang="en-US" sz="2100" u="none" strike="noStrike">
+                          <a:effectLst/>
+                        </a:rPr>
+                        <a:t>James, Lebron</a:t>
+                      </a:r>
+                      <a:endParaRPr lang="en-US" sz="2100" b="0" i="0" u="none" strike="noStrike">
+                        <a:solidFill>
+                          <a:srgbClr val="000000"/>
+                        </a:solidFill>
+                        <a:effectLst/>
+                        <a:latin typeface="Calibri" panose="020F0502020204030204" pitchFamily="34" charset="0"/>
+                      </a:endParaRPr>
+                    </a:p>
+                  </a:txBody>
+                  <a:tcPr marL="12087" marR="12087" marT="12087" marB="0" anchor="ctr"/>
+                </a:tc>
+                <a:tc>
+                  <a:txBody>
+                    <a:bodyPr/>
+                    <a:lstStyle/>
+                    <a:p>
+                      <a:pPr algn="ctr" fontAlgn="b"/>
+                      <a:r>
+                        <a:rPr lang="en-US" sz="2100" u="none" strike="noStrike" dirty="0">
+                          <a:effectLst/>
+                        </a:rPr>
+                        <a:t>4</a:t>
+                      </a:r>
+                      <a:endParaRPr lang="en-US" sz="2100" b="0" i="0" u="none" strike="noStrike" dirty="0">
+                        <a:solidFill>
+                          <a:srgbClr val="000000"/>
+                        </a:solidFill>
+                        <a:effectLst/>
+                        <a:latin typeface="Calibri" panose="020F0502020204030204" pitchFamily="34" charset="0"/>
+                      </a:endParaRPr>
+                    </a:p>
+                  </a:txBody>
+                  <a:tcPr marL="12087" marR="12087" marT="12087" marB="0" anchor="ctr"/>
+                </a:tc>
+                <a:extLst>
+                  <a:ext uri="{0D108BD9-81ED-4DB2-BD59-A6C34878D82A}">
+                    <a16:rowId xmlns:a16="http://schemas.microsoft.com/office/drawing/2014/main" val="1074301624"/>
+                  </a:ext>
+                </a:extLst>
+              </a:tr>
+              <a:tr h="350520">
+                <a:tc>
+                  <a:txBody>
+                    <a:bodyPr/>
+                    <a:lstStyle/>
+                    <a:p>
+                      <a:pPr algn="ctr" fontAlgn="b"/>
+                      <a:r>
+                        <a:rPr lang="en-US" sz="2100" u="none" strike="noStrike">
+                          <a:effectLst/>
+                        </a:rPr>
+                        <a:t>Smith, J.R.</a:t>
+                      </a:r>
+                      <a:endParaRPr lang="en-US" sz="2100" b="0" i="0" u="none" strike="noStrike">
+                        <a:solidFill>
+                          <a:srgbClr val="000000"/>
+                        </a:solidFill>
+                        <a:effectLst/>
+                        <a:latin typeface="Calibri" panose="020F0502020204030204" pitchFamily="34" charset="0"/>
+                      </a:endParaRPr>
+                    </a:p>
+                  </a:txBody>
+                  <a:tcPr marL="12087" marR="12087" marT="12087" marB="0" anchor="ctr"/>
+                </a:tc>
+                <a:tc>
+                  <a:txBody>
+                    <a:bodyPr/>
+                    <a:lstStyle/>
+                    <a:p>
+                      <a:pPr algn="ctr" fontAlgn="b"/>
+                      <a:r>
+                        <a:rPr lang="en-US" sz="2100" u="none" strike="noStrike" dirty="0">
+                          <a:effectLst/>
+                        </a:rPr>
+                        <a:t>1</a:t>
+                      </a:r>
+                      <a:endParaRPr lang="en-US" sz="2100" b="0" i="0" u="none" strike="noStrike" dirty="0">
+                        <a:solidFill>
+                          <a:srgbClr val="000000"/>
+                        </a:solidFill>
+                        <a:effectLst/>
+                        <a:latin typeface="Calibri" panose="020F0502020204030204" pitchFamily="34" charset="0"/>
+                      </a:endParaRPr>
+                    </a:p>
+                  </a:txBody>
+                  <a:tcPr marL="12087" marR="12087" marT="12087" marB="0" anchor="ctr"/>
+                </a:tc>
+                <a:extLst>
+                  <a:ext uri="{0D108BD9-81ED-4DB2-BD59-A6C34878D82A}">
+                    <a16:rowId xmlns:a16="http://schemas.microsoft.com/office/drawing/2014/main" val="883799485"/>
+                  </a:ext>
+                </a:extLst>
+              </a:tr>
+              <a:tr h="350520">
+                <a:tc>
+                  <a:txBody>
+                    <a:bodyPr/>
+                    <a:lstStyle/>
+                    <a:p>
+                      <a:pPr algn="ctr" fontAlgn="b"/>
+                      <a:r>
+                        <a:rPr lang="en-US" sz="2100" u="none" strike="noStrike">
+                          <a:effectLst/>
+                        </a:rPr>
+                        <a:t>Lue, Tyronn</a:t>
+                      </a:r>
+                      <a:endParaRPr lang="en-US" sz="2100" b="0" i="0" u="none" strike="noStrike">
+                        <a:solidFill>
+                          <a:srgbClr val="000000"/>
+                        </a:solidFill>
+                        <a:effectLst/>
+                        <a:latin typeface="Calibri" panose="020F0502020204030204" pitchFamily="34" charset="0"/>
+                      </a:endParaRPr>
+                    </a:p>
+                  </a:txBody>
+                  <a:tcPr marL="12087" marR="12087" marT="12087" marB="0" anchor="ctr"/>
+                </a:tc>
+                <a:tc>
+                  <a:txBody>
+                    <a:bodyPr/>
+                    <a:lstStyle/>
+                    <a:p>
+                      <a:pPr algn="ctr" fontAlgn="b"/>
+                      <a:r>
+                        <a:rPr lang="en-US" sz="2100" u="none" strike="noStrike" dirty="0">
+                          <a:effectLst/>
+                        </a:rPr>
+                        <a:t>2</a:t>
+                      </a:r>
+                      <a:endParaRPr lang="en-US" sz="2100" b="0" i="0" u="none" strike="noStrike" dirty="0">
+                        <a:solidFill>
+                          <a:srgbClr val="000000"/>
+                        </a:solidFill>
+                        <a:effectLst/>
+                        <a:latin typeface="Calibri" panose="020F0502020204030204" pitchFamily="34" charset="0"/>
+                      </a:endParaRPr>
+                    </a:p>
+                  </a:txBody>
+                  <a:tcPr marL="12087" marR="12087" marT="12087" marB="0" anchor="ctr"/>
+                </a:tc>
+                <a:extLst>
+                  <a:ext uri="{0D108BD9-81ED-4DB2-BD59-A6C34878D82A}">
+                    <a16:rowId xmlns:a16="http://schemas.microsoft.com/office/drawing/2014/main" val="3008209415"/>
+                  </a:ext>
+                </a:extLst>
+              </a:tr>
+              <a:tr h="350520">
+                <a:tc>
+                  <a:txBody>
+                    <a:bodyPr/>
+                    <a:lstStyle/>
+                    <a:p>
+                      <a:pPr algn="ctr" fontAlgn="b"/>
+                      <a:r>
+                        <a:rPr lang="en-US" sz="2100" u="none" strike="noStrike">
+                          <a:effectLst/>
+                        </a:rPr>
+                        <a:t>Love, Kevin</a:t>
+                      </a:r>
+                      <a:endParaRPr lang="en-US" sz="2100" b="0" i="0" u="none" strike="noStrike">
+                        <a:solidFill>
+                          <a:srgbClr val="000000"/>
+                        </a:solidFill>
+                        <a:effectLst/>
+                        <a:latin typeface="Calibri" panose="020F0502020204030204" pitchFamily="34" charset="0"/>
+                      </a:endParaRPr>
+                    </a:p>
+                  </a:txBody>
+                  <a:tcPr marL="12087" marR="12087" marT="12087" marB="0" anchor="b"/>
+                </a:tc>
+                <a:tc>
+                  <a:txBody>
+                    <a:bodyPr/>
+                    <a:lstStyle/>
+                    <a:p>
+                      <a:pPr algn="ctr" fontAlgn="b"/>
+                      <a:r>
+                        <a:rPr lang="en-US" sz="2100" u="none" strike="noStrike" dirty="0">
+                          <a:effectLst/>
+                        </a:rPr>
+                        <a:t>3</a:t>
+                      </a:r>
+                      <a:endParaRPr lang="en-US" sz="2100" b="0" i="0" u="none" strike="noStrike" dirty="0">
+                        <a:solidFill>
+                          <a:srgbClr val="000000"/>
+                        </a:solidFill>
+                        <a:effectLst/>
+                        <a:latin typeface="Calibri" panose="020F0502020204030204" pitchFamily="34" charset="0"/>
+                      </a:endParaRPr>
+                    </a:p>
+                  </a:txBody>
+                  <a:tcPr marL="12087" marR="12087" marT="12087" marB="0" anchor="b"/>
+                </a:tc>
+                <a:extLst>
+                  <a:ext uri="{0D108BD9-81ED-4DB2-BD59-A6C34878D82A}">
+                    <a16:rowId xmlns:a16="http://schemas.microsoft.com/office/drawing/2014/main" val="1583216125"/>
+                  </a:ext>
+                </a:extLst>
+              </a:tr>
+            </a:tbl>
+          </a:graphicData>
+        </a:graphic>
+      </p:graphicFrame>
+    </p:spTree>
+    <p:custDataLst>
+      <p:tags r:id="rId1"/>
+    </p:custDataLst>
+    <p:extLst>
+      <p:ext uri="{BB962C8B-B14F-4D97-AF65-F5344CB8AC3E}">
+        <p14:creationId xmlns:p14="http://schemas.microsoft.com/office/powerpoint/2010/main" val="2434639619"/>
+      </p:ext>
+    </p:extLst>
+  </p:cSld>
+  <p:clrMapOvr>
+    <a:masterClrMapping/>
+  </p:clrMapOvr>
+</p:sld>
+</file>
+
+<file path=ppt/slides/slide12.xml><?xml version="1.0" encoding="utf-8"?>
+<p:sld xmlns:a="http://schemas.openxmlformats.org/drawingml/2006/main" xmlns:r="http://schemas.openxmlformats.org/officeDocument/2006/relationships" xmlns:p="http://schemas.openxmlformats.org/presentationml/2006/main">
+  <p:cSld>
+    <p:bg>
+      <p:bgPr>
+        <a:solidFill>
+          <a:schemeClr val="bg1">
+            <a:lumMod val="85000"/>
+          </a:schemeClr>
+        </a:solidFill>
+        <a:effectLst/>
+      </p:bgPr>
+    </p:bg>
+    <p:spTree>
+      <p:nvGrpSpPr>
+        <p:cNvPr id="1" name=""/>
+        <p:cNvGrpSpPr/>
+        <p:nvPr/>
+      </p:nvGrpSpPr>
+      <p:grpSpPr>
+        <a:xfrm>
+          <a:off x="0" y="0"/>
+          <a:ext cx="0" cy="0"/>
+          <a:chOff x="0" y="0"/>
+          <a:chExt cx="0" cy="0"/>
+        </a:xfrm>
+      </p:grpSpPr>
+      <p:sp>
+        <p:nvSpPr>
+          <p:cNvPr id="15" name="Rectangle 12">
+            <a:extLst>
+              <a:ext uri="{FF2B5EF4-FFF2-40B4-BE49-F238E27FC236}">
+                <a16:creationId xmlns:a16="http://schemas.microsoft.com/office/drawing/2014/main" id="{867D4867-5BA7-4462-B2F6-A23F4A622AA7}"/>
+              </a:ext>
+              <a:ext uri="{C183D7F6-B498-43B3-948B-1728B52AA6E4}">
+                <adec:decorative xmlns:adec="http://schemas.microsoft.com/office/drawing/2017/decorative" val="1"/>
+              </a:ext>
+            </a:extLst>
+          </p:cNvPr>
+          <p:cNvSpPr>
+            <a:spLocks noGrp="1" noRot="1" noChangeAspect="1" noMove="1" noResize="1" noEditPoints="1" noAdjustHandles="1" noChangeArrowheads="1" noChangeShapeType="1" noTextEdit="1"/>
+          </p:cNvSpPr>
+          <p:nvPr>
+            <p:extLst>
+              <p:ext uri="{386F3935-93C4-4BCD-93E2-E3B085C9AB24}">
+                <p16:designElem xmlns:p16="http://schemas.microsoft.com/office/powerpoint/2015/main" val="1"/>
+              </p:ext>
+            </p:extLst>
+          </p:nvPr>
+        </p:nvSpPr>
+        <p:spPr>
+          <a:xfrm>
+            <a:off x="0" y="0"/>
+            <a:ext cx="3490722" cy="6858000"/>
+          </a:xfrm>
+          <a:prstGeom prst="rect">
+            <a:avLst/>
+          </a:prstGeom>
+          <a:solidFill>
+            <a:schemeClr val="tx1">
+              <a:lumMod val="75000"/>
+              <a:lumOff val="25000"/>
+            </a:schemeClr>
+          </a:solidFill>
+          <a:ln>
+            <a:noFill/>
+          </a:ln>
+        </p:spPr>
+        <p:style>
+          <a:lnRef idx="0">
+            <a:scrgbClr r="0" g="0" b="0"/>
+          </a:lnRef>
+          <a:fillRef idx="0">
+            <a:scrgbClr r="0" g="0" b="0"/>
+          </a:fillRef>
+          <a:effectRef idx="0">
+            <a:scrgbClr r="0" g="0" b="0"/>
+          </a:effectRef>
+          <a:fontRef idx="minor">
+            <a:schemeClr val="lt1"/>
+          </a:fontRef>
+        </p:style>
+        <p:txBody>
+          <a:bodyPr rtlCol="0" anchor="ctr"/>
+          <a:lstStyle/>
+          <a:p>
+            <a:pPr marL="0" marR="0" lvl="0" indent="0" algn="ctr" defTabSz="457200" rtl="0" eaLnBrk="1" fontAlgn="base" latinLnBrk="0" hangingPunct="1">
+              <a:lnSpc>
+                <a:spcPct val="100000"/>
+              </a:lnSpc>
+              <a:spcBef>
+                <a:spcPct val="0"/>
+              </a:spcBef>
+              <a:spcAft>
+                <a:spcPct val="0"/>
+              </a:spcAft>
+              <a:buClrTx/>
+              <a:buSzTx/>
+              <a:buFontTx/>
+              <a:buNone/>
+              <a:tabLst/>
+              <a:defRPr/>
+            </a:pPr>
+            <a:endParaRPr kumimoji="0" lang="en-US" sz="2400" b="0" i="0" u="none" strike="noStrike" kern="1200" cap="none" spc="0" normalizeH="0" baseline="0" noProof="0">
+              <a:ln>
+                <a:noFill/>
+              </a:ln>
+              <a:solidFill>
+                <a:prstClr val="white"/>
+              </a:solidFill>
+              <a:effectLst/>
+              <a:uLnTx/>
+              <a:uFillTx/>
+              <a:latin typeface="Calibri"/>
+              <a:ea typeface="+mn-ea"/>
+              <a:cs typeface="+mn-cs"/>
+            </a:endParaRPr>
+          </a:p>
+        </p:txBody>
+      </p:sp>
+      <p:sp>
+        <p:nvSpPr>
+          <p:cNvPr id="2" name="Title 1"/>
+          <p:cNvSpPr>
+            <a:spLocks noGrp="1"/>
+          </p:cNvSpPr>
+          <p:nvPr>
+            <p:ph type="title"/>
+          </p:nvPr>
+        </p:nvSpPr>
+        <p:spPr>
+          <a:xfrm>
+            <a:off x="482600" y="643467"/>
+            <a:ext cx="2522980" cy="1597315"/>
+          </a:xfrm>
+          <a:noFill/>
+          <a:ln w="19050">
+            <a:solidFill>
+              <a:schemeClr val="bg1"/>
+            </a:solidFill>
+          </a:ln>
+        </p:spPr>
+        <p:txBody>
+          <a:bodyPr vert="horz" wrap="square" lIns="91440" tIns="45720" rIns="91440" bIns="45720" rtlCol="0" anchor="ctr">
+            <a:normAutofit/>
+          </a:bodyPr>
+          <a:lstStyle/>
+          <a:p>
+            <a:pPr defTabSz="914400" eaLnBrk="1" hangingPunct="1">
+              <a:lnSpc>
+                <a:spcPct val="90000"/>
+              </a:lnSpc>
+            </a:pPr>
+            <a:r>
+              <a:rPr lang="en-US" sz="2400" kern="1200" dirty="0">
+                <a:solidFill>
+                  <a:schemeClr val="bg1"/>
+                </a:solidFill>
+                <a:latin typeface="+mj-lt"/>
+                <a:ea typeface="+mj-ea"/>
+                <a:cs typeface="+mj-cs"/>
+              </a:rPr>
+              <a:t>Part </a:t>
+            </a:r>
+            <a:r>
+              <a:rPr lang="en-US" sz="2400" dirty="0">
+                <a:solidFill>
+                  <a:schemeClr val="bg1"/>
+                </a:solidFill>
+                <a:ea typeface="+mj-ea"/>
+                <a:cs typeface="+mj-cs"/>
+              </a:rPr>
+              <a:t>3</a:t>
+            </a:r>
+            <a:br>
+              <a:rPr lang="en-US" sz="2400" kern="1200" dirty="0">
+                <a:solidFill>
+                  <a:schemeClr val="bg1"/>
+                </a:solidFill>
+                <a:latin typeface="+mj-lt"/>
+                <a:ea typeface="+mj-ea"/>
+                <a:cs typeface="+mj-cs"/>
+              </a:rPr>
+            </a:br>
+            <a:r>
+              <a:rPr lang="en-US" sz="2400" kern="1200" dirty="0">
+                <a:solidFill>
+                  <a:schemeClr val="bg1"/>
+                </a:solidFill>
+                <a:latin typeface="+mj-lt"/>
+                <a:ea typeface="+mj-ea"/>
+                <a:cs typeface="+mj-cs"/>
+              </a:rPr>
+              <a:t>Final Presentation</a:t>
+            </a:r>
+          </a:p>
+        </p:txBody>
+      </p:sp>
+      <p:pic>
+        <p:nvPicPr>
+          <p:cNvPr id="8" name="Picture 7">
+            <a:extLst>
+              <a:ext uri="{FF2B5EF4-FFF2-40B4-BE49-F238E27FC236}">
+                <a16:creationId xmlns:a16="http://schemas.microsoft.com/office/drawing/2014/main" id="{521D4292-9ECC-4DA5-8CC0-C561A0DA118E}"/>
+              </a:ext>
+            </a:extLst>
+          </p:cNvPr>
+          <p:cNvPicPr>
+            <a:picLocks noChangeAspect="1"/>
+          </p:cNvPicPr>
+          <p:nvPr/>
+        </p:nvPicPr>
+        <p:blipFill rotWithShape="1">
+          <a:blip r:embed="rId3"/>
+          <a:srcRect l="8000" r="9400"/>
+          <a:stretch/>
+        </p:blipFill>
+        <p:spPr>
+          <a:xfrm>
+            <a:off x="660103" y="3048000"/>
+            <a:ext cx="2167974" cy="2624666"/>
+          </a:xfrm>
+          <a:prstGeom prst="rect">
+            <a:avLst/>
+          </a:prstGeom>
+          <a:noFill/>
+        </p:spPr>
+      </p:pic>
+      <p:sp>
+        <p:nvSpPr>
           <p:cNvPr id="17" name="TextBox 16">
             <a:extLst>
               <a:ext uri="{FF2B5EF4-FFF2-40B4-BE49-F238E27FC236}">
@@ -8664,8 +9800,8 @@
         </p:nvSpPr>
         <p:spPr>
           <a:xfrm>
-            <a:off x="3962400" y="645037"/>
-            <a:ext cx="5181600" cy="6001643"/>
+            <a:off x="3962400" y="643467"/>
+            <a:ext cx="5029200" cy="5632311"/>
           </a:xfrm>
           <a:prstGeom prst="rect">
             <a:avLst/>
@@ -8688,11 +9824,11 @@
                   <a:srgbClr val="404040"/>
                 </a:solidFill>
               </a:rPr>
-              <a:t>What You Should Have?</a:t>
-            </a:r>
-          </a:p>
-          <a:p>
-            <a:pPr marL="800100" lvl="1" indent="-342900">
+              <a:t>Select 1 of the 2 Questions</a:t>
+            </a:r>
+          </a:p>
+          <a:p>
+            <a:pPr marL="342900" indent="-342900">
               <a:buFont typeface="Arial" panose="020B0604020202020204" pitchFamily="34" charset="0"/>
               <a:buChar char="•"/>
             </a:pPr>
@@ -8703,6 +9839,20 @@
             </a:endParaRPr>
           </a:p>
           <a:p>
+            <a:pPr marL="342900" indent="-342900">
+              <a:buFont typeface="Arial" panose="020B0604020202020204" pitchFamily="34" charset="0"/>
+              <a:buChar char="•"/>
+            </a:pPr>
+            <a:r>
+              <a:rPr lang="en-US" dirty="0">
+                <a:solidFill>
+                  <a:srgbClr val="404040"/>
+                </a:solidFill>
+              </a:rPr>
+              <a:t>Details</a:t>
+            </a:r>
+          </a:p>
+          <a:p>
             <a:pPr marL="800100" lvl="1" indent="-342900">
               <a:buFont typeface="Arial" panose="020B0604020202020204" pitchFamily="34" charset="0"/>
               <a:buChar char="•"/>
@@ -8713,7 +9863,7 @@
                   <a:srgbClr val="404040"/>
                 </a:solidFill>
               </a:rPr>
-              <a:t>A Data Set</a:t>
+              <a:t>3-5 Minutes</a:t>
             </a:r>
           </a:p>
           <a:p>
@@ -8727,7 +9877,7 @@
                   <a:srgbClr val="404040"/>
                 </a:solidFill>
               </a:rPr>
-              <a:t>Exploration of Data From Multiple Angles</a:t>
+              <a:t>Slideshow Presentation</a:t>
             </a:r>
           </a:p>
           <a:p>
@@ -8741,7 +9891,7 @@
                   <a:srgbClr val="404040"/>
                 </a:solidFill>
               </a:rPr>
-              <a:t>Preliminary Visuals or Tables</a:t>
+              <a:t>At Least 4 Visuals (Graphics or Tables)</a:t>
             </a:r>
           </a:p>
           <a:p>
@@ -8755,7 +9905,29 @@
                   <a:srgbClr val="404040"/>
                 </a:solidFill>
               </a:rPr>
-              <a:t>Detailed Follow-up Questions</a:t>
+              <a:t>Ordered by Group Number</a:t>
+            </a:r>
+          </a:p>
+          <a:p>
+            <a:pPr lvl="1"/>
+            <a:endParaRPr lang="en-US" dirty="0">
+              <a:solidFill>
+                <a:srgbClr val="404040"/>
+              </a:solidFill>
+            </a:endParaRPr>
+          </a:p>
+          <a:p>
+            <a:pPr marL="342900" indent="-342900">
+              <a:buFont typeface="Arial" panose="020B0604020202020204" pitchFamily="34" charset="0"/>
+              <a:buChar char="•"/>
+            </a:pPr>
+            <a:r>
+              <a:rPr lang="en-US" dirty="0">
+                <a:solidFill>
+                  <a:srgbClr val="404040"/>
+                </a:solidFill>
+              </a:rPr>
+              <a:t>Subjective Grading (1, 2, or 3)</a:t>
             </a:r>
           </a:p>
           <a:p>
@@ -8769,7 +9941,7 @@
                   <a:srgbClr val="404040"/>
                 </a:solidFill>
               </a:rPr>
-              <a:t>Investigation on Those Follow-Up Question</a:t>
+              <a:t>Explanation of Question</a:t>
             </a:r>
           </a:p>
           <a:p>
@@ -8777,6 +9949,1533 @@
               <a:buFont typeface="Arial" panose="020B0604020202020204" pitchFamily="34" charset="0"/>
               <a:buChar char="•"/>
             </a:pPr>
+            <a:r>
+              <a:rPr lang="en-US" dirty="0">
+                <a:solidFill>
+                  <a:srgbClr val="404040"/>
+                </a:solidFill>
+              </a:rPr>
+              <a:t>Explanation of Methods</a:t>
+            </a:r>
+          </a:p>
+          <a:p>
+            <a:pPr marL="800100" lvl="1" indent="-342900">
+              <a:buFont typeface="Arial" panose="020B0604020202020204" pitchFamily="34" charset="0"/>
+              <a:buChar char="•"/>
+            </a:pPr>
+            <a:r>
+              <a:rPr lang="en-US" dirty="0">
+                <a:solidFill>
+                  <a:srgbClr val="404040"/>
+                </a:solidFill>
+              </a:rPr>
+              <a:t>Organization of Content</a:t>
+            </a:r>
+          </a:p>
+          <a:p>
+            <a:pPr marL="800100" lvl="1" indent="-342900">
+              <a:buFont typeface="Arial" panose="020B0604020202020204" pitchFamily="34" charset="0"/>
+              <a:buChar char="•"/>
+            </a:pPr>
+            <a:r>
+              <a:rPr lang="en-US" dirty="0">
+                <a:solidFill>
+                  <a:srgbClr val="404040"/>
+                </a:solidFill>
+              </a:rPr>
+              <a:t>Eye Contact/Body Language</a:t>
+            </a:r>
+          </a:p>
+          <a:p>
+            <a:pPr marL="800100" lvl="1" indent="-342900">
+              <a:buFont typeface="Arial" panose="020B0604020202020204" pitchFamily="34" charset="0"/>
+              <a:buChar char="•"/>
+            </a:pPr>
+            <a:r>
+              <a:rPr lang="en-US" dirty="0">
+                <a:solidFill>
+                  <a:srgbClr val="404040"/>
+                </a:solidFill>
+              </a:rPr>
+              <a:t>Slide Quality</a:t>
+            </a:r>
+          </a:p>
+        </p:txBody>
+      </p:sp>
+    </p:spTree>
+    <p:custDataLst>
+      <p:tags r:id="rId1"/>
+    </p:custDataLst>
+    <p:extLst>
+      <p:ext uri="{BB962C8B-B14F-4D97-AF65-F5344CB8AC3E}">
+        <p14:creationId xmlns:p14="http://schemas.microsoft.com/office/powerpoint/2010/main" val="229741462"/>
+      </p:ext>
+    </p:extLst>
+  </p:cSld>
+  <p:clrMapOvr>
+    <a:masterClrMapping/>
+  </p:clrMapOvr>
+</p:sld>
+</file>
+
+<file path=ppt/slides/slide13.xml><?xml version="1.0" encoding="utf-8"?>
+<p:sld xmlns:a="http://schemas.openxmlformats.org/drawingml/2006/main" xmlns:r="http://schemas.openxmlformats.org/officeDocument/2006/relationships" xmlns:p="http://schemas.openxmlformats.org/presentationml/2006/main">
+  <p:cSld>
+    <p:bg>
+      <p:bgPr>
+        <a:solidFill>
+          <a:schemeClr val="bg1">
+            <a:lumMod val="85000"/>
+          </a:schemeClr>
+        </a:solidFill>
+        <a:effectLst/>
+      </p:bgPr>
+    </p:bg>
+    <p:spTree>
+      <p:nvGrpSpPr>
+        <p:cNvPr id="1" name=""/>
+        <p:cNvGrpSpPr/>
+        <p:nvPr/>
+      </p:nvGrpSpPr>
+      <p:grpSpPr>
+        <a:xfrm>
+          <a:off x="0" y="0"/>
+          <a:ext cx="0" cy="0"/>
+          <a:chOff x="0" y="0"/>
+          <a:chExt cx="0" cy="0"/>
+        </a:xfrm>
+      </p:grpSpPr>
+      <p:sp>
+        <p:nvSpPr>
+          <p:cNvPr id="15" name="Rectangle 12">
+            <a:extLst>
+              <a:ext uri="{FF2B5EF4-FFF2-40B4-BE49-F238E27FC236}">
+                <a16:creationId xmlns:a16="http://schemas.microsoft.com/office/drawing/2014/main" id="{867D4867-5BA7-4462-B2F6-A23F4A622AA7}"/>
+              </a:ext>
+              <a:ext uri="{C183D7F6-B498-43B3-948B-1728B52AA6E4}">
+                <adec:decorative xmlns:adec="http://schemas.microsoft.com/office/drawing/2017/decorative" val="1"/>
+              </a:ext>
+            </a:extLst>
+          </p:cNvPr>
+          <p:cNvSpPr>
+            <a:spLocks noGrp="1" noRot="1" noChangeAspect="1" noMove="1" noResize="1" noEditPoints="1" noAdjustHandles="1" noChangeArrowheads="1" noChangeShapeType="1" noTextEdit="1"/>
+          </p:cNvSpPr>
+          <p:nvPr>
+            <p:extLst>
+              <p:ext uri="{386F3935-93C4-4BCD-93E2-E3B085C9AB24}">
+                <p16:designElem xmlns:p16="http://schemas.microsoft.com/office/powerpoint/2015/main" val="1"/>
+              </p:ext>
+            </p:extLst>
+          </p:nvPr>
+        </p:nvSpPr>
+        <p:spPr>
+          <a:xfrm>
+            <a:off x="0" y="0"/>
+            <a:ext cx="3490722" cy="6858000"/>
+          </a:xfrm>
+          <a:prstGeom prst="rect">
+            <a:avLst/>
+          </a:prstGeom>
+          <a:solidFill>
+            <a:schemeClr val="tx1">
+              <a:lumMod val="75000"/>
+              <a:lumOff val="25000"/>
+            </a:schemeClr>
+          </a:solidFill>
+          <a:ln>
+            <a:noFill/>
+          </a:ln>
+        </p:spPr>
+        <p:style>
+          <a:lnRef idx="0">
+            <a:scrgbClr r="0" g="0" b="0"/>
+          </a:lnRef>
+          <a:fillRef idx="0">
+            <a:scrgbClr r="0" g="0" b="0"/>
+          </a:fillRef>
+          <a:effectRef idx="0">
+            <a:scrgbClr r="0" g="0" b="0"/>
+          </a:effectRef>
+          <a:fontRef idx="minor">
+            <a:schemeClr val="lt1"/>
+          </a:fontRef>
+        </p:style>
+        <p:txBody>
+          <a:bodyPr rtlCol="0" anchor="ctr"/>
+          <a:lstStyle/>
+          <a:p>
+            <a:pPr marL="0" marR="0" lvl="0" indent="0" algn="ctr" defTabSz="457200" rtl="0" eaLnBrk="1" fontAlgn="base" latinLnBrk="0" hangingPunct="1">
+              <a:lnSpc>
+                <a:spcPct val="100000"/>
+              </a:lnSpc>
+              <a:spcBef>
+                <a:spcPct val="0"/>
+              </a:spcBef>
+              <a:spcAft>
+                <a:spcPct val="0"/>
+              </a:spcAft>
+              <a:buClrTx/>
+              <a:buSzTx/>
+              <a:buFontTx/>
+              <a:buNone/>
+              <a:tabLst/>
+              <a:defRPr/>
+            </a:pPr>
+            <a:endParaRPr kumimoji="0" lang="en-US" sz="2400" b="0" i="0" u="none" strike="noStrike" kern="1200" cap="none" spc="0" normalizeH="0" baseline="0" noProof="0">
+              <a:ln>
+                <a:noFill/>
+              </a:ln>
+              <a:solidFill>
+                <a:prstClr val="white"/>
+              </a:solidFill>
+              <a:effectLst/>
+              <a:uLnTx/>
+              <a:uFillTx/>
+              <a:latin typeface="Calibri"/>
+              <a:ea typeface="+mn-ea"/>
+              <a:cs typeface="+mn-cs"/>
+            </a:endParaRPr>
+          </a:p>
+        </p:txBody>
+      </p:sp>
+      <p:sp>
+        <p:nvSpPr>
+          <p:cNvPr id="2" name="Title 1"/>
+          <p:cNvSpPr>
+            <a:spLocks noGrp="1"/>
+          </p:cNvSpPr>
+          <p:nvPr>
+            <p:ph type="title"/>
+          </p:nvPr>
+        </p:nvSpPr>
+        <p:spPr>
+          <a:xfrm>
+            <a:off x="482600" y="643467"/>
+            <a:ext cx="2522980" cy="1597315"/>
+          </a:xfrm>
+          <a:noFill/>
+          <a:ln w="19050">
+            <a:solidFill>
+              <a:schemeClr val="bg1"/>
+            </a:solidFill>
+          </a:ln>
+        </p:spPr>
+        <p:txBody>
+          <a:bodyPr vert="horz" wrap="square" lIns="91440" tIns="45720" rIns="91440" bIns="45720" rtlCol="0" anchor="ctr">
+            <a:normAutofit/>
+          </a:bodyPr>
+          <a:lstStyle/>
+          <a:p>
+            <a:pPr defTabSz="914400" eaLnBrk="1" hangingPunct="1">
+              <a:lnSpc>
+                <a:spcPct val="90000"/>
+              </a:lnSpc>
+            </a:pPr>
+            <a:r>
+              <a:rPr lang="en-US" sz="2400" kern="1200" dirty="0">
+                <a:solidFill>
+                  <a:schemeClr val="bg1"/>
+                </a:solidFill>
+                <a:latin typeface="+mj-lt"/>
+                <a:ea typeface="+mj-ea"/>
+                <a:cs typeface="+mj-cs"/>
+              </a:rPr>
+              <a:t>Part </a:t>
+            </a:r>
+            <a:r>
+              <a:rPr lang="en-US" sz="2400" dirty="0">
+                <a:solidFill>
+                  <a:schemeClr val="bg1"/>
+                </a:solidFill>
+                <a:ea typeface="+mj-ea"/>
+                <a:cs typeface="+mj-cs"/>
+              </a:rPr>
+              <a:t>3</a:t>
+            </a:r>
+            <a:br>
+              <a:rPr lang="en-US" sz="2400" kern="1200" dirty="0">
+                <a:solidFill>
+                  <a:schemeClr val="bg1"/>
+                </a:solidFill>
+                <a:latin typeface="+mj-lt"/>
+                <a:ea typeface="+mj-ea"/>
+                <a:cs typeface="+mj-cs"/>
+              </a:rPr>
+            </a:br>
+            <a:r>
+              <a:rPr lang="en-US" sz="2400" kern="1200" dirty="0">
+                <a:solidFill>
+                  <a:schemeClr val="bg1"/>
+                </a:solidFill>
+                <a:latin typeface="+mj-lt"/>
+                <a:ea typeface="+mj-ea"/>
+                <a:cs typeface="+mj-cs"/>
+              </a:rPr>
+              <a:t>Final Presentation</a:t>
+            </a:r>
+          </a:p>
+        </p:txBody>
+      </p:sp>
+      <p:pic>
+        <p:nvPicPr>
+          <p:cNvPr id="8" name="Picture 7">
+            <a:extLst>
+              <a:ext uri="{FF2B5EF4-FFF2-40B4-BE49-F238E27FC236}">
+                <a16:creationId xmlns:a16="http://schemas.microsoft.com/office/drawing/2014/main" id="{521D4292-9ECC-4DA5-8CC0-C561A0DA118E}"/>
+              </a:ext>
+            </a:extLst>
+          </p:cNvPr>
+          <p:cNvPicPr>
+            <a:picLocks noChangeAspect="1"/>
+          </p:cNvPicPr>
+          <p:nvPr/>
+        </p:nvPicPr>
+        <p:blipFill rotWithShape="1">
+          <a:blip r:embed="rId3"/>
+          <a:srcRect l="8000" r="9400"/>
+          <a:stretch/>
+        </p:blipFill>
+        <p:spPr>
+          <a:xfrm>
+            <a:off x="660103" y="3048000"/>
+            <a:ext cx="2167974" cy="2624666"/>
+          </a:xfrm>
+          <a:prstGeom prst="rect">
+            <a:avLst/>
+          </a:prstGeom>
+          <a:noFill/>
+        </p:spPr>
+      </p:pic>
+      <p:sp>
+        <p:nvSpPr>
+          <p:cNvPr id="17" name="TextBox 16">
+            <a:extLst>
+              <a:ext uri="{FF2B5EF4-FFF2-40B4-BE49-F238E27FC236}">
+                <a16:creationId xmlns:a16="http://schemas.microsoft.com/office/drawing/2014/main" id="{06B7DDB2-2AA3-445A-BD53-AFD43615C987}"/>
+              </a:ext>
+            </a:extLst>
+          </p:cNvPr>
+          <p:cNvSpPr txBox="1"/>
+          <p:nvPr/>
+        </p:nvSpPr>
+        <p:spPr>
+          <a:xfrm>
+            <a:off x="3962400" y="643467"/>
+            <a:ext cx="5029200" cy="5632311"/>
+          </a:xfrm>
+          <a:prstGeom prst="rect">
+            <a:avLst/>
+          </a:prstGeom>
+          <a:noFill/>
+        </p:spPr>
+        <p:txBody>
+          <a:bodyPr wrap="square" rtlCol="0">
+            <a:spAutoFit/>
+          </a:bodyPr>
+          <a:lstStyle/>
+          <a:p>
+            <a:pPr marL="342900" indent="-342900">
+              <a:buFont typeface="Arial" panose="020B0604020202020204" pitchFamily="34" charset="0"/>
+              <a:buChar char="•"/>
+            </a:pPr>
+            <a:r>
+              <a:rPr lang="en-US" dirty="0">
+                <a:solidFill>
+                  <a:srgbClr val="404040"/>
+                </a:solidFill>
+              </a:rPr>
+              <a:t>All Members Involved</a:t>
+            </a:r>
+          </a:p>
+          <a:p>
+            <a:pPr marL="800100" lvl="1" indent="-342900">
+              <a:buFont typeface="Arial" panose="020B0604020202020204" pitchFamily="34" charset="0"/>
+              <a:buChar char="•"/>
+            </a:pPr>
+            <a:r>
+              <a:rPr lang="en-US" dirty="0">
+                <a:solidFill>
+                  <a:srgbClr val="404040"/>
+                </a:solidFill>
+              </a:rPr>
+              <a:t>Creation of Slides</a:t>
+            </a:r>
+          </a:p>
+          <a:p>
+            <a:pPr marL="800100" lvl="1" indent="-342900">
+              <a:buFont typeface="Arial" panose="020B0604020202020204" pitchFamily="34" charset="0"/>
+              <a:buChar char="•"/>
+            </a:pPr>
+            <a:r>
+              <a:rPr lang="en-US" dirty="0">
+                <a:solidFill>
+                  <a:srgbClr val="404040"/>
+                </a:solidFill>
+              </a:rPr>
+              <a:t>Organization of Content</a:t>
+            </a:r>
+          </a:p>
+          <a:p>
+            <a:pPr marL="800100" lvl="1" indent="-342900">
+              <a:buFont typeface="Arial" panose="020B0604020202020204" pitchFamily="34" charset="0"/>
+              <a:buChar char="•"/>
+            </a:pPr>
+            <a:r>
+              <a:rPr lang="en-US" dirty="0">
+                <a:solidFill>
+                  <a:srgbClr val="404040"/>
+                </a:solidFill>
+              </a:rPr>
+              <a:t>Practice Presentation</a:t>
+            </a:r>
+          </a:p>
+          <a:p>
+            <a:pPr marL="800100" lvl="1" indent="-342900">
+              <a:buFont typeface="Arial" panose="020B0604020202020204" pitchFamily="34" charset="0"/>
+              <a:buChar char="•"/>
+            </a:pPr>
+            <a:r>
+              <a:rPr lang="en-US" dirty="0">
+                <a:solidFill>
+                  <a:srgbClr val="404040"/>
+                </a:solidFill>
+              </a:rPr>
+              <a:t>Proofreading of Slides</a:t>
+            </a:r>
+          </a:p>
+          <a:p>
+            <a:pPr marL="800100" lvl="1" indent="-342900">
+              <a:buFont typeface="Arial" panose="020B0604020202020204" pitchFamily="34" charset="0"/>
+              <a:buChar char="•"/>
+            </a:pPr>
+            <a:r>
+              <a:rPr lang="en-US" dirty="0">
+                <a:solidFill>
+                  <a:srgbClr val="404040"/>
+                </a:solidFill>
+              </a:rPr>
+              <a:t>Q &amp; A</a:t>
+            </a:r>
+          </a:p>
+          <a:p>
+            <a:pPr marL="800100" lvl="1" indent="-342900">
+              <a:buFont typeface="Arial" panose="020B0604020202020204" pitchFamily="34" charset="0"/>
+              <a:buChar char="•"/>
+            </a:pPr>
+            <a:r>
+              <a:rPr lang="en-US" dirty="0">
+                <a:solidFill>
+                  <a:srgbClr val="404040"/>
+                </a:solidFill>
+              </a:rPr>
+              <a:t>Attendance (5 Points)</a:t>
+            </a:r>
+          </a:p>
+          <a:p>
+            <a:pPr marL="800100" lvl="1" indent="-342900">
+              <a:buFont typeface="Arial" panose="020B0604020202020204" pitchFamily="34" charset="0"/>
+              <a:buChar char="•"/>
+            </a:pPr>
+            <a:endParaRPr lang="en-US" dirty="0">
+              <a:solidFill>
+                <a:srgbClr val="404040"/>
+              </a:solidFill>
+            </a:endParaRPr>
+          </a:p>
+          <a:p>
+            <a:pPr marL="342900" indent="-342900">
+              <a:buFont typeface="Arial" panose="020B0604020202020204" pitchFamily="34" charset="0"/>
+              <a:buChar char="•"/>
+            </a:pPr>
+            <a:r>
+              <a:rPr lang="en-US" dirty="0">
+                <a:solidFill>
+                  <a:srgbClr val="404040"/>
+                </a:solidFill>
+              </a:rPr>
+              <a:t>Questions From Audience</a:t>
+            </a:r>
+          </a:p>
+          <a:p>
+            <a:pPr marL="800100" lvl="1" indent="-342900">
+              <a:buFont typeface="Arial" panose="020B0604020202020204" pitchFamily="34" charset="0"/>
+              <a:buChar char="•"/>
+            </a:pPr>
+            <a:r>
+              <a:rPr lang="en-US" dirty="0">
+                <a:solidFill>
+                  <a:srgbClr val="404040"/>
+                </a:solidFill>
+              </a:rPr>
+              <a:t>Maximum of 2 Questions</a:t>
+            </a:r>
+          </a:p>
+          <a:p>
+            <a:pPr marL="800100" lvl="1" indent="-342900">
+              <a:buFont typeface="Arial" panose="020B0604020202020204" pitchFamily="34" charset="0"/>
+              <a:buChar char="•"/>
+            </a:pPr>
+            <a:r>
+              <a:rPr lang="en-US" dirty="0">
+                <a:solidFill>
+                  <a:srgbClr val="404040"/>
+                </a:solidFill>
+              </a:rPr>
+              <a:t>Ability to Answer (2 Points)</a:t>
+            </a:r>
+          </a:p>
+          <a:p>
+            <a:pPr marL="800100" lvl="1" indent="-342900">
+              <a:buFont typeface="Arial" panose="020B0604020202020204" pitchFamily="34" charset="0"/>
+              <a:buChar char="•"/>
+            </a:pPr>
+            <a:r>
+              <a:rPr lang="en-US" dirty="0">
+                <a:solidFill>
+                  <a:srgbClr val="404040"/>
+                </a:solidFill>
+              </a:rPr>
+              <a:t>No Q’s = 2 Points</a:t>
+            </a:r>
+          </a:p>
+          <a:p>
+            <a:pPr marL="800100" lvl="1" indent="-342900">
+              <a:buFont typeface="Arial" panose="020B0604020202020204" pitchFamily="34" charset="0"/>
+              <a:buChar char="•"/>
+            </a:pPr>
+            <a:endParaRPr lang="en-US" dirty="0">
+              <a:solidFill>
+                <a:srgbClr val="404040"/>
+              </a:solidFill>
+            </a:endParaRPr>
+          </a:p>
+          <a:p>
+            <a:pPr marL="342900" indent="-342900">
+              <a:buFont typeface="Arial" panose="020B0604020202020204" pitchFamily="34" charset="0"/>
+              <a:buChar char="•"/>
+            </a:pPr>
+            <a:r>
+              <a:rPr lang="en-US" dirty="0">
+                <a:solidFill>
+                  <a:srgbClr val="404040"/>
+                </a:solidFill>
+              </a:rPr>
+              <a:t>Read Description on Course Website</a:t>
+            </a:r>
+          </a:p>
+        </p:txBody>
+      </p:sp>
+    </p:spTree>
+    <p:custDataLst>
+      <p:tags r:id="rId1"/>
+    </p:custDataLst>
+    <p:extLst>
+      <p:ext uri="{BB962C8B-B14F-4D97-AF65-F5344CB8AC3E}">
+        <p14:creationId xmlns:p14="http://schemas.microsoft.com/office/powerpoint/2010/main" val="4007480531"/>
+      </p:ext>
+    </p:extLst>
+  </p:cSld>
+  <p:clrMapOvr>
+    <a:masterClrMapping/>
+  </p:clrMapOvr>
+</p:sld>
+</file>
+
+<file path=ppt/slides/slide14.xml><?xml version="1.0" encoding="utf-8"?>
+<p:sld xmlns:a="http://schemas.openxmlformats.org/drawingml/2006/main" xmlns:r="http://schemas.openxmlformats.org/officeDocument/2006/relationships" xmlns:p="http://schemas.openxmlformats.org/presentationml/2006/main">
+  <p:cSld>
+    <p:bg>
+      <p:bgPr>
+        <a:solidFill>
+          <a:schemeClr val="bg1">
+            <a:lumMod val="85000"/>
+          </a:schemeClr>
+        </a:solidFill>
+        <a:effectLst/>
+      </p:bgPr>
+    </p:bg>
+    <p:spTree>
+      <p:nvGrpSpPr>
+        <p:cNvPr id="1" name=""/>
+        <p:cNvGrpSpPr/>
+        <p:nvPr/>
+      </p:nvGrpSpPr>
+      <p:grpSpPr>
+        <a:xfrm>
+          <a:off x="0" y="0"/>
+          <a:ext cx="0" cy="0"/>
+          <a:chOff x="0" y="0"/>
+          <a:chExt cx="0" cy="0"/>
+        </a:xfrm>
+      </p:grpSpPr>
+      <p:sp>
+        <p:nvSpPr>
+          <p:cNvPr id="15" name="Rectangle 12">
+            <a:extLst>
+              <a:ext uri="{FF2B5EF4-FFF2-40B4-BE49-F238E27FC236}">
+                <a16:creationId xmlns:a16="http://schemas.microsoft.com/office/drawing/2014/main" id="{867D4867-5BA7-4462-B2F6-A23F4A622AA7}"/>
+              </a:ext>
+              <a:ext uri="{C183D7F6-B498-43B3-948B-1728B52AA6E4}">
+                <adec:decorative xmlns:adec="http://schemas.microsoft.com/office/drawing/2017/decorative" val="1"/>
+              </a:ext>
+            </a:extLst>
+          </p:cNvPr>
+          <p:cNvSpPr>
+            <a:spLocks noGrp="1" noRot="1" noChangeAspect="1" noMove="1" noResize="1" noEditPoints="1" noAdjustHandles="1" noChangeArrowheads="1" noChangeShapeType="1" noTextEdit="1"/>
+          </p:cNvSpPr>
+          <p:nvPr>
+            <p:extLst>
+              <p:ext uri="{386F3935-93C4-4BCD-93E2-E3B085C9AB24}">
+                <p16:designElem xmlns:p16="http://schemas.microsoft.com/office/powerpoint/2015/main" val="1"/>
+              </p:ext>
+            </p:extLst>
+          </p:nvPr>
+        </p:nvSpPr>
+        <p:spPr>
+          <a:xfrm>
+            <a:off x="0" y="0"/>
+            <a:ext cx="3490722" cy="6858000"/>
+          </a:xfrm>
+          <a:prstGeom prst="rect">
+            <a:avLst/>
+          </a:prstGeom>
+          <a:solidFill>
+            <a:schemeClr val="tx1">
+              <a:lumMod val="75000"/>
+              <a:lumOff val="25000"/>
+            </a:schemeClr>
+          </a:solidFill>
+          <a:ln>
+            <a:noFill/>
+          </a:ln>
+        </p:spPr>
+        <p:style>
+          <a:lnRef idx="0">
+            <a:scrgbClr r="0" g="0" b="0"/>
+          </a:lnRef>
+          <a:fillRef idx="0">
+            <a:scrgbClr r="0" g="0" b="0"/>
+          </a:fillRef>
+          <a:effectRef idx="0">
+            <a:scrgbClr r="0" g="0" b="0"/>
+          </a:effectRef>
+          <a:fontRef idx="minor">
+            <a:schemeClr val="lt1"/>
+          </a:fontRef>
+        </p:style>
+        <p:txBody>
+          <a:bodyPr rtlCol="0" anchor="ctr"/>
+          <a:lstStyle/>
+          <a:p>
+            <a:pPr algn="ctr"/>
+            <a:endParaRPr lang="en-US"/>
+          </a:p>
+        </p:txBody>
+      </p:sp>
+      <p:sp>
+        <p:nvSpPr>
+          <p:cNvPr id="2" name="Title 1"/>
+          <p:cNvSpPr>
+            <a:spLocks noGrp="1"/>
+          </p:cNvSpPr>
+          <p:nvPr>
+            <p:ph type="title"/>
+          </p:nvPr>
+        </p:nvSpPr>
+        <p:spPr>
+          <a:xfrm>
+            <a:off x="482600" y="643467"/>
+            <a:ext cx="2522980" cy="1597315"/>
+          </a:xfrm>
+          <a:noFill/>
+          <a:ln w="19050">
+            <a:solidFill>
+              <a:schemeClr val="bg1"/>
+            </a:solidFill>
+          </a:ln>
+        </p:spPr>
+        <p:txBody>
+          <a:bodyPr vert="horz" wrap="square" lIns="91440" tIns="45720" rIns="91440" bIns="45720" rtlCol="0" anchor="ctr">
+            <a:normAutofit/>
+          </a:bodyPr>
+          <a:lstStyle/>
+          <a:p>
+            <a:pPr defTabSz="914400" eaLnBrk="1" hangingPunct="1">
+              <a:lnSpc>
+                <a:spcPct val="90000"/>
+              </a:lnSpc>
+            </a:pPr>
+            <a:r>
+              <a:rPr lang="en-US" sz="2400" kern="1200">
+                <a:solidFill>
+                  <a:schemeClr val="bg1"/>
+                </a:solidFill>
+                <a:latin typeface="+mj-lt"/>
+                <a:ea typeface="+mj-ea"/>
+                <a:cs typeface="+mj-cs"/>
+              </a:rPr>
+              <a:t>Closing</a:t>
+            </a:r>
+            <a:endParaRPr lang="en-US" sz="2400" kern="1200" dirty="0">
+              <a:solidFill>
+                <a:schemeClr val="bg1"/>
+              </a:solidFill>
+              <a:latin typeface="+mj-lt"/>
+              <a:ea typeface="+mj-ea"/>
+              <a:cs typeface="+mj-cs"/>
+            </a:endParaRPr>
+          </a:p>
+        </p:txBody>
+      </p:sp>
+      <p:pic>
+        <p:nvPicPr>
+          <p:cNvPr id="8" name="Picture 7">
+            <a:extLst>
+              <a:ext uri="{FF2B5EF4-FFF2-40B4-BE49-F238E27FC236}">
+                <a16:creationId xmlns:a16="http://schemas.microsoft.com/office/drawing/2014/main" id="{521D4292-9ECC-4DA5-8CC0-C561A0DA118E}"/>
+              </a:ext>
+            </a:extLst>
+          </p:cNvPr>
+          <p:cNvPicPr>
+            <a:picLocks noChangeAspect="1"/>
+          </p:cNvPicPr>
+          <p:nvPr/>
+        </p:nvPicPr>
+        <p:blipFill rotWithShape="1">
+          <a:blip r:embed="rId3"/>
+          <a:srcRect l="8000" r="9400"/>
+          <a:stretch/>
+        </p:blipFill>
+        <p:spPr>
+          <a:xfrm>
+            <a:off x="660103" y="3048000"/>
+            <a:ext cx="2167974" cy="2624666"/>
+          </a:xfrm>
+          <a:prstGeom prst="rect">
+            <a:avLst/>
+          </a:prstGeom>
+          <a:noFill/>
+        </p:spPr>
+      </p:pic>
+      <p:sp>
+        <p:nvSpPr>
+          <p:cNvPr id="7" name="Content Placeholder 2">
+            <a:extLst>
+              <a:ext uri="{FF2B5EF4-FFF2-40B4-BE49-F238E27FC236}">
+                <a16:creationId xmlns:a16="http://schemas.microsoft.com/office/drawing/2014/main" id="{8FE51533-15BE-453E-90FE-08298901BC34}"/>
+              </a:ext>
+            </a:extLst>
+          </p:cNvPr>
+          <p:cNvSpPr txBox="1">
+            <a:spLocks/>
+          </p:cNvSpPr>
+          <p:nvPr/>
+        </p:nvSpPr>
+        <p:spPr bwMode="auto">
+          <a:xfrm>
+            <a:off x="3810000" y="643466"/>
+            <a:ext cx="4851400" cy="5833533"/>
+          </a:xfrm>
+          <a:prstGeom prst="rect">
+            <a:avLst/>
+          </a:prstGeom>
+        </p:spPr>
+        <p:txBody>
+          <a:bodyPr vert="horz" lIns="91440" tIns="45720" rIns="91440" bIns="45720" numCol="1" rtlCol="0" anchorCtr="0" compatLnSpc="1">
+            <a:prstTxWarp prst="textNoShape">
+              <a:avLst/>
+            </a:prstTxWarp>
+            <a:noAutofit/>
+          </a:bodyPr>
+          <a:lstStyle>
+            <a:lvl1pPr marL="342900" indent="-342900" algn="l" defTabSz="457200" rtl="0" eaLnBrk="0" fontAlgn="base" hangingPunct="0">
+              <a:spcBef>
+                <a:spcPct val="20000"/>
+              </a:spcBef>
+              <a:spcAft>
+                <a:spcPct val="0"/>
+              </a:spcAft>
+              <a:buFont typeface="Arial" charset="0"/>
+              <a:buChar char="•"/>
+              <a:defRPr sz="3200" kern="1200">
+                <a:solidFill>
+                  <a:schemeClr val="tx1"/>
+                </a:solidFill>
+                <a:latin typeface="+mn-lt"/>
+                <a:ea typeface="ＭＳ Ｐゴシック" pitchFamily="-109" charset="-128"/>
+                <a:cs typeface="ＭＳ Ｐゴシック" pitchFamily="-109" charset="-128"/>
+              </a:defRPr>
+            </a:lvl1pPr>
+            <a:lvl2pPr marL="742950" indent="-285750" algn="l" defTabSz="457200" rtl="0" eaLnBrk="0" fontAlgn="base" hangingPunct="0">
+              <a:spcBef>
+                <a:spcPct val="20000"/>
+              </a:spcBef>
+              <a:spcAft>
+                <a:spcPct val="0"/>
+              </a:spcAft>
+              <a:buFont typeface="Arial" charset="0"/>
+              <a:buChar char="–"/>
+              <a:defRPr sz="2800" kern="1200">
+                <a:solidFill>
+                  <a:schemeClr val="tx1"/>
+                </a:solidFill>
+                <a:latin typeface="+mn-lt"/>
+                <a:ea typeface="ＭＳ Ｐゴシック" pitchFamily="-109" charset="-128"/>
+                <a:cs typeface="+mn-cs"/>
+              </a:defRPr>
+            </a:lvl2pPr>
+            <a:lvl3pPr marL="1143000" indent="-228600" algn="l" defTabSz="457200" rtl="0" eaLnBrk="0" fontAlgn="base" hangingPunct="0">
+              <a:spcBef>
+                <a:spcPct val="20000"/>
+              </a:spcBef>
+              <a:spcAft>
+                <a:spcPct val="0"/>
+              </a:spcAft>
+              <a:buFont typeface="Arial" charset="0"/>
+              <a:buChar char="•"/>
+              <a:defRPr sz="2400" kern="1200">
+                <a:solidFill>
+                  <a:schemeClr val="tx1"/>
+                </a:solidFill>
+                <a:latin typeface="+mn-lt"/>
+                <a:ea typeface="ＭＳ Ｐゴシック" pitchFamily="-109" charset="-128"/>
+                <a:cs typeface="+mn-cs"/>
+              </a:defRPr>
+            </a:lvl3pPr>
+            <a:lvl4pPr marL="1600200" indent="-228600" algn="l" defTabSz="457200" rtl="0" eaLnBrk="0" fontAlgn="base" hangingPunct="0">
+              <a:spcBef>
+                <a:spcPct val="20000"/>
+              </a:spcBef>
+              <a:spcAft>
+                <a:spcPct val="0"/>
+              </a:spcAft>
+              <a:buFont typeface="Arial" charset="0"/>
+              <a:buChar char="–"/>
+              <a:defRPr sz="2000" kern="1200">
+                <a:solidFill>
+                  <a:schemeClr val="tx1"/>
+                </a:solidFill>
+                <a:latin typeface="+mn-lt"/>
+                <a:ea typeface="ＭＳ Ｐゴシック" pitchFamily="-109" charset="-128"/>
+                <a:cs typeface="+mn-cs"/>
+              </a:defRPr>
+            </a:lvl4pPr>
+            <a:lvl5pPr marL="2057400" indent="-228600" algn="l" defTabSz="457200" rtl="0" eaLnBrk="0" fontAlgn="base" hangingPunct="0">
+              <a:spcBef>
+                <a:spcPct val="20000"/>
+              </a:spcBef>
+              <a:spcAft>
+                <a:spcPct val="0"/>
+              </a:spcAft>
+              <a:buFont typeface="Arial" charset="0"/>
+              <a:buChar char="»"/>
+              <a:defRPr sz="2000" kern="1200">
+                <a:solidFill>
+                  <a:schemeClr val="tx1"/>
+                </a:solidFill>
+                <a:latin typeface="+mn-lt"/>
+                <a:ea typeface="ＭＳ Ｐゴシック" pitchFamily="-109" charset="-128"/>
+                <a:cs typeface="+mn-cs"/>
+              </a:defRPr>
+            </a:lvl5pPr>
+            <a:lvl6pPr marL="2514600" indent="-228600" algn="l" defTabSz="457200" rtl="0" eaLnBrk="1" latinLnBrk="0" hangingPunct="1">
+              <a:spcBef>
+                <a:spcPct val="20000"/>
+              </a:spcBef>
+              <a:buFont typeface="Arial"/>
+              <a:buChar char="•"/>
+              <a:defRPr sz="2000" kern="1200">
+                <a:solidFill>
+                  <a:schemeClr val="tx1"/>
+                </a:solidFill>
+                <a:latin typeface="+mn-lt"/>
+                <a:ea typeface="+mn-ea"/>
+                <a:cs typeface="+mn-cs"/>
+              </a:defRPr>
+            </a:lvl6pPr>
+            <a:lvl7pPr marL="2971800" indent="-228600" algn="l" defTabSz="457200" rtl="0" eaLnBrk="1" latinLnBrk="0" hangingPunct="1">
+              <a:spcBef>
+                <a:spcPct val="20000"/>
+              </a:spcBef>
+              <a:buFont typeface="Arial"/>
+              <a:buChar char="•"/>
+              <a:defRPr sz="2000" kern="1200">
+                <a:solidFill>
+                  <a:schemeClr val="tx1"/>
+                </a:solidFill>
+                <a:latin typeface="+mn-lt"/>
+                <a:ea typeface="+mn-ea"/>
+                <a:cs typeface="+mn-cs"/>
+              </a:defRPr>
+            </a:lvl7pPr>
+            <a:lvl8pPr marL="3429000" indent="-228600" algn="l" defTabSz="457200" rtl="0" eaLnBrk="1" latinLnBrk="0" hangingPunct="1">
+              <a:spcBef>
+                <a:spcPct val="20000"/>
+              </a:spcBef>
+              <a:buFont typeface="Arial"/>
+              <a:buChar char="•"/>
+              <a:defRPr sz="2000" kern="1200">
+                <a:solidFill>
+                  <a:schemeClr val="tx1"/>
+                </a:solidFill>
+                <a:latin typeface="+mn-lt"/>
+                <a:ea typeface="+mn-ea"/>
+                <a:cs typeface="+mn-cs"/>
+              </a:defRPr>
+            </a:lvl8pPr>
+            <a:lvl9pPr marL="3886200" indent="-228600" algn="l" defTabSz="457200" rtl="0" eaLnBrk="1" latinLnBrk="0" hangingPunct="1">
+              <a:spcBef>
+                <a:spcPct val="20000"/>
+              </a:spcBef>
+              <a:buFont typeface="Arial"/>
+              <a:buChar char="•"/>
+              <a:defRPr sz="2000" kern="1200">
+                <a:solidFill>
+                  <a:schemeClr val="tx1"/>
+                </a:solidFill>
+                <a:latin typeface="+mn-lt"/>
+                <a:ea typeface="+mn-ea"/>
+                <a:cs typeface="+mn-cs"/>
+              </a:defRPr>
+            </a:lvl9pPr>
+          </a:lstStyle>
+          <a:p>
+            <a:pPr indent="-228600" defTabSz="914400" eaLnBrk="1" hangingPunct="1">
+              <a:lnSpc>
+                <a:spcPct val="90000"/>
+              </a:lnSpc>
+              <a:buFont typeface="Arial" panose="020B0604020202020204" pitchFamily="34" charset="0"/>
+              <a:buChar char="•"/>
+            </a:pPr>
+            <a:endParaRPr lang="en-US" sz="2000" dirty="0">
+              <a:solidFill>
+                <a:srgbClr val="404040"/>
+              </a:solidFill>
+              <a:ea typeface="+mn-ea"/>
+              <a:cs typeface="+mn-cs"/>
+            </a:endParaRPr>
+          </a:p>
+          <a:p>
+            <a:pPr indent="-228600" defTabSz="914400" eaLnBrk="1" hangingPunct="1">
+              <a:lnSpc>
+                <a:spcPct val="90000"/>
+              </a:lnSpc>
+              <a:buFont typeface="Arial" panose="020B0604020202020204" pitchFamily="34" charset="0"/>
+              <a:buChar char="•"/>
+            </a:pPr>
+            <a:endParaRPr lang="en-US" sz="2000" dirty="0">
+              <a:solidFill>
+                <a:srgbClr val="404040"/>
+              </a:solidFill>
+              <a:ea typeface="+mn-ea"/>
+              <a:cs typeface="+mn-cs"/>
+            </a:endParaRPr>
+          </a:p>
+        </p:txBody>
+      </p:sp>
+      <p:sp>
+        <p:nvSpPr>
+          <p:cNvPr id="10" name="Content Placeholder 2">
+            <a:extLst>
+              <a:ext uri="{FF2B5EF4-FFF2-40B4-BE49-F238E27FC236}">
+                <a16:creationId xmlns:a16="http://schemas.microsoft.com/office/drawing/2014/main" id="{10754C74-871F-42E2-A79F-10B9CCA16CD5}"/>
+              </a:ext>
+            </a:extLst>
+          </p:cNvPr>
+          <p:cNvSpPr txBox="1">
+            <a:spLocks/>
+          </p:cNvSpPr>
+          <p:nvPr/>
+        </p:nvSpPr>
+        <p:spPr bwMode="auto">
+          <a:xfrm>
+            <a:off x="3973322" y="643466"/>
+            <a:ext cx="4851400" cy="5953916"/>
+          </a:xfrm>
+          <a:prstGeom prst="rect">
+            <a:avLst/>
+          </a:prstGeom>
+        </p:spPr>
+        <p:txBody>
+          <a:bodyPr vert="horz" lIns="91440" tIns="45720" rIns="91440" bIns="45720" numCol="1" rtlCol="0" anchorCtr="0" compatLnSpc="1">
+            <a:prstTxWarp prst="textNoShape">
+              <a:avLst/>
+            </a:prstTxWarp>
+            <a:noAutofit/>
+          </a:bodyPr>
+          <a:lstStyle>
+            <a:lvl1pPr marL="342900" indent="-342900" algn="l" defTabSz="457200" rtl="0" eaLnBrk="0" fontAlgn="base" hangingPunct="0">
+              <a:spcBef>
+                <a:spcPct val="20000"/>
+              </a:spcBef>
+              <a:spcAft>
+                <a:spcPct val="0"/>
+              </a:spcAft>
+              <a:buFont typeface="Arial" charset="0"/>
+              <a:buChar char="•"/>
+              <a:defRPr sz="3200" kern="1200">
+                <a:solidFill>
+                  <a:schemeClr val="tx1"/>
+                </a:solidFill>
+                <a:latin typeface="+mn-lt"/>
+                <a:ea typeface="ＭＳ Ｐゴシック" pitchFamily="-109" charset="-128"/>
+                <a:cs typeface="ＭＳ Ｐゴシック" pitchFamily="-109" charset="-128"/>
+              </a:defRPr>
+            </a:lvl1pPr>
+            <a:lvl2pPr marL="742950" indent="-285750" algn="l" defTabSz="457200" rtl="0" eaLnBrk="0" fontAlgn="base" hangingPunct="0">
+              <a:spcBef>
+                <a:spcPct val="20000"/>
+              </a:spcBef>
+              <a:spcAft>
+                <a:spcPct val="0"/>
+              </a:spcAft>
+              <a:buFont typeface="Arial" charset="0"/>
+              <a:buChar char="–"/>
+              <a:defRPr sz="2800" kern="1200">
+                <a:solidFill>
+                  <a:schemeClr val="tx1"/>
+                </a:solidFill>
+                <a:latin typeface="+mn-lt"/>
+                <a:ea typeface="ＭＳ Ｐゴシック" pitchFamily="-109" charset="-128"/>
+                <a:cs typeface="+mn-cs"/>
+              </a:defRPr>
+            </a:lvl2pPr>
+            <a:lvl3pPr marL="1143000" indent="-228600" algn="l" defTabSz="457200" rtl="0" eaLnBrk="0" fontAlgn="base" hangingPunct="0">
+              <a:spcBef>
+                <a:spcPct val="20000"/>
+              </a:spcBef>
+              <a:spcAft>
+                <a:spcPct val="0"/>
+              </a:spcAft>
+              <a:buFont typeface="Arial" charset="0"/>
+              <a:buChar char="•"/>
+              <a:defRPr sz="2400" kern="1200">
+                <a:solidFill>
+                  <a:schemeClr val="tx1"/>
+                </a:solidFill>
+                <a:latin typeface="+mn-lt"/>
+                <a:ea typeface="ＭＳ Ｐゴシック" pitchFamily="-109" charset="-128"/>
+                <a:cs typeface="+mn-cs"/>
+              </a:defRPr>
+            </a:lvl3pPr>
+            <a:lvl4pPr marL="1600200" indent="-228600" algn="l" defTabSz="457200" rtl="0" eaLnBrk="0" fontAlgn="base" hangingPunct="0">
+              <a:spcBef>
+                <a:spcPct val="20000"/>
+              </a:spcBef>
+              <a:spcAft>
+                <a:spcPct val="0"/>
+              </a:spcAft>
+              <a:buFont typeface="Arial" charset="0"/>
+              <a:buChar char="–"/>
+              <a:defRPr sz="2000" kern="1200">
+                <a:solidFill>
+                  <a:schemeClr val="tx1"/>
+                </a:solidFill>
+                <a:latin typeface="+mn-lt"/>
+                <a:ea typeface="ＭＳ Ｐゴシック" pitchFamily="-109" charset="-128"/>
+                <a:cs typeface="+mn-cs"/>
+              </a:defRPr>
+            </a:lvl4pPr>
+            <a:lvl5pPr marL="2057400" indent="-228600" algn="l" defTabSz="457200" rtl="0" eaLnBrk="0" fontAlgn="base" hangingPunct="0">
+              <a:spcBef>
+                <a:spcPct val="20000"/>
+              </a:spcBef>
+              <a:spcAft>
+                <a:spcPct val="0"/>
+              </a:spcAft>
+              <a:buFont typeface="Arial" charset="0"/>
+              <a:buChar char="»"/>
+              <a:defRPr sz="2000" kern="1200">
+                <a:solidFill>
+                  <a:schemeClr val="tx1"/>
+                </a:solidFill>
+                <a:latin typeface="+mn-lt"/>
+                <a:ea typeface="ＭＳ Ｐゴシック" pitchFamily="-109" charset="-128"/>
+                <a:cs typeface="+mn-cs"/>
+              </a:defRPr>
+            </a:lvl5pPr>
+            <a:lvl6pPr marL="2514600" indent="-228600" algn="l" defTabSz="457200" rtl="0" eaLnBrk="1" latinLnBrk="0" hangingPunct="1">
+              <a:spcBef>
+                <a:spcPct val="20000"/>
+              </a:spcBef>
+              <a:buFont typeface="Arial"/>
+              <a:buChar char="•"/>
+              <a:defRPr sz="2000" kern="1200">
+                <a:solidFill>
+                  <a:schemeClr val="tx1"/>
+                </a:solidFill>
+                <a:latin typeface="+mn-lt"/>
+                <a:ea typeface="+mn-ea"/>
+                <a:cs typeface="+mn-cs"/>
+              </a:defRPr>
+            </a:lvl6pPr>
+            <a:lvl7pPr marL="2971800" indent="-228600" algn="l" defTabSz="457200" rtl="0" eaLnBrk="1" latinLnBrk="0" hangingPunct="1">
+              <a:spcBef>
+                <a:spcPct val="20000"/>
+              </a:spcBef>
+              <a:buFont typeface="Arial"/>
+              <a:buChar char="•"/>
+              <a:defRPr sz="2000" kern="1200">
+                <a:solidFill>
+                  <a:schemeClr val="tx1"/>
+                </a:solidFill>
+                <a:latin typeface="+mn-lt"/>
+                <a:ea typeface="+mn-ea"/>
+                <a:cs typeface="+mn-cs"/>
+              </a:defRPr>
+            </a:lvl7pPr>
+            <a:lvl8pPr marL="3429000" indent="-228600" algn="l" defTabSz="457200" rtl="0" eaLnBrk="1" latinLnBrk="0" hangingPunct="1">
+              <a:spcBef>
+                <a:spcPct val="20000"/>
+              </a:spcBef>
+              <a:buFont typeface="Arial"/>
+              <a:buChar char="•"/>
+              <a:defRPr sz="2000" kern="1200">
+                <a:solidFill>
+                  <a:schemeClr val="tx1"/>
+                </a:solidFill>
+                <a:latin typeface="+mn-lt"/>
+                <a:ea typeface="+mn-ea"/>
+                <a:cs typeface="+mn-cs"/>
+              </a:defRPr>
+            </a:lvl8pPr>
+            <a:lvl9pPr marL="3886200" indent="-228600" algn="l" defTabSz="457200" rtl="0" eaLnBrk="1" latinLnBrk="0" hangingPunct="1">
+              <a:spcBef>
+                <a:spcPct val="20000"/>
+              </a:spcBef>
+              <a:buFont typeface="Arial"/>
+              <a:buChar char="•"/>
+              <a:defRPr sz="2000" kern="1200">
+                <a:solidFill>
+                  <a:schemeClr val="tx1"/>
+                </a:solidFill>
+                <a:latin typeface="+mn-lt"/>
+                <a:ea typeface="+mn-ea"/>
+                <a:cs typeface="+mn-cs"/>
+              </a:defRPr>
+            </a:lvl9pPr>
+          </a:lstStyle>
+          <a:p>
+            <a:pPr marL="114300" indent="0" defTabSz="914400" eaLnBrk="1" hangingPunct="1">
+              <a:lnSpc>
+                <a:spcPct val="90000"/>
+              </a:lnSpc>
+              <a:buNone/>
+            </a:pPr>
+            <a:r>
+              <a:rPr lang="en-US" sz="7200" dirty="0">
+                <a:solidFill>
+                  <a:srgbClr val="404040"/>
+                </a:solidFill>
+                <a:ea typeface="+mn-ea"/>
+                <a:cs typeface="+mn-cs"/>
+              </a:rPr>
+              <a:t>Disperse and Make Reasonable Decisions</a:t>
+            </a:r>
+          </a:p>
+          <a:p>
+            <a:pPr indent="-228600" defTabSz="914400" eaLnBrk="1" hangingPunct="1">
+              <a:lnSpc>
+                <a:spcPct val="90000"/>
+              </a:lnSpc>
+              <a:buFont typeface="Arial" panose="020B0604020202020204" pitchFamily="34" charset="0"/>
+              <a:buChar char="•"/>
+            </a:pPr>
+            <a:endParaRPr lang="en-US" sz="7200" dirty="0">
+              <a:solidFill>
+                <a:srgbClr val="404040"/>
+              </a:solidFill>
+              <a:ea typeface="+mn-ea"/>
+              <a:cs typeface="+mn-cs"/>
+            </a:endParaRPr>
+          </a:p>
+          <a:p>
+            <a:pPr indent="-228600" defTabSz="914400" eaLnBrk="1" hangingPunct="1">
+              <a:lnSpc>
+                <a:spcPct val="90000"/>
+              </a:lnSpc>
+              <a:buFont typeface="Arial" panose="020B0604020202020204" pitchFamily="34" charset="0"/>
+              <a:buChar char="•"/>
+            </a:pPr>
+            <a:endParaRPr lang="en-US" sz="7200" dirty="0">
+              <a:solidFill>
+                <a:srgbClr val="404040"/>
+              </a:solidFill>
+              <a:ea typeface="+mn-ea"/>
+              <a:cs typeface="+mn-cs"/>
+            </a:endParaRPr>
+          </a:p>
+          <a:p>
+            <a:pPr indent="-228600" defTabSz="914400" eaLnBrk="1" hangingPunct="1">
+              <a:lnSpc>
+                <a:spcPct val="90000"/>
+              </a:lnSpc>
+              <a:buFont typeface="Arial" panose="020B0604020202020204" pitchFamily="34" charset="0"/>
+              <a:buChar char="•"/>
+            </a:pPr>
+            <a:endParaRPr lang="en-US" sz="7200" dirty="0">
+              <a:solidFill>
+                <a:srgbClr val="404040"/>
+              </a:solidFill>
+              <a:ea typeface="+mn-ea"/>
+              <a:cs typeface="+mn-cs"/>
+            </a:endParaRPr>
+          </a:p>
+          <a:p>
+            <a:pPr indent="-228600" defTabSz="914400" eaLnBrk="1" hangingPunct="1">
+              <a:lnSpc>
+                <a:spcPct val="90000"/>
+              </a:lnSpc>
+              <a:buFont typeface="Arial" panose="020B0604020202020204" pitchFamily="34" charset="0"/>
+              <a:buChar char="•"/>
+            </a:pPr>
+            <a:endParaRPr lang="en-US" sz="7200" dirty="0">
+              <a:solidFill>
+                <a:srgbClr val="404040"/>
+              </a:solidFill>
+              <a:ea typeface="+mn-ea"/>
+              <a:cs typeface="+mn-cs"/>
+            </a:endParaRPr>
+          </a:p>
+        </p:txBody>
+      </p:sp>
+    </p:spTree>
+    <p:custDataLst>
+      <p:tags r:id="rId1"/>
+    </p:custDataLst>
+    <p:extLst>
+      <p:ext uri="{BB962C8B-B14F-4D97-AF65-F5344CB8AC3E}">
+        <p14:creationId xmlns:p14="http://schemas.microsoft.com/office/powerpoint/2010/main" val="3647066437"/>
+      </p:ext>
+    </p:extLst>
+  </p:cSld>
+  <p:clrMapOvr>
+    <a:masterClrMapping/>
+  </p:clrMapOvr>
+</p:sld>
+</file>
+
+<file path=ppt/slides/slide2.xml><?xml version="1.0" encoding="utf-8"?>
+<p:sld xmlns:a="http://schemas.openxmlformats.org/drawingml/2006/main" xmlns:r="http://schemas.openxmlformats.org/officeDocument/2006/relationships" xmlns:p="http://schemas.openxmlformats.org/presentationml/2006/main">
+  <p:cSld>
+    <p:bg>
+      <p:bgPr>
+        <a:solidFill>
+          <a:schemeClr val="bg1">
+            <a:lumMod val="85000"/>
+          </a:schemeClr>
+        </a:solidFill>
+        <a:effectLst/>
+      </p:bgPr>
+    </p:bg>
+    <p:spTree>
+      <p:nvGrpSpPr>
+        <p:cNvPr id="1" name=""/>
+        <p:cNvGrpSpPr/>
+        <p:nvPr/>
+      </p:nvGrpSpPr>
+      <p:grpSpPr>
+        <a:xfrm>
+          <a:off x="0" y="0"/>
+          <a:ext cx="0" cy="0"/>
+          <a:chOff x="0" y="0"/>
+          <a:chExt cx="0" cy="0"/>
+        </a:xfrm>
+      </p:grpSpPr>
+      <p:sp>
+        <p:nvSpPr>
+          <p:cNvPr id="15" name="Rectangle 12">
+            <a:extLst>
+              <a:ext uri="{FF2B5EF4-FFF2-40B4-BE49-F238E27FC236}">
+                <a16:creationId xmlns:a16="http://schemas.microsoft.com/office/drawing/2014/main" id="{867D4867-5BA7-4462-B2F6-A23F4A622AA7}"/>
+              </a:ext>
+              <a:ext uri="{C183D7F6-B498-43B3-948B-1728B52AA6E4}">
+                <adec:decorative xmlns:adec="http://schemas.microsoft.com/office/drawing/2017/decorative" val="1"/>
+              </a:ext>
+            </a:extLst>
+          </p:cNvPr>
+          <p:cNvSpPr>
+            <a:spLocks noGrp="1" noRot="1" noChangeAspect="1" noMove="1" noResize="1" noEditPoints="1" noAdjustHandles="1" noChangeArrowheads="1" noChangeShapeType="1" noTextEdit="1"/>
+          </p:cNvSpPr>
+          <p:nvPr>
+            <p:extLst>
+              <p:ext uri="{386F3935-93C4-4BCD-93E2-E3B085C9AB24}">
+                <p16:designElem xmlns:p16="http://schemas.microsoft.com/office/powerpoint/2015/main" val="1"/>
+              </p:ext>
+            </p:extLst>
+          </p:nvPr>
+        </p:nvSpPr>
+        <p:spPr>
+          <a:xfrm>
+            <a:off x="0" y="0"/>
+            <a:ext cx="3490722" cy="6858000"/>
+          </a:xfrm>
+          <a:prstGeom prst="rect">
+            <a:avLst/>
+          </a:prstGeom>
+          <a:solidFill>
+            <a:schemeClr val="tx1">
+              <a:lumMod val="75000"/>
+              <a:lumOff val="25000"/>
+            </a:schemeClr>
+          </a:solidFill>
+          <a:ln>
+            <a:noFill/>
+          </a:ln>
+        </p:spPr>
+        <p:style>
+          <a:lnRef idx="0">
+            <a:scrgbClr r="0" g="0" b="0"/>
+          </a:lnRef>
+          <a:fillRef idx="0">
+            <a:scrgbClr r="0" g="0" b="0"/>
+          </a:fillRef>
+          <a:effectRef idx="0">
+            <a:scrgbClr r="0" g="0" b="0"/>
+          </a:effectRef>
+          <a:fontRef idx="minor">
+            <a:schemeClr val="lt1"/>
+          </a:fontRef>
+        </p:style>
+        <p:txBody>
+          <a:bodyPr rtlCol="0" anchor="ctr"/>
+          <a:lstStyle/>
+          <a:p>
+            <a:pPr marL="0" marR="0" lvl="0" indent="0" algn="ctr" defTabSz="457200" rtl="0" eaLnBrk="1" fontAlgn="base" latinLnBrk="0" hangingPunct="1">
+              <a:lnSpc>
+                <a:spcPct val="100000"/>
+              </a:lnSpc>
+              <a:spcBef>
+                <a:spcPct val="0"/>
+              </a:spcBef>
+              <a:spcAft>
+                <a:spcPct val="0"/>
+              </a:spcAft>
+              <a:buClrTx/>
+              <a:buSzTx/>
+              <a:buFontTx/>
+              <a:buNone/>
+              <a:tabLst/>
+              <a:defRPr/>
+            </a:pPr>
+            <a:endParaRPr kumimoji="0" lang="en-US" sz="2400" b="0" i="0" u="none" strike="noStrike" kern="1200" cap="none" spc="0" normalizeH="0" baseline="0" noProof="0">
+              <a:ln>
+                <a:noFill/>
+              </a:ln>
+              <a:solidFill>
+                <a:prstClr val="white"/>
+              </a:solidFill>
+              <a:effectLst/>
+              <a:uLnTx/>
+              <a:uFillTx/>
+              <a:latin typeface="Calibri"/>
+              <a:ea typeface="+mn-ea"/>
+              <a:cs typeface="+mn-cs"/>
+            </a:endParaRPr>
+          </a:p>
+        </p:txBody>
+      </p:sp>
+      <p:sp>
+        <p:nvSpPr>
+          <p:cNvPr id="2" name="Title 1"/>
+          <p:cNvSpPr>
+            <a:spLocks noGrp="1"/>
+          </p:cNvSpPr>
+          <p:nvPr>
+            <p:ph type="title"/>
+          </p:nvPr>
+        </p:nvSpPr>
+        <p:spPr>
+          <a:xfrm>
+            <a:off x="482600" y="643467"/>
+            <a:ext cx="2522980" cy="1597315"/>
+          </a:xfrm>
+          <a:noFill/>
+          <a:ln w="19050">
+            <a:solidFill>
+              <a:schemeClr val="bg1"/>
+            </a:solidFill>
+          </a:ln>
+        </p:spPr>
+        <p:txBody>
+          <a:bodyPr vert="horz" wrap="square" lIns="91440" tIns="45720" rIns="91440" bIns="45720" rtlCol="0" anchor="ctr">
+            <a:normAutofit/>
+          </a:bodyPr>
+          <a:lstStyle/>
+          <a:p>
+            <a:pPr defTabSz="914400" eaLnBrk="1" hangingPunct="1">
+              <a:lnSpc>
+                <a:spcPct val="90000"/>
+              </a:lnSpc>
+            </a:pPr>
+            <a:r>
+              <a:rPr lang="en-US" sz="2400" kern="1200" dirty="0">
+                <a:solidFill>
+                  <a:schemeClr val="bg1"/>
+                </a:solidFill>
+                <a:latin typeface="+mj-lt"/>
+                <a:ea typeface="+mj-ea"/>
+                <a:cs typeface="+mj-cs"/>
+              </a:rPr>
+              <a:t>Currently</a:t>
+            </a:r>
+          </a:p>
+        </p:txBody>
+      </p:sp>
+      <p:pic>
+        <p:nvPicPr>
+          <p:cNvPr id="8" name="Picture 7">
+            <a:extLst>
+              <a:ext uri="{FF2B5EF4-FFF2-40B4-BE49-F238E27FC236}">
+                <a16:creationId xmlns:a16="http://schemas.microsoft.com/office/drawing/2014/main" id="{521D4292-9ECC-4DA5-8CC0-C561A0DA118E}"/>
+              </a:ext>
+            </a:extLst>
+          </p:cNvPr>
+          <p:cNvPicPr>
+            <a:picLocks noChangeAspect="1"/>
+          </p:cNvPicPr>
+          <p:nvPr/>
+        </p:nvPicPr>
+        <p:blipFill rotWithShape="1">
+          <a:blip r:embed="rId3"/>
+          <a:srcRect l="8000" r="9400"/>
+          <a:stretch/>
+        </p:blipFill>
+        <p:spPr>
+          <a:xfrm>
+            <a:off x="660103" y="3048000"/>
+            <a:ext cx="2167974" cy="2624666"/>
+          </a:xfrm>
+          <a:prstGeom prst="rect">
+            <a:avLst/>
+          </a:prstGeom>
+          <a:noFill/>
+        </p:spPr>
+      </p:pic>
+      <p:sp>
+        <p:nvSpPr>
+          <p:cNvPr id="17" name="TextBox 16">
+            <a:extLst>
+              <a:ext uri="{FF2B5EF4-FFF2-40B4-BE49-F238E27FC236}">
+                <a16:creationId xmlns:a16="http://schemas.microsoft.com/office/drawing/2014/main" id="{06B7DDB2-2AA3-445A-BD53-AFD43615C987}"/>
+              </a:ext>
+            </a:extLst>
+          </p:cNvPr>
+          <p:cNvSpPr txBox="1"/>
+          <p:nvPr/>
+        </p:nvSpPr>
+        <p:spPr>
+          <a:xfrm>
+            <a:off x="3962400" y="645037"/>
+            <a:ext cx="5181600" cy="5262979"/>
+          </a:xfrm>
+          <a:prstGeom prst="rect">
+            <a:avLst/>
+          </a:prstGeom>
+          <a:noFill/>
+        </p:spPr>
+        <p:txBody>
+          <a:bodyPr wrap="square" rtlCol="0">
+            <a:spAutoFit/>
+          </a:bodyPr>
+          <a:lstStyle/>
+          <a:p>
+            <a:pPr marL="342900" indent="-342900">
+              <a:buFont typeface="Arial" panose="020B0604020202020204" pitchFamily="34" charset="0"/>
+              <a:buChar char="•"/>
+            </a:pPr>
+            <a:r>
+              <a:rPr lang="en-US" dirty="0">
+                <a:solidFill>
+                  <a:srgbClr val="404040"/>
+                </a:solidFill>
+              </a:rPr>
+              <a:t>What You Should Have?</a:t>
+            </a:r>
+          </a:p>
+          <a:p>
+            <a:pPr marL="800100" lvl="1" indent="-342900">
+              <a:buFont typeface="Arial" panose="020B0604020202020204" pitchFamily="34" charset="0"/>
+              <a:buChar char="•"/>
+            </a:pPr>
+            <a:endParaRPr lang="en-US" dirty="0">
+              <a:solidFill>
+                <a:srgbClr val="404040"/>
+              </a:solidFill>
+            </a:endParaRPr>
+          </a:p>
+          <a:p>
+            <a:pPr marL="800100" lvl="1" indent="-342900">
+              <a:buFont typeface="Arial" panose="020B0604020202020204" pitchFamily="34" charset="0"/>
+              <a:buChar char="•"/>
+            </a:pPr>
+            <a:r>
+              <a:rPr lang="en-US" dirty="0">
+                <a:solidFill>
+                  <a:srgbClr val="404040"/>
+                </a:solidFill>
+              </a:rPr>
+              <a:t>A Data Set</a:t>
+            </a:r>
+          </a:p>
+          <a:p>
+            <a:pPr marL="800100" lvl="1" indent="-342900">
+              <a:buFont typeface="Arial" panose="020B0604020202020204" pitchFamily="34" charset="0"/>
+              <a:buChar char="•"/>
+            </a:pPr>
+            <a:r>
+              <a:rPr lang="en-US" dirty="0">
+                <a:solidFill>
+                  <a:srgbClr val="404040"/>
+                </a:solidFill>
+              </a:rPr>
+              <a:t>Exploration on Multiple Angles</a:t>
+            </a:r>
+          </a:p>
+          <a:p>
+            <a:pPr marL="800100" lvl="1" indent="-342900">
+              <a:buFont typeface="Arial" panose="020B0604020202020204" pitchFamily="34" charset="0"/>
+              <a:buChar char="•"/>
+            </a:pPr>
+            <a:r>
+              <a:rPr lang="en-US" dirty="0">
+                <a:solidFill>
+                  <a:srgbClr val="404040"/>
+                </a:solidFill>
+              </a:rPr>
+              <a:t>Preliminary Visuals or Tables</a:t>
+            </a:r>
+          </a:p>
+          <a:p>
+            <a:pPr marL="800100" lvl="1" indent="-342900">
+              <a:buFont typeface="Arial" panose="020B0604020202020204" pitchFamily="34" charset="0"/>
+              <a:buChar char="•"/>
+            </a:pPr>
+            <a:r>
+              <a:rPr lang="en-US" dirty="0">
+                <a:solidFill>
+                  <a:srgbClr val="404040"/>
+                </a:solidFill>
+              </a:rPr>
+              <a:t>Detailed Follow-Up Questions</a:t>
+            </a:r>
+          </a:p>
+          <a:p>
+            <a:pPr marL="800100" lvl="1" indent="-342900">
+              <a:buFont typeface="Arial" panose="020B0604020202020204" pitchFamily="34" charset="0"/>
+              <a:buChar char="•"/>
+            </a:pPr>
+            <a:r>
+              <a:rPr lang="en-US" dirty="0">
+                <a:solidFill>
+                  <a:srgbClr val="404040"/>
+                </a:solidFill>
+              </a:rPr>
+              <a:t>Investigation on Questions</a:t>
+            </a:r>
+          </a:p>
+          <a:p>
+            <a:pPr lvl="1"/>
             <a:endParaRPr lang="en-US" dirty="0">
               <a:solidFill>
                 <a:srgbClr val="404040"/>
@@ -9623,7 +12322,7 @@
         <p:spPr>
           <a:xfrm>
             <a:off x="3962400" y="643467"/>
-            <a:ext cx="5029200" cy="2677656"/>
+            <a:ext cx="5029200" cy="5632311"/>
           </a:xfrm>
           <a:prstGeom prst="rect">
             <a:avLst/>
@@ -9671,7 +12370,7 @@
                   <a:srgbClr val="404040"/>
                 </a:solidFill>
               </a:rPr>
-              <a:t>Rmarkdown</a:t>
+              <a:t>RMarkdown</a:t>
             </a:r>
             <a:r>
               <a:rPr lang="en-US" dirty="0">
@@ -9679,15 +12378,7 @@
                   <a:srgbClr val="404040"/>
                 </a:solidFill>
               </a:rPr>
-              <a:t> </a:t>
-            </a:r>
-            <a:r>
-              <a:rPr lang="en-US">
-                <a:solidFill>
-                  <a:srgbClr val="404040"/>
-                </a:solidFill>
-              </a:rPr>
-              <a:t>Template Included</a:t>
+              <a:t> Template Included</a:t>
             </a:r>
           </a:p>
           <a:p>
@@ -9712,7 +12403,7 @@
                   <a:srgbClr val="404040"/>
                 </a:solidFill>
               </a:rPr>
-              <a:t>Parts of the Paper</a:t>
+              <a:t>Sections of Paper</a:t>
             </a:r>
           </a:p>
           <a:p>
@@ -9726,7 +12417,49 @@
                   <a:srgbClr val="404040"/>
                 </a:solidFill>
               </a:rPr>
-              <a:t> Introduction</a:t>
+              <a:t>Introduction</a:t>
+            </a:r>
+          </a:p>
+          <a:p>
+            <a:pPr marL="800100" lvl="1" indent="-342900">
+              <a:buFont typeface="Arial" panose="020B0604020202020204" pitchFamily="34" charset="0"/>
+              <a:buChar char="•"/>
+            </a:pPr>
+            <a:r>
+              <a:rPr lang="en-US" dirty="0">
+                <a:solidFill>
+                  <a:srgbClr val="404040"/>
+                </a:solidFill>
+              </a:rPr>
+              <a:t>Data</a:t>
+            </a:r>
+          </a:p>
+          <a:p>
+            <a:pPr marL="800100" lvl="1" indent="-342900">
+              <a:buFont typeface="Arial" panose="020B0604020202020204" pitchFamily="34" charset="0"/>
+              <a:buChar char="•"/>
+            </a:pPr>
+            <a:r>
+              <a:rPr lang="en-US" dirty="0">
+                <a:solidFill>
+                  <a:srgbClr val="404040"/>
+                </a:solidFill>
+              </a:rPr>
+              <a:t>Results</a:t>
+            </a:r>
+          </a:p>
+          <a:p>
+            <a:pPr marL="800100" lvl="1" indent="-342900">
+              <a:buFont typeface="Arial" panose="020B0604020202020204" pitchFamily="34" charset="0"/>
+              <a:buChar char="•"/>
+            </a:pPr>
+            <a:r>
+              <a:rPr lang="en-US" dirty="0">
+                <a:solidFill>
+                  <a:srgbClr val="404040"/>
+                </a:solidFill>
+              </a:rPr>
+              <a:t>Conclusion</a:t>
             </a:r>
           </a:p>
           <a:p>
@@ -9739,6 +12472,45 @@
                 <a:srgbClr val="404040"/>
               </a:solidFill>
             </a:endParaRPr>
+          </a:p>
+          <a:p>
+            <a:pPr marL="342900" indent="-342900">
+              <a:buFont typeface="Arial" panose="020B0604020202020204" pitchFamily="34" charset="0"/>
+              <a:buChar char="•"/>
+            </a:pPr>
+            <a:r>
+              <a:rPr lang="en-US" dirty="0">
+                <a:solidFill>
+                  <a:srgbClr val="404040"/>
+                </a:solidFill>
+              </a:rPr>
+              <a:t>Read Description and Look at Template Provided Online</a:t>
+            </a:r>
+          </a:p>
+          <a:p>
+            <a:pPr marL="342900" indent="-342900">
+              <a:buFont typeface="Arial" panose="020B0604020202020204" pitchFamily="34" charset="0"/>
+              <a:buChar char="•"/>
+            </a:pPr>
+            <a:endParaRPr lang="en-US" dirty="0">
+              <a:solidFill>
+                <a:srgbClr val="404040"/>
+              </a:solidFill>
+            </a:endParaRPr>
+          </a:p>
+          <a:p>
+            <a:pPr marL="342900" indent="-342900">
+              <a:buFont typeface="Arial" panose="020B0604020202020204" pitchFamily="34" charset="0"/>
+              <a:buChar char="•"/>
+            </a:pPr>
+            <a:r>
+              <a:rPr lang="en-US" dirty="0">
+                <a:solidFill>
+                  <a:srgbClr val="404040"/>
+                </a:solidFill>
+              </a:rPr>
+              <a:t>Detailed Rubric Combines Objectivity and Subjectivity</a:t>
+            </a:r>
           </a:p>
         </p:txBody>
       </p:sp>
@@ -9920,17 +12692,7 @@
                 <a:ea typeface="+mj-ea"/>
                 <a:cs typeface="+mj-cs"/>
               </a:rPr>
-              <a:t>Part </a:t>
-            </a:r>
-            <a:r>
-              <a:rPr lang="en-US" sz="2400" dirty="0">
-                <a:solidFill>
-                  <a:schemeClr val="bg1"/>
-                </a:solidFill>
-                <a:ea typeface="+mj-ea"/>
-                <a:cs typeface="+mj-cs"/>
-              </a:rPr>
-              <a:t>3</a:t>
+              <a:t>Part 4</a:t>
             </a:r>
             <a:br>
               <a:rPr lang="en-US" sz="2400" kern="1200" dirty="0">
@@ -9951,7 +12713,7 @@
                 <a:ea typeface="+mj-ea"/>
                 <a:cs typeface="+mj-cs"/>
               </a:rPr>
-              <a:t>Final Presentation</a:t>
+              <a:t>Final Paper</a:t>
             </a:r>
           </a:p>
         </p:txBody>
@@ -9988,10 +12750,10 @@
       </p:pic>
       <p:sp>
         <p:nvSpPr>
-          <p:cNvPr id="17" name="TextBox 16">
+          <p:cNvPr id="6" name="TextBox 5">
             <a:extLst>
               <a:ext uri="{FF2B5EF4-FFF2-40B4-BE49-F238E27FC236}">
-                <a16:creationId xmlns:a16="http://schemas.microsoft.com/office/drawing/2014/main" id="{06B7DDB2-2AA3-445A-BD53-AFD43615C987}"/>
+                <a16:creationId xmlns:a16="http://schemas.microsoft.com/office/drawing/2014/main" id="{9BF1A4AB-D5D3-46D9-9B5D-F6EB9EE88791}"/>
               </a:ext>
             </a:extLst>
           </p:cNvPr>
@@ -10001,7 +12763,7 @@
         <p:spPr>
           <a:xfrm>
             <a:off x="3962400" y="643467"/>
-            <a:ext cx="5029200" cy="461665"/>
+            <a:ext cx="5029200" cy="6001643"/>
           </a:xfrm>
           <a:prstGeom prst="rect">
             <a:avLst/>
@@ -10024,8 +12786,166 @@
                   <a:srgbClr val="404040"/>
                 </a:solidFill>
               </a:rPr>
-              <a:t>Select</a:t>
-            </a:r>
+              <a:t>Introduction</a:t>
+            </a:r>
+          </a:p>
+          <a:p>
+            <a:pPr marL="800100" lvl="1" indent="-342900">
+              <a:buFont typeface="Arial" panose="020B0604020202020204" pitchFamily="34" charset="0"/>
+              <a:buChar char="•"/>
+            </a:pPr>
+            <a:endParaRPr lang="en-US" dirty="0">
+              <a:solidFill>
+                <a:srgbClr val="404040"/>
+              </a:solidFill>
+            </a:endParaRPr>
+          </a:p>
+          <a:p>
+            <a:pPr marL="800100" lvl="1" indent="-342900">
+              <a:buFont typeface="Arial" panose="020B0604020202020204" pitchFamily="34" charset="0"/>
+              <a:buChar char="•"/>
+            </a:pPr>
+            <a:r>
+              <a:rPr lang="en-US" dirty="0">
+                <a:solidFill>
+                  <a:srgbClr val="404040"/>
+                </a:solidFill>
+              </a:rPr>
+              <a:t>States Two Questions</a:t>
+            </a:r>
+          </a:p>
+          <a:p>
+            <a:pPr lvl="1"/>
+            <a:endParaRPr lang="en-US" dirty="0">
+              <a:solidFill>
+                <a:srgbClr val="404040"/>
+              </a:solidFill>
+            </a:endParaRPr>
+          </a:p>
+          <a:p>
+            <a:pPr marL="800100" lvl="1" indent="-342900">
+              <a:buFont typeface="Arial" panose="020B0604020202020204" pitchFamily="34" charset="0"/>
+              <a:buChar char="•"/>
+            </a:pPr>
+            <a:r>
+              <a:rPr lang="en-US" dirty="0">
+                <a:solidFill>
+                  <a:srgbClr val="404040"/>
+                </a:solidFill>
+              </a:rPr>
+              <a:t>Explains Why They Are Interesting or Important</a:t>
+            </a:r>
+          </a:p>
+          <a:p>
+            <a:pPr lvl="1"/>
+            <a:endParaRPr lang="en-US" dirty="0">
+              <a:solidFill>
+                <a:srgbClr val="404040"/>
+              </a:solidFill>
+            </a:endParaRPr>
+          </a:p>
+          <a:p>
+            <a:pPr marL="800100" lvl="1" indent="-342900">
+              <a:buFont typeface="Arial" panose="020B0604020202020204" pitchFamily="34" charset="0"/>
+              <a:buChar char="•"/>
+            </a:pPr>
+            <a:r>
+              <a:rPr lang="en-US" dirty="0">
+                <a:solidFill>
+                  <a:srgbClr val="404040"/>
+                </a:solidFill>
+              </a:rPr>
+              <a:t>Should Excite the Reader</a:t>
+            </a:r>
+          </a:p>
+          <a:p>
+            <a:pPr marL="800100" lvl="1" indent="-342900">
+              <a:buFont typeface="Arial" panose="020B0604020202020204" pitchFamily="34" charset="0"/>
+              <a:buChar char="•"/>
+            </a:pPr>
+            <a:endParaRPr lang="en-US" dirty="0">
+              <a:solidFill>
+                <a:srgbClr val="404040"/>
+              </a:solidFill>
+            </a:endParaRPr>
+          </a:p>
+          <a:p>
+            <a:pPr marL="800100" lvl="1" indent="-342900">
+              <a:buFont typeface="Arial" panose="020B0604020202020204" pitchFamily="34" charset="0"/>
+              <a:buChar char="•"/>
+            </a:pPr>
+            <a:r>
+              <a:rPr lang="en-US" dirty="0">
+                <a:solidFill>
+                  <a:srgbClr val="404040"/>
+                </a:solidFill>
+              </a:rPr>
+              <a:t>Grading</a:t>
+            </a:r>
+          </a:p>
+          <a:p>
+            <a:pPr marL="1257300" lvl="2" indent="-342900">
+              <a:buFont typeface="Arial" panose="020B0604020202020204" pitchFamily="34" charset="0"/>
+              <a:buChar char="•"/>
+            </a:pPr>
+            <a:r>
+              <a:rPr lang="en-US" dirty="0">
+                <a:solidFill>
+                  <a:srgbClr val="404040"/>
+                </a:solidFill>
+              </a:rPr>
+              <a:t>2 Clearly Defined Questions </a:t>
+            </a:r>
+          </a:p>
+          <a:p>
+            <a:pPr marL="1257300" lvl="2" indent="-342900">
+              <a:buFont typeface="Arial" panose="020B0604020202020204" pitchFamily="34" charset="0"/>
+              <a:buChar char="•"/>
+            </a:pPr>
+            <a:r>
+              <a:rPr lang="en-US" dirty="0">
+                <a:solidFill>
+                  <a:srgbClr val="404040"/>
+                </a:solidFill>
+              </a:rPr>
+              <a:t>Am I Interested? </a:t>
+            </a:r>
+          </a:p>
+          <a:p>
+            <a:pPr marL="1257300" lvl="2" indent="-342900">
+              <a:buFont typeface="Arial" panose="020B0604020202020204" pitchFamily="34" charset="0"/>
+              <a:buChar char="•"/>
+            </a:pPr>
+            <a:r>
+              <a:rPr lang="en-US" dirty="0">
+                <a:solidFill>
+                  <a:srgbClr val="404040"/>
+                </a:solidFill>
+              </a:rPr>
+              <a:t>Free of Errors</a:t>
+            </a:r>
+          </a:p>
+          <a:p>
+            <a:pPr marL="1257300" lvl="2" indent="-342900">
+              <a:buFont typeface="Arial" panose="020B0604020202020204" pitchFamily="34" charset="0"/>
+              <a:buChar char="•"/>
+            </a:pPr>
+            <a:endParaRPr lang="en-US" dirty="0">
+              <a:solidFill>
+                <a:srgbClr val="404040"/>
+              </a:solidFill>
+            </a:endParaRPr>
+          </a:p>
+          <a:p>
+            <a:pPr marL="1257300" lvl="2" indent="-342900">
+              <a:buFont typeface="Arial" panose="020B0604020202020204" pitchFamily="34" charset="0"/>
+              <a:buChar char="•"/>
+            </a:pPr>
+            <a:endParaRPr lang="en-US" dirty="0">
+              <a:solidFill>
+                <a:srgbClr val="404040"/>
+              </a:solidFill>
+            </a:endParaRPr>
           </a:p>
         </p:txBody>
       </p:sp>
@@ -10035,7 +12955,7 @@
     </p:custDataLst>
     <p:extLst>
       <p:ext uri="{BB962C8B-B14F-4D97-AF65-F5344CB8AC3E}">
-        <p14:creationId xmlns:p14="http://schemas.microsoft.com/office/powerpoint/2010/main" val="229741462"/>
+        <p14:creationId xmlns:p14="http://schemas.microsoft.com/office/powerpoint/2010/main" val="1648329154"/>
       </p:ext>
     </p:extLst>
   </p:cSld>
@@ -10131,8 +13051,37 @@
           <a:bodyPr rtlCol="0" anchor="ctr"/>
           <a:lstStyle/>
           <a:p>
-            <a:pPr algn="ctr"/>
-            <a:endParaRPr lang="en-US"/>
+            <a:pPr marL="0" marR="0" lvl="0" indent="0" algn="ctr" defTabSz="457200" rtl="0" eaLnBrk="1" fontAlgn="base" latinLnBrk="0" hangingPunct="1">
+              <a:lnSpc>
+                <a:spcPct val="100000"/>
+              </a:lnSpc>
+              <a:spcBef>
+                <a:spcPct val="0"/>
+              </a:spcBef>
+              <a:spcAft>
+                <a:spcPct val="0"/>
+              </a:spcAft>
+              <a:buClrTx/>
+              <a:buSzTx/>
+              <a:buFontTx/>
+              <a:buNone/>
+              <a:tabLst/>
+              <a:defRPr/>
+            </a:pPr>
+            <a:endParaRPr kumimoji="0" lang="en-US" sz="2400" b="0" i="0" u="none" strike="noStrike" kern="1200" cap="none" spc="0" normalizeH="0" baseline="0" noProof="0">
+              <a:ln>
+                <a:noFill/>
+              </a:ln>
+              <a:solidFill>
+                <a:prstClr val="white"/>
+              </a:solidFill>
+              <a:effectLst/>
+              <a:uLnTx/>
+              <a:uFillTx/>
+              <a:latin typeface="Calibri"/>
+              <a:ea typeface="+mn-ea"/>
+              <a:cs typeface="+mn-cs"/>
+            </a:endParaRPr>
           </a:p>
         </p:txBody>
       </p:sp>
@@ -10170,7 +13119,7 @@
               </a:lnSpc>
             </a:pPr>
             <a:r>
-              <a:rPr lang="en-US" sz="2400" kern="1200">
+              <a:rPr lang="en-US" sz="2400" kern="1200" dirty="0">
                 <a:solidFill>
                   <a:schemeClr val="bg1"/>
                 </a:solidFill>
@@ -10178,16 +13127,29 @@
                 <a:ea typeface="+mj-ea"/>
                 <a:cs typeface="+mj-cs"/>
               </a:rPr>
-              <a:t>Closing</a:t>
-            </a:r>
-            <a:endParaRPr lang="en-US" sz="2400" kern="1200" dirty="0">
-              <a:solidFill>
-                <a:schemeClr val="bg1"/>
-              </a:solidFill>
-              <a:latin typeface="+mj-lt"/>
-              <a:ea typeface="+mj-ea"/>
-              <a:cs typeface="+mj-cs"/>
-            </a:endParaRPr>
+              <a:t>Part 4</a:t>
+            </a:r>
+            <a:br>
+              <a:rPr lang="en-US" sz="2400" kern="1200" dirty="0">
+                <a:solidFill>
+                  <a:schemeClr val="bg1"/>
+                </a:solidFill>
+                <a:latin typeface="+mj-lt"/>
+                <a:ea typeface="+mj-ea"/>
+                <a:cs typeface="+mj-cs"/>
+              </a:rPr>
+            </a:br>
+            <a:r>
+              <a:rPr lang="en-US" sz="2400" kern="1200" dirty="0">
+                <a:solidFill>
+                  <a:schemeClr val="bg1"/>
+                </a:solidFill>
+                <a:latin typeface="+mj-lt"/>
+                <a:ea typeface="+mj-ea"/>
+                <a:cs typeface="+mj-cs"/>
+              </a:rPr>
+              <a:t>Final Paper</a:t>
+            </a:r>
           </a:p>
         </p:txBody>
       </p:sp>
@@ -10223,483 +13185,242 @@
       </p:pic>
       <p:sp>
         <p:nvSpPr>
-          <p:cNvPr id="7" name="Content Placeholder 2">
+          <p:cNvPr id="6" name="TextBox 5">
             <a:extLst>
               <a:ext uri="{FF2B5EF4-FFF2-40B4-BE49-F238E27FC236}">
-                <a16:creationId xmlns:a16="http://schemas.microsoft.com/office/drawing/2014/main" id="{8FE51533-15BE-453E-90FE-08298901BC34}"/>
+                <a16:creationId xmlns:a16="http://schemas.microsoft.com/office/drawing/2014/main" id="{9BF1A4AB-D5D3-46D9-9B5D-F6EB9EE88791}"/>
               </a:ext>
             </a:extLst>
           </p:cNvPr>
-          <p:cNvSpPr txBox="1">
-            <a:spLocks/>
-          </p:cNvSpPr>
+          <p:cNvSpPr txBox="1"/>
           <p:nvPr/>
         </p:nvSpPr>
-        <p:spPr bwMode="auto">
+        <p:spPr>
           <a:xfrm>
-            <a:off x="3810000" y="643466"/>
-            <a:ext cx="4851400" cy="5833533"/>
+            <a:off x="3962400" y="643467"/>
+            <a:ext cx="5181600" cy="6001643"/>
           </a:xfrm>
           <a:prstGeom prst="rect">
             <a:avLst/>
           </a:prstGeom>
+          <a:noFill/>
         </p:spPr>
         <p:txBody>
-          <a:bodyPr vert="horz" lIns="91440" tIns="45720" rIns="91440" bIns="45720" numCol="1" rtlCol="0" anchorCtr="0" compatLnSpc="1">
-            <a:prstTxWarp prst="textNoShape">
-              <a:avLst/>
-            </a:prstTxWarp>
-            <a:noAutofit/>
+          <a:bodyPr wrap="square" rtlCol="0">
+            <a:spAutoFit/>
           </a:bodyPr>
-          <a:lstStyle>
-            <a:lvl1pPr marL="342900" indent="-342900" algn="l" defTabSz="457200" rtl="0" eaLnBrk="0" fontAlgn="base" hangingPunct="0">
-              <a:spcBef>
-                <a:spcPct val="20000"/>
-              </a:spcBef>
-              <a:spcAft>
-                <a:spcPct val="0"/>
-              </a:spcAft>
-              <a:buFont typeface="Arial" charset="0"/>
-              <a:buChar char="•"/>
-              <a:defRPr sz="3200" kern="1200">
-                <a:solidFill>
-                  <a:schemeClr val="tx1"/>
-                </a:solidFill>
-                <a:latin typeface="+mn-lt"/>
-                <a:ea typeface="ＭＳ Ｐゴシック" pitchFamily="-109" charset="-128"/>
-                <a:cs typeface="ＭＳ Ｐゴシック" pitchFamily="-109" charset="-128"/>
-              </a:defRPr>
-            </a:lvl1pPr>
-            <a:lvl2pPr marL="742950" indent="-285750" algn="l" defTabSz="457200" rtl="0" eaLnBrk="0" fontAlgn="base" hangingPunct="0">
-              <a:spcBef>
-                <a:spcPct val="20000"/>
-              </a:spcBef>
-              <a:spcAft>
-                <a:spcPct val="0"/>
-              </a:spcAft>
-              <a:buFont typeface="Arial" charset="0"/>
-              <a:buChar char="–"/>
-              <a:defRPr sz="2800" kern="1200">
-                <a:solidFill>
-                  <a:schemeClr val="tx1"/>
-                </a:solidFill>
-                <a:latin typeface="+mn-lt"/>
-                <a:ea typeface="ＭＳ Ｐゴシック" pitchFamily="-109" charset="-128"/>
-                <a:cs typeface="+mn-cs"/>
-              </a:defRPr>
-            </a:lvl2pPr>
-            <a:lvl3pPr marL="1143000" indent="-228600" algn="l" defTabSz="457200" rtl="0" eaLnBrk="0" fontAlgn="base" hangingPunct="0">
-              <a:spcBef>
-                <a:spcPct val="20000"/>
-              </a:spcBef>
-              <a:spcAft>
-                <a:spcPct val="0"/>
-              </a:spcAft>
-              <a:buFont typeface="Arial" charset="0"/>
-              <a:buChar char="•"/>
-              <a:defRPr sz="2400" kern="1200">
-                <a:solidFill>
-                  <a:schemeClr val="tx1"/>
-                </a:solidFill>
-                <a:latin typeface="+mn-lt"/>
-                <a:ea typeface="ＭＳ Ｐゴシック" pitchFamily="-109" charset="-128"/>
-                <a:cs typeface="+mn-cs"/>
-              </a:defRPr>
-            </a:lvl3pPr>
-            <a:lvl4pPr marL="1600200" indent="-228600" algn="l" defTabSz="457200" rtl="0" eaLnBrk="0" fontAlgn="base" hangingPunct="0">
-              <a:spcBef>
-                <a:spcPct val="20000"/>
-              </a:spcBef>
-              <a:spcAft>
-                <a:spcPct val="0"/>
-              </a:spcAft>
-              <a:buFont typeface="Arial" charset="0"/>
-              <a:buChar char="–"/>
-              <a:defRPr sz="2000" kern="1200">
-                <a:solidFill>
-                  <a:schemeClr val="tx1"/>
-                </a:solidFill>
-                <a:latin typeface="+mn-lt"/>
-                <a:ea typeface="ＭＳ Ｐゴシック" pitchFamily="-109" charset="-128"/>
-                <a:cs typeface="+mn-cs"/>
-              </a:defRPr>
-            </a:lvl4pPr>
-            <a:lvl5pPr marL="2057400" indent="-228600" algn="l" defTabSz="457200" rtl="0" eaLnBrk="0" fontAlgn="base" hangingPunct="0">
-              <a:spcBef>
-                <a:spcPct val="20000"/>
-              </a:spcBef>
-              <a:spcAft>
-                <a:spcPct val="0"/>
-              </a:spcAft>
-              <a:buFont typeface="Arial" charset="0"/>
-              <a:buChar char="»"/>
-              <a:defRPr sz="2000" kern="1200">
-                <a:solidFill>
-                  <a:schemeClr val="tx1"/>
-                </a:solidFill>
-                <a:latin typeface="+mn-lt"/>
-                <a:ea typeface="ＭＳ Ｐゴシック" pitchFamily="-109" charset="-128"/>
-                <a:cs typeface="+mn-cs"/>
-              </a:defRPr>
-            </a:lvl5pPr>
-            <a:lvl6pPr marL="2514600" indent="-228600" algn="l" defTabSz="457200" rtl="0" eaLnBrk="1" latinLnBrk="0" hangingPunct="1">
-              <a:spcBef>
-                <a:spcPct val="20000"/>
-              </a:spcBef>
-              <a:buFont typeface="Arial"/>
-              <a:buChar char="•"/>
-              <a:defRPr sz="2000" kern="1200">
-                <a:solidFill>
-                  <a:schemeClr val="tx1"/>
-                </a:solidFill>
-                <a:latin typeface="+mn-lt"/>
-                <a:ea typeface="+mn-ea"/>
-                <a:cs typeface="+mn-cs"/>
-              </a:defRPr>
-            </a:lvl6pPr>
-            <a:lvl7pPr marL="2971800" indent="-228600" algn="l" defTabSz="457200" rtl="0" eaLnBrk="1" latinLnBrk="0" hangingPunct="1">
-              <a:spcBef>
-                <a:spcPct val="20000"/>
-              </a:spcBef>
-              <a:buFont typeface="Arial"/>
-              <a:buChar char="•"/>
-              <a:defRPr sz="2000" kern="1200">
-                <a:solidFill>
-                  <a:schemeClr val="tx1"/>
-                </a:solidFill>
-                <a:latin typeface="+mn-lt"/>
-                <a:ea typeface="+mn-ea"/>
-                <a:cs typeface="+mn-cs"/>
-              </a:defRPr>
-            </a:lvl7pPr>
-            <a:lvl8pPr marL="3429000" indent="-228600" algn="l" defTabSz="457200" rtl="0" eaLnBrk="1" latinLnBrk="0" hangingPunct="1">
-              <a:spcBef>
-                <a:spcPct val="20000"/>
-              </a:spcBef>
-              <a:buFont typeface="Arial"/>
-              <a:buChar char="•"/>
-              <a:defRPr sz="2000" kern="1200">
-                <a:solidFill>
-                  <a:schemeClr val="tx1"/>
-                </a:solidFill>
-                <a:latin typeface="+mn-lt"/>
-                <a:ea typeface="+mn-ea"/>
-                <a:cs typeface="+mn-cs"/>
-              </a:defRPr>
-            </a:lvl8pPr>
-            <a:lvl9pPr marL="3886200" indent="-228600" algn="l" defTabSz="457200" rtl="0" eaLnBrk="1" latinLnBrk="0" hangingPunct="1">
-              <a:spcBef>
-                <a:spcPct val="20000"/>
-              </a:spcBef>
-              <a:buFont typeface="Arial"/>
-              <a:buChar char="•"/>
-              <a:defRPr sz="2000" kern="1200">
-                <a:solidFill>
-                  <a:schemeClr val="tx1"/>
-                </a:solidFill>
-                <a:latin typeface="+mn-lt"/>
-                <a:ea typeface="+mn-ea"/>
-                <a:cs typeface="+mn-cs"/>
-              </a:defRPr>
-            </a:lvl9pPr>
-          </a:lstStyle>
-          <a:p>
-            <a:pPr indent="-228600" defTabSz="914400" eaLnBrk="1" hangingPunct="1">
-              <a:lnSpc>
-                <a:spcPct val="90000"/>
-              </a:lnSpc>
+          <a:lstStyle/>
+          <a:p>
+            <a:pPr marL="342900" indent="-342900">
               <a:buFont typeface="Arial" panose="020B0604020202020204" pitchFamily="34" charset="0"/>
               <a:buChar char="•"/>
             </a:pPr>
-            <a:endParaRPr lang="en-US" sz="2000" dirty="0">
+            <a:r>
+              <a:rPr lang="en-US" dirty="0">
+                <a:solidFill>
+                  <a:srgbClr val="404040"/>
+                </a:solidFill>
+              </a:rPr>
+              <a:t>Data</a:t>
+            </a:r>
+          </a:p>
+          <a:p>
+            <a:pPr marL="800100" lvl="1" indent="-342900">
+              <a:buFont typeface="Arial" panose="020B0604020202020204" pitchFamily="34" charset="0"/>
+              <a:buChar char="•"/>
+            </a:pPr>
+            <a:endParaRPr lang="en-US" dirty="0">
               <a:solidFill>
                 <a:srgbClr val="404040"/>
               </a:solidFill>
-              <a:ea typeface="+mn-ea"/>
-              <a:cs typeface="+mn-cs"/>
             </a:endParaRPr>
           </a:p>
           <a:p>
-            <a:pPr indent="-228600" defTabSz="914400" eaLnBrk="1" hangingPunct="1">
-              <a:lnSpc>
-                <a:spcPct val="90000"/>
-              </a:lnSpc>
+            <a:pPr marL="800100" lvl="1" indent="-342900">
               <a:buFont typeface="Arial" panose="020B0604020202020204" pitchFamily="34" charset="0"/>
               <a:buChar char="•"/>
             </a:pPr>
-            <a:endParaRPr lang="en-US" sz="2000" dirty="0">
+            <a:r>
+              <a:rPr lang="en-US" dirty="0">
+                <a:solidFill>
+                  <a:srgbClr val="404040"/>
+                </a:solidFill>
+              </a:rPr>
+              <a:t>Describes </a:t>
+            </a:r>
+          </a:p>
+          <a:p>
+            <a:pPr marL="1257300" lvl="2" indent="-342900">
+              <a:buFont typeface="Arial" panose="020B0604020202020204" pitchFamily="34" charset="0"/>
+              <a:buChar char="•"/>
+            </a:pPr>
+            <a:r>
+              <a:rPr lang="en-US" dirty="0">
+                <a:solidFill>
+                  <a:srgbClr val="404040"/>
+                </a:solidFill>
+              </a:rPr>
+              <a:t>Source of Data</a:t>
+            </a:r>
+          </a:p>
+          <a:p>
+            <a:pPr marL="1257300" lvl="2" indent="-342900">
+              <a:buFont typeface="Arial" panose="020B0604020202020204" pitchFamily="34" charset="0"/>
+              <a:buChar char="•"/>
+            </a:pPr>
+            <a:r>
+              <a:rPr lang="en-US" dirty="0">
+                <a:solidFill>
+                  <a:srgbClr val="404040"/>
+                </a:solidFill>
+              </a:rPr>
+              <a:t>Variables of Interest</a:t>
+            </a:r>
+          </a:p>
+          <a:p>
+            <a:pPr marL="1257300" lvl="2" indent="-342900">
+              <a:buFont typeface="Arial" panose="020B0604020202020204" pitchFamily="34" charset="0"/>
+              <a:buChar char="•"/>
+            </a:pPr>
+            <a:r>
+              <a:rPr lang="en-US" dirty="0">
+                <a:solidFill>
+                  <a:srgbClr val="404040"/>
+                </a:solidFill>
+              </a:rPr>
+              <a:t>Observations</a:t>
+            </a:r>
+          </a:p>
+          <a:p>
+            <a:pPr lvl="2"/>
+            <a:endParaRPr lang="en-US" dirty="0">
               <a:solidFill>
                 <a:srgbClr val="404040"/>
               </a:solidFill>
-              <a:ea typeface="+mn-ea"/>
-              <a:cs typeface="+mn-cs"/>
             </a:endParaRPr>
           </a:p>
-        </p:txBody>
-      </p:sp>
-      <p:sp>
-        <p:nvSpPr>
-          <p:cNvPr id="10" name="Content Placeholder 2">
-            <a:extLst>
-              <a:ext uri="{FF2B5EF4-FFF2-40B4-BE49-F238E27FC236}">
-                <a16:creationId xmlns:a16="http://schemas.microsoft.com/office/drawing/2014/main" id="{10754C74-871F-42E2-A79F-10B9CCA16CD5}"/>
-              </a:ext>
-            </a:extLst>
-          </p:cNvPr>
-          <p:cNvSpPr txBox="1">
-            <a:spLocks/>
-          </p:cNvSpPr>
-          <p:nvPr/>
-        </p:nvSpPr>
-        <p:spPr bwMode="auto">
-          <a:xfrm>
-            <a:off x="3973322" y="643466"/>
-            <a:ext cx="4851400" cy="5953916"/>
-          </a:xfrm>
-          <a:prstGeom prst="rect">
-            <a:avLst/>
-          </a:prstGeom>
-        </p:spPr>
-        <p:txBody>
-          <a:bodyPr vert="horz" lIns="91440" tIns="45720" rIns="91440" bIns="45720" numCol="1" rtlCol="0" anchorCtr="0" compatLnSpc="1">
-            <a:prstTxWarp prst="textNoShape">
-              <a:avLst/>
-            </a:prstTxWarp>
-            <a:noAutofit/>
-          </a:bodyPr>
-          <a:lstStyle>
-            <a:lvl1pPr marL="342900" indent="-342900" algn="l" defTabSz="457200" rtl="0" eaLnBrk="0" fontAlgn="base" hangingPunct="0">
-              <a:spcBef>
-                <a:spcPct val="20000"/>
-              </a:spcBef>
-              <a:spcAft>
-                <a:spcPct val="0"/>
-              </a:spcAft>
-              <a:buFont typeface="Arial" charset="0"/>
-              <a:buChar char="•"/>
-              <a:defRPr sz="3200" kern="1200">
-                <a:solidFill>
-                  <a:schemeClr val="tx1"/>
-                </a:solidFill>
-                <a:latin typeface="+mn-lt"/>
-                <a:ea typeface="ＭＳ Ｐゴシック" pitchFamily="-109" charset="-128"/>
-                <a:cs typeface="ＭＳ Ｐゴシック" pitchFamily="-109" charset="-128"/>
-              </a:defRPr>
-            </a:lvl1pPr>
-            <a:lvl2pPr marL="742950" indent="-285750" algn="l" defTabSz="457200" rtl="0" eaLnBrk="0" fontAlgn="base" hangingPunct="0">
-              <a:spcBef>
-                <a:spcPct val="20000"/>
-              </a:spcBef>
-              <a:spcAft>
-                <a:spcPct val="0"/>
-              </a:spcAft>
-              <a:buFont typeface="Arial" charset="0"/>
-              <a:buChar char="–"/>
-              <a:defRPr sz="2800" kern="1200">
-                <a:solidFill>
-                  <a:schemeClr val="tx1"/>
-                </a:solidFill>
-                <a:latin typeface="+mn-lt"/>
-                <a:ea typeface="ＭＳ Ｐゴシック" pitchFamily="-109" charset="-128"/>
-                <a:cs typeface="+mn-cs"/>
-              </a:defRPr>
-            </a:lvl2pPr>
-            <a:lvl3pPr marL="1143000" indent="-228600" algn="l" defTabSz="457200" rtl="0" eaLnBrk="0" fontAlgn="base" hangingPunct="0">
-              <a:spcBef>
-                <a:spcPct val="20000"/>
-              </a:spcBef>
-              <a:spcAft>
-                <a:spcPct val="0"/>
-              </a:spcAft>
-              <a:buFont typeface="Arial" charset="0"/>
-              <a:buChar char="•"/>
-              <a:defRPr sz="2400" kern="1200">
-                <a:solidFill>
-                  <a:schemeClr val="tx1"/>
-                </a:solidFill>
-                <a:latin typeface="+mn-lt"/>
-                <a:ea typeface="ＭＳ Ｐゴシック" pitchFamily="-109" charset="-128"/>
-                <a:cs typeface="+mn-cs"/>
-              </a:defRPr>
-            </a:lvl3pPr>
-            <a:lvl4pPr marL="1600200" indent="-228600" algn="l" defTabSz="457200" rtl="0" eaLnBrk="0" fontAlgn="base" hangingPunct="0">
-              <a:spcBef>
-                <a:spcPct val="20000"/>
-              </a:spcBef>
-              <a:spcAft>
-                <a:spcPct val="0"/>
-              </a:spcAft>
-              <a:buFont typeface="Arial" charset="0"/>
-              <a:buChar char="–"/>
-              <a:defRPr sz="2000" kern="1200">
-                <a:solidFill>
-                  <a:schemeClr val="tx1"/>
-                </a:solidFill>
-                <a:latin typeface="+mn-lt"/>
-                <a:ea typeface="ＭＳ Ｐゴシック" pitchFamily="-109" charset="-128"/>
-                <a:cs typeface="+mn-cs"/>
-              </a:defRPr>
-            </a:lvl4pPr>
-            <a:lvl5pPr marL="2057400" indent="-228600" algn="l" defTabSz="457200" rtl="0" eaLnBrk="0" fontAlgn="base" hangingPunct="0">
-              <a:spcBef>
-                <a:spcPct val="20000"/>
-              </a:spcBef>
-              <a:spcAft>
-                <a:spcPct val="0"/>
-              </a:spcAft>
-              <a:buFont typeface="Arial" charset="0"/>
-              <a:buChar char="»"/>
-              <a:defRPr sz="2000" kern="1200">
-                <a:solidFill>
-                  <a:schemeClr val="tx1"/>
-                </a:solidFill>
-                <a:latin typeface="+mn-lt"/>
-                <a:ea typeface="ＭＳ Ｐゴシック" pitchFamily="-109" charset="-128"/>
-                <a:cs typeface="+mn-cs"/>
-              </a:defRPr>
-            </a:lvl5pPr>
-            <a:lvl6pPr marL="2514600" indent="-228600" algn="l" defTabSz="457200" rtl="0" eaLnBrk="1" latinLnBrk="0" hangingPunct="1">
-              <a:spcBef>
-                <a:spcPct val="20000"/>
-              </a:spcBef>
-              <a:buFont typeface="Arial"/>
-              <a:buChar char="•"/>
-              <a:defRPr sz="2000" kern="1200">
-                <a:solidFill>
-                  <a:schemeClr val="tx1"/>
-                </a:solidFill>
-                <a:latin typeface="+mn-lt"/>
-                <a:ea typeface="+mn-ea"/>
-                <a:cs typeface="+mn-cs"/>
-              </a:defRPr>
-            </a:lvl6pPr>
-            <a:lvl7pPr marL="2971800" indent="-228600" algn="l" defTabSz="457200" rtl="0" eaLnBrk="1" latinLnBrk="0" hangingPunct="1">
-              <a:spcBef>
-                <a:spcPct val="20000"/>
-              </a:spcBef>
-              <a:buFont typeface="Arial"/>
-              <a:buChar char="•"/>
-              <a:defRPr sz="2000" kern="1200">
-                <a:solidFill>
-                  <a:schemeClr val="tx1"/>
-                </a:solidFill>
-                <a:latin typeface="+mn-lt"/>
-                <a:ea typeface="+mn-ea"/>
-                <a:cs typeface="+mn-cs"/>
-              </a:defRPr>
-            </a:lvl7pPr>
-            <a:lvl8pPr marL="3429000" indent="-228600" algn="l" defTabSz="457200" rtl="0" eaLnBrk="1" latinLnBrk="0" hangingPunct="1">
-              <a:spcBef>
-                <a:spcPct val="20000"/>
-              </a:spcBef>
-              <a:buFont typeface="Arial"/>
-              <a:buChar char="•"/>
-              <a:defRPr sz="2000" kern="1200">
-                <a:solidFill>
-                  <a:schemeClr val="tx1"/>
-                </a:solidFill>
-                <a:latin typeface="+mn-lt"/>
-                <a:ea typeface="+mn-ea"/>
-                <a:cs typeface="+mn-cs"/>
-              </a:defRPr>
-            </a:lvl8pPr>
-            <a:lvl9pPr marL="3886200" indent="-228600" algn="l" defTabSz="457200" rtl="0" eaLnBrk="1" latinLnBrk="0" hangingPunct="1">
-              <a:spcBef>
-                <a:spcPct val="20000"/>
-              </a:spcBef>
-              <a:buFont typeface="Arial"/>
-              <a:buChar char="•"/>
-              <a:defRPr sz="2000" kern="1200">
-                <a:solidFill>
-                  <a:schemeClr val="tx1"/>
-                </a:solidFill>
-                <a:latin typeface="+mn-lt"/>
-                <a:ea typeface="+mn-ea"/>
-                <a:cs typeface="+mn-cs"/>
-              </a:defRPr>
-            </a:lvl9pPr>
-          </a:lstStyle>
-          <a:p>
-            <a:pPr marL="114300" indent="0" defTabSz="914400" eaLnBrk="1" hangingPunct="1">
-              <a:lnSpc>
-                <a:spcPct val="90000"/>
-              </a:lnSpc>
-              <a:buNone/>
-            </a:pPr>
-            <a:r>
-              <a:rPr lang="en-US" sz="7200" dirty="0">
-                <a:solidFill>
-                  <a:srgbClr val="404040"/>
-                </a:solidFill>
-                <a:ea typeface="+mn-ea"/>
-                <a:cs typeface="+mn-cs"/>
-              </a:rPr>
-              <a:t>Disperse and Make Reasonable Decisions</a:t>
-            </a:r>
-          </a:p>
-          <a:p>
-            <a:pPr indent="-228600" defTabSz="914400" eaLnBrk="1" hangingPunct="1">
-              <a:lnSpc>
-                <a:spcPct val="90000"/>
-              </a:lnSpc>
+          <a:p>
+            <a:pPr marL="800100" lvl="1" indent="-342900">
               <a:buFont typeface="Arial" panose="020B0604020202020204" pitchFamily="34" charset="0"/>
               <a:buChar char="•"/>
             </a:pPr>
-            <a:endParaRPr lang="en-US" sz="7200" dirty="0">
+            <a:r>
+              <a:rPr lang="en-US" dirty="0">
+                <a:solidFill>
+                  <a:srgbClr val="404040"/>
+                </a:solidFill>
+              </a:rPr>
+              <a:t>Descriptive Figures and Stats</a:t>
+            </a:r>
+          </a:p>
+          <a:p>
+            <a:pPr marL="1257300" lvl="2" indent="-342900">
+              <a:buFont typeface="Arial" panose="020B0604020202020204" pitchFamily="34" charset="0"/>
+              <a:buChar char="•"/>
+            </a:pPr>
+            <a:r>
+              <a:rPr lang="en-US" dirty="0">
+                <a:solidFill>
+                  <a:srgbClr val="404040"/>
+                </a:solidFill>
+              </a:rPr>
+              <a:t>1 Table Printed Nicely</a:t>
+            </a:r>
+          </a:p>
+          <a:p>
+            <a:pPr marL="1257300" lvl="2" indent="-342900">
+              <a:buFont typeface="Arial" panose="020B0604020202020204" pitchFamily="34" charset="0"/>
+              <a:buChar char="•"/>
+            </a:pPr>
+            <a:r>
+              <a:rPr lang="en-US" dirty="0">
+                <a:solidFill>
+                  <a:srgbClr val="404040"/>
+                </a:solidFill>
+              </a:rPr>
+              <a:t>1 Figure Printed Nicely</a:t>
+            </a:r>
+          </a:p>
+          <a:p>
+            <a:pPr marL="1257300" lvl="2" indent="-342900">
+              <a:buFont typeface="Arial" panose="020B0604020202020204" pitchFamily="34" charset="0"/>
+              <a:buChar char="•"/>
+            </a:pPr>
+            <a:endParaRPr lang="en-US" dirty="0">
               <a:solidFill>
                 <a:srgbClr val="404040"/>
               </a:solidFill>
-              <a:ea typeface="+mn-ea"/>
-              <a:cs typeface="+mn-cs"/>
             </a:endParaRPr>
           </a:p>
           <a:p>
-            <a:pPr indent="-228600" defTabSz="914400" eaLnBrk="1" hangingPunct="1">
-              <a:lnSpc>
-                <a:spcPct val="90000"/>
-              </a:lnSpc>
+            <a:pPr marL="800100" lvl="1" indent="-342900">
               <a:buFont typeface="Arial" panose="020B0604020202020204" pitchFamily="34" charset="0"/>
               <a:buChar char="•"/>
             </a:pPr>
-            <a:endParaRPr lang="en-US" sz="7200" dirty="0">
-              <a:solidFill>
-                <a:srgbClr val="404040"/>
-              </a:solidFill>
-              <a:ea typeface="+mn-ea"/>
-              <a:cs typeface="+mn-cs"/>
-            </a:endParaRPr>
-          </a:p>
-          <a:p>
-            <a:pPr indent="-228600" defTabSz="914400" eaLnBrk="1" hangingPunct="1">
-              <a:lnSpc>
-                <a:spcPct val="90000"/>
-              </a:lnSpc>
+            <a:r>
+              <a:rPr lang="en-US" dirty="0">
+                <a:solidFill>
+                  <a:srgbClr val="404040"/>
+                </a:solidFill>
+              </a:rPr>
+              <a:t>Grading</a:t>
+            </a:r>
+          </a:p>
+          <a:p>
+            <a:pPr marL="1257300" lvl="2" indent="-342900">
               <a:buFont typeface="Arial" panose="020B0604020202020204" pitchFamily="34" charset="0"/>
               <a:buChar char="•"/>
             </a:pPr>
-            <a:endParaRPr lang="en-US" sz="7200" dirty="0">
-              <a:solidFill>
-                <a:srgbClr val="404040"/>
-              </a:solidFill>
-              <a:ea typeface="+mn-ea"/>
-              <a:cs typeface="+mn-cs"/>
-            </a:endParaRPr>
-          </a:p>
-          <a:p>
-            <a:pPr indent="-228600" defTabSz="914400" eaLnBrk="1" hangingPunct="1">
-              <a:lnSpc>
-                <a:spcPct val="90000"/>
-              </a:lnSpc>
+            <a:r>
+              <a:rPr lang="en-US" dirty="0">
+                <a:solidFill>
+                  <a:srgbClr val="404040"/>
+                </a:solidFill>
+              </a:rPr>
+              <a:t>Data Adequately Described</a:t>
+            </a:r>
+          </a:p>
+          <a:p>
+            <a:pPr marL="1257300" lvl="2" indent="-342900">
               <a:buFont typeface="Arial" panose="020B0604020202020204" pitchFamily="34" charset="0"/>
               <a:buChar char="•"/>
             </a:pPr>
-            <a:endParaRPr lang="en-US" sz="7200" dirty="0">
-              <a:solidFill>
-                <a:srgbClr val="404040"/>
-              </a:solidFill>
-              <a:ea typeface="+mn-ea"/>
-              <a:cs typeface="+mn-cs"/>
-            </a:endParaRPr>
+            <a:r>
+              <a:rPr lang="en-US" dirty="0">
+                <a:solidFill>
+                  <a:srgbClr val="404040"/>
+                </a:solidFill>
+              </a:rPr>
+              <a:t>Table (2 Points)</a:t>
+            </a:r>
+          </a:p>
+          <a:p>
+            <a:pPr marL="1257300" lvl="2" indent="-342900">
+              <a:buFont typeface="Arial" panose="020B0604020202020204" pitchFamily="34" charset="0"/>
+              <a:buChar char="•"/>
+            </a:pPr>
+            <a:r>
+              <a:rPr lang="en-US" dirty="0">
+                <a:solidFill>
+                  <a:srgbClr val="404040"/>
+                </a:solidFill>
+              </a:rPr>
+              <a:t>Figure (2 Points)</a:t>
+            </a:r>
+          </a:p>
+          <a:p>
+            <a:pPr marL="1257300" lvl="2" indent="-342900">
+              <a:buFont typeface="Arial" panose="020B0604020202020204" pitchFamily="34" charset="0"/>
+              <a:buChar char="•"/>
+            </a:pPr>
+            <a:r>
+              <a:rPr lang="en-US" dirty="0">
+                <a:solidFill>
+                  <a:srgbClr val="404040"/>
+                </a:solidFill>
+              </a:rPr>
+              <a:t>Free of Errors</a:t>
+            </a:r>
           </a:p>
         </p:txBody>
       </p:sp>
@@ -10709,7 +13430,1208 @@
     </p:custDataLst>
     <p:extLst>
       <p:ext uri="{BB962C8B-B14F-4D97-AF65-F5344CB8AC3E}">
-        <p14:creationId xmlns:p14="http://schemas.microsoft.com/office/powerpoint/2010/main" val="3647066437"/>
+        <p14:creationId xmlns:p14="http://schemas.microsoft.com/office/powerpoint/2010/main" val="522701338"/>
+      </p:ext>
+    </p:extLst>
+  </p:cSld>
+  <p:clrMapOvr>
+    <a:masterClrMapping/>
+  </p:clrMapOvr>
+</p:sld>
+</file>
+
+<file path=ppt/slides/slide7.xml><?xml version="1.0" encoding="utf-8"?>
+<p:sld xmlns:a="http://schemas.openxmlformats.org/drawingml/2006/main" xmlns:r="http://schemas.openxmlformats.org/officeDocument/2006/relationships" xmlns:p="http://schemas.openxmlformats.org/presentationml/2006/main">
+  <p:cSld>
+    <p:bg>
+      <p:bgPr>
+        <a:solidFill>
+          <a:schemeClr val="bg1">
+            <a:lumMod val="85000"/>
+          </a:schemeClr>
+        </a:solidFill>
+        <a:effectLst/>
+      </p:bgPr>
+    </p:bg>
+    <p:spTree>
+      <p:nvGrpSpPr>
+        <p:cNvPr id="1" name=""/>
+        <p:cNvGrpSpPr/>
+        <p:nvPr/>
+      </p:nvGrpSpPr>
+      <p:grpSpPr>
+        <a:xfrm>
+          <a:off x="0" y="0"/>
+          <a:ext cx="0" cy="0"/>
+          <a:chOff x="0" y="0"/>
+          <a:chExt cx="0" cy="0"/>
+        </a:xfrm>
+      </p:grpSpPr>
+      <p:sp>
+        <p:nvSpPr>
+          <p:cNvPr id="15" name="Rectangle 12">
+            <a:extLst>
+              <a:ext uri="{FF2B5EF4-FFF2-40B4-BE49-F238E27FC236}">
+                <a16:creationId xmlns:a16="http://schemas.microsoft.com/office/drawing/2014/main" id="{867D4867-5BA7-4462-B2F6-A23F4A622AA7}"/>
+              </a:ext>
+              <a:ext uri="{C183D7F6-B498-43B3-948B-1728B52AA6E4}">
+                <adec:decorative xmlns:adec="http://schemas.microsoft.com/office/drawing/2017/decorative" val="1"/>
+              </a:ext>
+            </a:extLst>
+          </p:cNvPr>
+          <p:cNvSpPr>
+            <a:spLocks noGrp="1" noRot="1" noChangeAspect="1" noMove="1" noResize="1" noEditPoints="1" noAdjustHandles="1" noChangeArrowheads="1" noChangeShapeType="1" noTextEdit="1"/>
+          </p:cNvSpPr>
+          <p:nvPr>
+            <p:extLst>
+              <p:ext uri="{386F3935-93C4-4BCD-93E2-E3B085C9AB24}">
+                <p16:designElem xmlns:p16="http://schemas.microsoft.com/office/powerpoint/2015/main" val="1"/>
+              </p:ext>
+            </p:extLst>
+          </p:nvPr>
+        </p:nvSpPr>
+        <p:spPr>
+          <a:xfrm>
+            <a:off x="0" y="0"/>
+            <a:ext cx="3490722" cy="6858000"/>
+          </a:xfrm>
+          <a:prstGeom prst="rect">
+            <a:avLst/>
+          </a:prstGeom>
+          <a:solidFill>
+            <a:schemeClr val="tx1">
+              <a:lumMod val="75000"/>
+              <a:lumOff val="25000"/>
+            </a:schemeClr>
+          </a:solidFill>
+          <a:ln>
+            <a:noFill/>
+          </a:ln>
+        </p:spPr>
+        <p:style>
+          <a:lnRef idx="0">
+            <a:scrgbClr r="0" g="0" b="0"/>
+          </a:lnRef>
+          <a:fillRef idx="0">
+            <a:scrgbClr r="0" g="0" b="0"/>
+          </a:fillRef>
+          <a:effectRef idx="0">
+            <a:scrgbClr r="0" g="0" b="0"/>
+          </a:effectRef>
+          <a:fontRef idx="minor">
+            <a:schemeClr val="lt1"/>
+          </a:fontRef>
+        </p:style>
+        <p:txBody>
+          <a:bodyPr rtlCol="0" anchor="ctr"/>
+          <a:lstStyle/>
+          <a:p>
+            <a:pPr marL="0" marR="0" lvl="0" indent="0" algn="ctr" defTabSz="457200" rtl="0" eaLnBrk="1" fontAlgn="base" latinLnBrk="0" hangingPunct="1">
+              <a:lnSpc>
+                <a:spcPct val="100000"/>
+              </a:lnSpc>
+              <a:spcBef>
+                <a:spcPct val="0"/>
+              </a:spcBef>
+              <a:spcAft>
+                <a:spcPct val="0"/>
+              </a:spcAft>
+              <a:buClrTx/>
+              <a:buSzTx/>
+              <a:buFontTx/>
+              <a:buNone/>
+              <a:tabLst/>
+              <a:defRPr/>
+            </a:pPr>
+            <a:endParaRPr kumimoji="0" lang="en-US" sz="2400" b="0" i="0" u="none" strike="noStrike" kern="1200" cap="none" spc="0" normalizeH="0" baseline="0" noProof="0">
+              <a:ln>
+                <a:noFill/>
+              </a:ln>
+              <a:solidFill>
+                <a:prstClr val="white"/>
+              </a:solidFill>
+              <a:effectLst/>
+              <a:uLnTx/>
+              <a:uFillTx/>
+              <a:latin typeface="Calibri"/>
+              <a:ea typeface="+mn-ea"/>
+              <a:cs typeface="+mn-cs"/>
+            </a:endParaRPr>
+          </a:p>
+        </p:txBody>
+      </p:sp>
+      <p:sp>
+        <p:nvSpPr>
+          <p:cNvPr id="2" name="Title 1"/>
+          <p:cNvSpPr>
+            <a:spLocks noGrp="1"/>
+          </p:cNvSpPr>
+          <p:nvPr>
+            <p:ph type="title"/>
+          </p:nvPr>
+        </p:nvSpPr>
+        <p:spPr>
+          <a:xfrm>
+            <a:off x="482600" y="643467"/>
+            <a:ext cx="2522980" cy="1597315"/>
+          </a:xfrm>
+          <a:noFill/>
+          <a:ln w="19050">
+            <a:solidFill>
+              <a:schemeClr val="bg1"/>
+            </a:solidFill>
+          </a:ln>
+        </p:spPr>
+        <p:txBody>
+          <a:bodyPr vert="horz" wrap="square" lIns="91440" tIns="45720" rIns="91440" bIns="45720" rtlCol="0" anchor="ctr">
+            <a:normAutofit/>
+          </a:bodyPr>
+          <a:lstStyle/>
+          <a:p>
+            <a:pPr defTabSz="914400" eaLnBrk="1" hangingPunct="1">
+              <a:lnSpc>
+                <a:spcPct val="90000"/>
+              </a:lnSpc>
+            </a:pPr>
+            <a:r>
+              <a:rPr lang="en-US" sz="2400" kern="1200" dirty="0">
+                <a:solidFill>
+                  <a:schemeClr val="bg1"/>
+                </a:solidFill>
+                <a:latin typeface="+mj-lt"/>
+                <a:ea typeface="+mj-ea"/>
+                <a:cs typeface="+mj-cs"/>
+              </a:rPr>
+              <a:t>Part 4</a:t>
+            </a:r>
+            <a:br>
+              <a:rPr lang="en-US" sz="2400" kern="1200" dirty="0">
+                <a:solidFill>
+                  <a:schemeClr val="bg1"/>
+                </a:solidFill>
+                <a:latin typeface="+mj-lt"/>
+                <a:ea typeface="+mj-ea"/>
+                <a:cs typeface="+mj-cs"/>
+              </a:rPr>
+            </a:br>
+            <a:r>
+              <a:rPr lang="en-US" sz="2400" kern="1200" dirty="0">
+                <a:solidFill>
+                  <a:schemeClr val="bg1"/>
+                </a:solidFill>
+                <a:latin typeface="+mj-lt"/>
+                <a:ea typeface="+mj-ea"/>
+                <a:cs typeface="+mj-cs"/>
+              </a:rPr>
+              <a:t>Final Paper</a:t>
+            </a:r>
+          </a:p>
+        </p:txBody>
+      </p:sp>
+      <p:pic>
+        <p:nvPicPr>
+          <p:cNvPr id="8" name="Picture 7">
+            <a:extLst>
+              <a:ext uri="{FF2B5EF4-FFF2-40B4-BE49-F238E27FC236}">
+                <a16:creationId xmlns:a16="http://schemas.microsoft.com/office/drawing/2014/main" id="{521D4292-9ECC-4DA5-8CC0-C561A0DA118E}"/>
+              </a:ext>
+            </a:extLst>
+          </p:cNvPr>
+          <p:cNvPicPr>
+            <a:picLocks noChangeAspect="1"/>
+          </p:cNvPicPr>
+          <p:nvPr/>
+        </p:nvPicPr>
+        <p:blipFill rotWithShape="1">
+          <a:blip r:embed="rId3"/>
+          <a:srcRect l="8000" r="9400"/>
+          <a:stretch/>
+        </p:blipFill>
+        <p:spPr>
+          <a:xfrm>
+            <a:off x="660103" y="3048000"/>
+            <a:ext cx="2167974" cy="2624666"/>
+          </a:xfrm>
+          <a:prstGeom prst="rect">
+            <a:avLst/>
+          </a:prstGeom>
+          <a:noFill/>
+        </p:spPr>
+      </p:pic>
+      <p:sp>
+        <p:nvSpPr>
+          <p:cNvPr id="6" name="TextBox 5">
+            <a:extLst>
+              <a:ext uri="{FF2B5EF4-FFF2-40B4-BE49-F238E27FC236}">
+                <a16:creationId xmlns:a16="http://schemas.microsoft.com/office/drawing/2014/main" id="{9BF1A4AB-D5D3-46D9-9B5D-F6EB9EE88791}"/>
+              </a:ext>
+            </a:extLst>
+          </p:cNvPr>
+          <p:cNvSpPr txBox="1"/>
+          <p:nvPr/>
+        </p:nvSpPr>
+        <p:spPr>
+          <a:xfrm>
+            <a:off x="3962400" y="643467"/>
+            <a:ext cx="5181600" cy="5262979"/>
+          </a:xfrm>
+          <a:prstGeom prst="rect">
+            <a:avLst/>
+          </a:prstGeom>
+          <a:noFill/>
+        </p:spPr>
+        <p:txBody>
+          <a:bodyPr wrap="square" rtlCol="0">
+            <a:spAutoFit/>
+          </a:bodyPr>
+          <a:lstStyle/>
+          <a:p>
+            <a:pPr marL="342900" indent="-342900">
+              <a:buFont typeface="Arial" panose="020B0604020202020204" pitchFamily="34" charset="0"/>
+              <a:buChar char="•"/>
+            </a:pPr>
+            <a:r>
+              <a:rPr lang="en-US" dirty="0">
+                <a:solidFill>
+                  <a:srgbClr val="404040"/>
+                </a:solidFill>
+              </a:rPr>
+              <a:t>Results</a:t>
+            </a:r>
+          </a:p>
+          <a:p>
+            <a:pPr marL="800100" lvl="1" indent="-342900">
+              <a:buFont typeface="Arial" panose="020B0604020202020204" pitchFamily="34" charset="0"/>
+              <a:buChar char="•"/>
+            </a:pPr>
+            <a:endParaRPr lang="en-US" dirty="0">
+              <a:solidFill>
+                <a:srgbClr val="404040"/>
+              </a:solidFill>
+            </a:endParaRPr>
+          </a:p>
+          <a:p>
+            <a:pPr marL="800100" lvl="1" indent="-342900">
+              <a:buFont typeface="Arial" panose="020B0604020202020204" pitchFamily="34" charset="0"/>
+              <a:buChar char="•"/>
+            </a:pPr>
+            <a:r>
+              <a:rPr lang="en-US" dirty="0">
+                <a:solidFill>
+                  <a:srgbClr val="404040"/>
+                </a:solidFill>
+              </a:rPr>
+              <a:t>Use Predictive Modeling Techniques for Questions</a:t>
+            </a:r>
+          </a:p>
+          <a:p>
+            <a:pPr marL="800100" lvl="1" indent="-342900">
+              <a:buFont typeface="Arial" panose="020B0604020202020204" pitchFamily="34" charset="0"/>
+              <a:buChar char="•"/>
+            </a:pPr>
+            <a:endParaRPr lang="en-US" dirty="0">
+              <a:solidFill>
+                <a:srgbClr val="404040"/>
+              </a:solidFill>
+            </a:endParaRPr>
+          </a:p>
+          <a:p>
+            <a:pPr marL="800100" lvl="1" indent="-342900">
+              <a:buFont typeface="Arial" panose="020B0604020202020204" pitchFamily="34" charset="0"/>
+              <a:buChar char="•"/>
+            </a:pPr>
+            <a:r>
+              <a:rPr lang="en-US" dirty="0">
+                <a:solidFill>
+                  <a:srgbClr val="404040"/>
+                </a:solidFill>
+              </a:rPr>
+              <a:t>Clearly Explain the Methods and Models Considered</a:t>
+            </a:r>
+          </a:p>
+          <a:p>
+            <a:pPr lvl="1"/>
+            <a:endParaRPr lang="en-US" dirty="0">
+              <a:solidFill>
+                <a:srgbClr val="404040"/>
+              </a:solidFill>
+            </a:endParaRPr>
+          </a:p>
+          <a:p>
+            <a:pPr marL="800100" lvl="1" indent="-342900">
+              <a:buFont typeface="Arial" panose="020B0604020202020204" pitchFamily="34" charset="0"/>
+              <a:buChar char="•"/>
+            </a:pPr>
+            <a:r>
+              <a:rPr lang="en-US" dirty="0">
+                <a:solidFill>
+                  <a:srgbClr val="404040"/>
+                </a:solidFill>
+              </a:rPr>
+              <a:t>Multiple Models For Each Question</a:t>
+            </a:r>
+          </a:p>
+          <a:p>
+            <a:pPr marL="800100" lvl="1" indent="-342900">
+              <a:buFont typeface="Arial" panose="020B0604020202020204" pitchFamily="34" charset="0"/>
+              <a:buChar char="•"/>
+            </a:pPr>
+            <a:endParaRPr lang="en-US" dirty="0">
+              <a:solidFill>
+                <a:srgbClr val="404040"/>
+              </a:solidFill>
+            </a:endParaRPr>
+          </a:p>
+          <a:p>
+            <a:pPr marL="800100" lvl="1" indent="-342900">
+              <a:buFont typeface="Arial" panose="020B0604020202020204" pitchFamily="34" charset="0"/>
+              <a:buChar char="•"/>
+            </a:pPr>
+            <a:r>
+              <a:rPr lang="en-US" dirty="0">
+                <a:solidFill>
+                  <a:srgbClr val="404040"/>
+                </a:solidFill>
+              </a:rPr>
+              <a:t>Clearly Explain the Results and How They Answer Your Question</a:t>
+            </a:r>
+          </a:p>
+        </p:txBody>
+      </p:sp>
+    </p:spTree>
+    <p:custDataLst>
+      <p:tags r:id="rId1"/>
+    </p:custDataLst>
+    <p:extLst>
+      <p:ext uri="{BB962C8B-B14F-4D97-AF65-F5344CB8AC3E}">
+        <p14:creationId xmlns:p14="http://schemas.microsoft.com/office/powerpoint/2010/main" val="2569498563"/>
+      </p:ext>
+    </p:extLst>
+  </p:cSld>
+  <p:clrMapOvr>
+    <a:masterClrMapping/>
+  </p:clrMapOvr>
+</p:sld>
+</file>
+
+<file path=ppt/slides/slide8.xml><?xml version="1.0" encoding="utf-8"?>
+<p:sld xmlns:a="http://schemas.openxmlformats.org/drawingml/2006/main" xmlns:r="http://schemas.openxmlformats.org/officeDocument/2006/relationships" xmlns:p="http://schemas.openxmlformats.org/presentationml/2006/main">
+  <p:cSld>
+    <p:bg>
+      <p:bgPr>
+        <a:solidFill>
+          <a:schemeClr val="bg1">
+            <a:lumMod val="85000"/>
+          </a:schemeClr>
+        </a:solidFill>
+        <a:effectLst/>
+      </p:bgPr>
+    </p:bg>
+    <p:spTree>
+      <p:nvGrpSpPr>
+        <p:cNvPr id="1" name=""/>
+        <p:cNvGrpSpPr/>
+        <p:nvPr/>
+      </p:nvGrpSpPr>
+      <p:grpSpPr>
+        <a:xfrm>
+          <a:off x="0" y="0"/>
+          <a:ext cx="0" cy="0"/>
+          <a:chOff x="0" y="0"/>
+          <a:chExt cx="0" cy="0"/>
+        </a:xfrm>
+      </p:grpSpPr>
+      <p:sp>
+        <p:nvSpPr>
+          <p:cNvPr id="15" name="Rectangle 12">
+            <a:extLst>
+              <a:ext uri="{FF2B5EF4-FFF2-40B4-BE49-F238E27FC236}">
+                <a16:creationId xmlns:a16="http://schemas.microsoft.com/office/drawing/2014/main" id="{867D4867-5BA7-4462-B2F6-A23F4A622AA7}"/>
+              </a:ext>
+              <a:ext uri="{C183D7F6-B498-43B3-948B-1728B52AA6E4}">
+                <adec:decorative xmlns:adec="http://schemas.microsoft.com/office/drawing/2017/decorative" val="1"/>
+              </a:ext>
+            </a:extLst>
+          </p:cNvPr>
+          <p:cNvSpPr>
+            <a:spLocks noGrp="1" noRot="1" noChangeAspect="1" noMove="1" noResize="1" noEditPoints="1" noAdjustHandles="1" noChangeArrowheads="1" noChangeShapeType="1" noTextEdit="1"/>
+          </p:cNvSpPr>
+          <p:nvPr>
+            <p:extLst>
+              <p:ext uri="{386F3935-93C4-4BCD-93E2-E3B085C9AB24}">
+                <p16:designElem xmlns:p16="http://schemas.microsoft.com/office/powerpoint/2015/main" val="1"/>
+              </p:ext>
+            </p:extLst>
+          </p:nvPr>
+        </p:nvSpPr>
+        <p:spPr>
+          <a:xfrm>
+            <a:off x="0" y="0"/>
+            <a:ext cx="3490722" cy="6858000"/>
+          </a:xfrm>
+          <a:prstGeom prst="rect">
+            <a:avLst/>
+          </a:prstGeom>
+          <a:solidFill>
+            <a:schemeClr val="tx1">
+              <a:lumMod val="75000"/>
+              <a:lumOff val="25000"/>
+            </a:schemeClr>
+          </a:solidFill>
+          <a:ln>
+            <a:noFill/>
+          </a:ln>
+        </p:spPr>
+        <p:style>
+          <a:lnRef idx="0">
+            <a:scrgbClr r="0" g="0" b="0"/>
+          </a:lnRef>
+          <a:fillRef idx="0">
+            <a:scrgbClr r="0" g="0" b="0"/>
+          </a:fillRef>
+          <a:effectRef idx="0">
+            <a:scrgbClr r="0" g="0" b="0"/>
+          </a:effectRef>
+          <a:fontRef idx="minor">
+            <a:schemeClr val="lt1"/>
+          </a:fontRef>
+        </p:style>
+        <p:txBody>
+          <a:bodyPr rtlCol="0" anchor="ctr"/>
+          <a:lstStyle/>
+          <a:p>
+            <a:pPr marL="0" marR="0" lvl="0" indent="0" algn="ctr" defTabSz="457200" rtl="0" eaLnBrk="1" fontAlgn="base" latinLnBrk="0" hangingPunct="1">
+              <a:lnSpc>
+                <a:spcPct val="100000"/>
+              </a:lnSpc>
+              <a:spcBef>
+                <a:spcPct val="0"/>
+              </a:spcBef>
+              <a:spcAft>
+                <a:spcPct val="0"/>
+              </a:spcAft>
+              <a:buClrTx/>
+              <a:buSzTx/>
+              <a:buFontTx/>
+              <a:buNone/>
+              <a:tabLst/>
+              <a:defRPr/>
+            </a:pPr>
+            <a:endParaRPr kumimoji="0" lang="en-US" sz="2400" b="0" i="0" u="none" strike="noStrike" kern="1200" cap="none" spc="0" normalizeH="0" baseline="0" noProof="0">
+              <a:ln>
+                <a:noFill/>
+              </a:ln>
+              <a:solidFill>
+                <a:prstClr val="white"/>
+              </a:solidFill>
+              <a:effectLst/>
+              <a:uLnTx/>
+              <a:uFillTx/>
+              <a:latin typeface="Calibri"/>
+              <a:ea typeface="+mn-ea"/>
+              <a:cs typeface="+mn-cs"/>
+            </a:endParaRPr>
+          </a:p>
+        </p:txBody>
+      </p:sp>
+      <p:sp>
+        <p:nvSpPr>
+          <p:cNvPr id="2" name="Title 1"/>
+          <p:cNvSpPr>
+            <a:spLocks noGrp="1"/>
+          </p:cNvSpPr>
+          <p:nvPr>
+            <p:ph type="title"/>
+          </p:nvPr>
+        </p:nvSpPr>
+        <p:spPr>
+          <a:xfrm>
+            <a:off x="482600" y="643467"/>
+            <a:ext cx="2522980" cy="1597315"/>
+          </a:xfrm>
+          <a:noFill/>
+          <a:ln w="19050">
+            <a:solidFill>
+              <a:schemeClr val="bg1"/>
+            </a:solidFill>
+          </a:ln>
+        </p:spPr>
+        <p:txBody>
+          <a:bodyPr vert="horz" wrap="square" lIns="91440" tIns="45720" rIns="91440" bIns="45720" rtlCol="0" anchor="ctr">
+            <a:normAutofit/>
+          </a:bodyPr>
+          <a:lstStyle/>
+          <a:p>
+            <a:pPr defTabSz="914400" eaLnBrk="1" hangingPunct="1">
+              <a:lnSpc>
+                <a:spcPct val="90000"/>
+              </a:lnSpc>
+            </a:pPr>
+            <a:r>
+              <a:rPr lang="en-US" sz="2400" kern="1200" dirty="0">
+                <a:solidFill>
+                  <a:schemeClr val="bg1"/>
+                </a:solidFill>
+                <a:latin typeface="+mj-lt"/>
+                <a:ea typeface="+mj-ea"/>
+                <a:cs typeface="+mj-cs"/>
+              </a:rPr>
+              <a:t>Part 4</a:t>
+            </a:r>
+            <a:br>
+              <a:rPr lang="en-US" sz="2400" kern="1200" dirty="0">
+                <a:solidFill>
+                  <a:schemeClr val="bg1"/>
+                </a:solidFill>
+                <a:latin typeface="+mj-lt"/>
+                <a:ea typeface="+mj-ea"/>
+                <a:cs typeface="+mj-cs"/>
+              </a:rPr>
+            </a:br>
+            <a:r>
+              <a:rPr lang="en-US" sz="2400" kern="1200" dirty="0">
+                <a:solidFill>
+                  <a:schemeClr val="bg1"/>
+                </a:solidFill>
+                <a:latin typeface="+mj-lt"/>
+                <a:ea typeface="+mj-ea"/>
+                <a:cs typeface="+mj-cs"/>
+              </a:rPr>
+              <a:t>Final Paper</a:t>
+            </a:r>
+          </a:p>
+        </p:txBody>
+      </p:sp>
+      <p:pic>
+        <p:nvPicPr>
+          <p:cNvPr id="8" name="Picture 7">
+            <a:extLst>
+              <a:ext uri="{FF2B5EF4-FFF2-40B4-BE49-F238E27FC236}">
+                <a16:creationId xmlns:a16="http://schemas.microsoft.com/office/drawing/2014/main" id="{521D4292-9ECC-4DA5-8CC0-C561A0DA118E}"/>
+              </a:ext>
+            </a:extLst>
+          </p:cNvPr>
+          <p:cNvPicPr>
+            <a:picLocks noChangeAspect="1"/>
+          </p:cNvPicPr>
+          <p:nvPr/>
+        </p:nvPicPr>
+        <p:blipFill rotWithShape="1">
+          <a:blip r:embed="rId3"/>
+          <a:srcRect l="8000" r="9400"/>
+          <a:stretch/>
+        </p:blipFill>
+        <p:spPr>
+          <a:xfrm>
+            <a:off x="660103" y="3048000"/>
+            <a:ext cx="2167974" cy="2624666"/>
+          </a:xfrm>
+          <a:prstGeom prst="rect">
+            <a:avLst/>
+          </a:prstGeom>
+          <a:noFill/>
+        </p:spPr>
+      </p:pic>
+      <p:sp>
+        <p:nvSpPr>
+          <p:cNvPr id="6" name="TextBox 5">
+            <a:extLst>
+              <a:ext uri="{FF2B5EF4-FFF2-40B4-BE49-F238E27FC236}">
+                <a16:creationId xmlns:a16="http://schemas.microsoft.com/office/drawing/2014/main" id="{9BF1A4AB-D5D3-46D9-9B5D-F6EB9EE88791}"/>
+              </a:ext>
+            </a:extLst>
+          </p:cNvPr>
+          <p:cNvSpPr txBox="1"/>
+          <p:nvPr/>
+        </p:nvSpPr>
+        <p:spPr>
+          <a:xfrm>
+            <a:off x="3962400" y="643467"/>
+            <a:ext cx="5181600" cy="5632311"/>
+          </a:xfrm>
+          <a:prstGeom prst="rect">
+            <a:avLst/>
+          </a:prstGeom>
+          <a:noFill/>
+        </p:spPr>
+        <p:txBody>
+          <a:bodyPr wrap="square" rtlCol="0">
+            <a:spAutoFit/>
+          </a:bodyPr>
+          <a:lstStyle/>
+          <a:p>
+            <a:pPr marL="342900" indent="-342900">
+              <a:buFont typeface="Arial" panose="020B0604020202020204" pitchFamily="34" charset="0"/>
+              <a:buChar char="•"/>
+            </a:pPr>
+            <a:r>
+              <a:rPr lang="en-US" dirty="0">
+                <a:solidFill>
+                  <a:srgbClr val="404040"/>
+                </a:solidFill>
+              </a:rPr>
+              <a:t>Results</a:t>
+            </a:r>
+          </a:p>
+          <a:p>
+            <a:pPr marL="800100" lvl="1" indent="-342900">
+              <a:buFont typeface="Arial" panose="020B0604020202020204" pitchFamily="34" charset="0"/>
+              <a:buChar char="•"/>
+            </a:pPr>
+            <a:endParaRPr lang="en-US" dirty="0">
+              <a:solidFill>
+                <a:srgbClr val="404040"/>
+              </a:solidFill>
+            </a:endParaRPr>
+          </a:p>
+          <a:p>
+            <a:pPr marL="800100" lvl="1" indent="-342900">
+              <a:buFont typeface="Arial" panose="020B0604020202020204" pitchFamily="34" charset="0"/>
+              <a:buChar char="•"/>
+            </a:pPr>
+            <a:r>
+              <a:rPr lang="en-US" dirty="0">
+                <a:solidFill>
+                  <a:srgbClr val="404040"/>
+                </a:solidFill>
+              </a:rPr>
+              <a:t>The Longest Part of the Paper</a:t>
+            </a:r>
+          </a:p>
+          <a:p>
+            <a:pPr marL="800100" lvl="1" indent="-342900">
+              <a:buFont typeface="Arial" panose="020B0604020202020204" pitchFamily="34" charset="0"/>
+              <a:buChar char="•"/>
+            </a:pPr>
+            <a:endParaRPr lang="en-US" dirty="0">
+              <a:solidFill>
+                <a:srgbClr val="404040"/>
+              </a:solidFill>
+            </a:endParaRPr>
+          </a:p>
+          <a:p>
+            <a:pPr marL="800100" lvl="1" indent="-342900">
+              <a:buFont typeface="Arial" panose="020B0604020202020204" pitchFamily="34" charset="0"/>
+              <a:buChar char="•"/>
+            </a:pPr>
+            <a:r>
+              <a:rPr lang="en-US" dirty="0">
+                <a:solidFill>
+                  <a:srgbClr val="404040"/>
+                </a:solidFill>
+              </a:rPr>
+              <a:t>Advice: Organize Into Subsections</a:t>
+            </a:r>
+          </a:p>
+          <a:p>
+            <a:pPr marL="800100" lvl="1" indent="-342900">
+              <a:buFont typeface="Arial" panose="020B0604020202020204" pitchFamily="34" charset="0"/>
+              <a:buChar char="•"/>
+            </a:pPr>
+            <a:endParaRPr lang="en-US" dirty="0">
+              <a:solidFill>
+                <a:srgbClr val="404040"/>
+              </a:solidFill>
+            </a:endParaRPr>
+          </a:p>
+          <a:p>
+            <a:pPr marL="800100" lvl="1" indent="-342900">
+              <a:buFont typeface="Arial" panose="020B0604020202020204" pitchFamily="34" charset="0"/>
+              <a:buChar char="•"/>
+            </a:pPr>
+            <a:r>
+              <a:rPr lang="en-US" dirty="0">
+                <a:solidFill>
+                  <a:srgbClr val="404040"/>
+                </a:solidFill>
+              </a:rPr>
+              <a:t>Grading</a:t>
+            </a:r>
+          </a:p>
+          <a:p>
+            <a:pPr marL="1257300" lvl="2" indent="-342900">
+              <a:buFont typeface="Arial" panose="020B0604020202020204" pitchFamily="34" charset="0"/>
+              <a:buChar char="•"/>
+            </a:pPr>
+            <a:r>
+              <a:rPr lang="en-US" dirty="0">
+                <a:solidFill>
+                  <a:srgbClr val="404040"/>
+                </a:solidFill>
+              </a:rPr>
+              <a:t>Appropriate Methods with Multiple Models</a:t>
+            </a:r>
+          </a:p>
+          <a:p>
+            <a:pPr marL="1257300" lvl="2" indent="-342900">
+              <a:buFont typeface="Arial" panose="020B0604020202020204" pitchFamily="34" charset="0"/>
+              <a:buChar char="•"/>
+            </a:pPr>
+            <a:r>
+              <a:rPr lang="en-US" dirty="0">
+                <a:solidFill>
+                  <a:srgbClr val="404040"/>
+                </a:solidFill>
+              </a:rPr>
+              <a:t>Adequate Explanation of Results</a:t>
+            </a:r>
+          </a:p>
+          <a:p>
+            <a:pPr marL="1257300" lvl="2" indent="-342900">
+              <a:buFont typeface="Arial" panose="020B0604020202020204" pitchFamily="34" charset="0"/>
+              <a:buChar char="•"/>
+            </a:pPr>
+            <a:r>
+              <a:rPr lang="en-US" dirty="0">
+                <a:solidFill>
+                  <a:srgbClr val="404040"/>
+                </a:solidFill>
+              </a:rPr>
+              <a:t>4 Figures and/or Tables    (2 Points Each)</a:t>
+            </a:r>
+          </a:p>
+          <a:p>
+            <a:pPr marL="1257300" lvl="2" indent="-342900">
+              <a:buFont typeface="Arial" panose="020B0604020202020204" pitchFamily="34" charset="0"/>
+              <a:buChar char="•"/>
+            </a:pPr>
+            <a:r>
+              <a:rPr lang="en-US" dirty="0">
+                <a:solidFill>
+                  <a:srgbClr val="404040"/>
+                </a:solidFill>
+              </a:rPr>
+              <a:t>Free of Errors</a:t>
+            </a:r>
+          </a:p>
+        </p:txBody>
+      </p:sp>
+    </p:spTree>
+    <p:custDataLst>
+      <p:tags r:id="rId1"/>
+    </p:custDataLst>
+    <p:extLst>
+      <p:ext uri="{BB962C8B-B14F-4D97-AF65-F5344CB8AC3E}">
+        <p14:creationId xmlns:p14="http://schemas.microsoft.com/office/powerpoint/2010/main" val="1146335326"/>
+      </p:ext>
+    </p:extLst>
+  </p:cSld>
+  <p:clrMapOvr>
+    <a:masterClrMapping/>
+  </p:clrMapOvr>
+</p:sld>
+</file>
+
+<file path=ppt/slides/slide9.xml><?xml version="1.0" encoding="utf-8"?>
+<p:sld xmlns:a="http://schemas.openxmlformats.org/drawingml/2006/main" xmlns:r="http://schemas.openxmlformats.org/officeDocument/2006/relationships" xmlns:p="http://schemas.openxmlformats.org/presentationml/2006/main">
+  <p:cSld>
+    <p:bg>
+      <p:bgPr>
+        <a:solidFill>
+          <a:schemeClr val="bg1">
+            <a:lumMod val="85000"/>
+          </a:schemeClr>
+        </a:solidFill>
+        <a:effectLst/>
+      </p:bgPr>
+    </p:bg>
+    <p:spTree>
+      <p:nvGrpSpPr>
+        <p:cNvPr id="1" name=""/>
+        <p:cNvGrpSpPr/>
+        <p:nvPr/>
+      </p:nvGrpSpPr>
+      <p:grpSpPr>
+        <a:xfrm>
+          <a:off x="0" y="0"/>
+          <a:ext cx="0" cy="0"/>
+          <a:chOff x="0" y="0"/>
+          <a:chExt cx="0" cy="0"/>
+        </a:xfrm>
+      </p:grpSpPr>
+      <p:sp>
+        <p:nvSpPr>
+          <p:cNvPr id="15" name="Rectangle 12">
+            <a:extLst>
+              <a:ext uri="{FF2B5EF4-FFF2-40B4-BE49-F238E27FC236}">
+                <a16:creationId xmlns:a16="http://schemas.microsoft.com/office/drawing/2014/main" id="{867D4867-5BA7-4462-B2F6-A23F4A622AA7}"/>
+              </a:ext>
+              <a:ext uri="{C183D7F6-B498-43B3-948B-1728B52AA6E4}">
+                <adec:decorative xmlns:adec="http://schemas.microsoft.com/office/drawing/2017/decorative" val="1"/>
+              </a:ext>
+            </a:extLst>
+          </p:cNvPr>
+          <p:cNvSpPr>
+            <a:spLocks noGrp="1" noRot="1" noChangeAspect="1" noMove="1" noResize="1" noEditPoints="1" noAdjustHandles="1" noChangeArrowheads="1" noChangeShapeType="1" noTextEdit="1"/>
+          </p:cNvSpPr>
+          <p:nvPr>
+            <p:extLst>
+              <p:ext uri="{386F3935-93C4-4BCD-93E2-E3B085C9AB24}">
+                <p16:designElem xmlns:p16="http://schemas.microsoft.com/office/powerpoint/2015/main" val="1"/>
+              </p:ext>
+            </p:extLst>
+          </p:nvPr>
+        </p:nvSpPr>
+        <p:spPr>
+          <a:xfrm>
+            <a:off x="0" y="0"/>
+            <a:ext cx="3490722" cy="6858000"/>
+          </a:xfrm>
+          <a:prstGeom prst="rect">
+            <a:avLst/>
+          </a:prstGeom>
+          <a:solidFill>
+            <a:schemeClr val="tx1">
+              <a:lumMod val="75000"/>
+              <a:lumOff val="25000"/>
+            </a:schemeClr>
+          </a:solidFill>
+          <a:ln>
+            <a:noFill/>
+          </a:ln>
+        </p:spPr>
+        <p:style>
+          <a:lnRef idx="0">
+            <a:scrgbClr r="0" g="0" b="0"/>
+          </a:lnRef>
+          <a:fillRef idx="0">
+            <a:scrgbClr r="0" g="0" b="0"/>
+          </a:fillRef>
+          <a:effectRef idx="0">
+            <a:scrgbClr r="0" g="0" b="0"/>
+          </a:effectRef>
+          <a:fontRef idx="minor">
+            <a:schemeClr val="lt1"/>
+          </a:fontRef>
+        </p:style>
+        <p:txBody>
+          <a:bodyPr rtlCol="0" anchor="ctr"/>
+          <a:lstStyle/>
+          <a:p>
+            <a:pPr marL="0" marR="0" lvl="0" indent="0" algn="ctr" defTabSz="457200" rtl="0" eaLnBrk="1" fontAlgn="base" latinLnBrk="0" hangingPunct="1">
+              <a:lnSpc>
+                <a:spcPct val="100000"/>
+              </a:lnSpc>
+              <a:spcBef>
+                <a:spcPct val="0"/>
+              </a:spcBef>
+              <a:spcAft>
+                <a:spcPct val="0"/>
+              </a:spcAft>
+              <a:buClrTx/>
+              <a:buSzTx/>
+              <a:buFontTx/>
+              <a:buNone/>
+              <a:tabLst/>
+              <a:defRPr/>
+            </a:pPr>
+            <a:endParaRPr kumimoji="0" lang="en-US" sz="2400" b="0" i="0" u="none" strike="noStrike" kern="1200" cap="none" spc="0" normalizeH="0" baseline="0" noProof="0">
+              <a:ln>
+                <a:noFill/>
+              </a:ln>
+              <a:solidFill>
+                <a:prstClr val="white"/>
+              </a:solidFill>
+              <a:effectLst/>
+              <a:uLnTx/>
+              <a:uFillTx/>
+              <a:latin typeface="Calibri"/>
+              <a:ea typeface="+mn-ea"/>
+              <a:cs typeface="+mn-cs"/>
+            </a:endParaRPr>
+          </a:p>
+        </p:txBody>
+      </p:sp>
+      <p:sp>
+        <p:nvSpPr>
+          <p:cNvPr id="2" name="Title 1"/>
+          <p:cNvSpPr>
+            <a:spLocks noGrp="1"/>
+          </p:cNvSpPr>
+          <p:nvPr>
+            <p:ph type="title"/>
+          </p:nvPr>
+        </p:nvSpPr>
+        <p:spPr>
+          <a:xfrm>
+            <a:off x="482600" y="643467"/>
+            <a:ext cx="2522980" cy="1597315"/>
+          </a:xfrm>
+          <a:noFill/>
+          <a:ln w="19050">
+            <a:solidFill>
+              <a:schemeClr val="bg1"/>
+            </a:solidFill>
+          </a:ln>
+        </p:spPr>
+        <p:txBody>
+          <a:bodyPr vert="horz" wrap="square" lIns="91440" tIns="45720" rIns="91440" bIns="45720" rtlCol="0" anchor="ctr">
+            <a:normAutofit/>
+          </a:bodyPr>
+          <a:lstStyle/>
+          <a:p>
+            <a:pPr defTabSz="914400" eaLnBrk="1" hangingPunct="1">
+              <a:lnSpc>
+                <a:spcPct val="90000"/>
+              </a:lnSpc>
+            </a:pPr>
+            <a:r>
+              <a:rPr lang="en-US" sz="2400" kern="1200" dirty="0">
+                <a:solidFill>
+                  <a:schemeClr val="bg1"/>
+                </a:solidFill>
+                <a:latin typeface="+mj-lt"/>
+                <a:ea typeface="+mj-ea"/>
+                <a:cs typeface="+mj-cs"/>
+              </a:rPr>
+              <a:t>Part 4</a:t>
+            </a:r>
+            <a:br>
+              <a:rPr lang="en-US" sz="2400" kern="1200" dirty="0">
+                <a:solidFill>
+                  <a:schemeClr val="bg1"/>
+                </a:solidFill>
+                <a:latin typeface="+mj-lt"/>
+                <a:ea typeface="+mj-ea"/>
+                <a:cs typeface="+mj-cs"/>
+              </a:rPr>
+            </a:br>
+            <a:r>
+              <a:rPr lang="en-US" sz="2400" kern="1200" dirty="0">
+                <a:solidFill>
+                  <a:schemeClr val="bg1"/>
+                </a:solidFill>
+                <a:latin typeface="+mj-lt"/>
+                <a:ea typeface="+mj-ea"/>
+                <a:cs typeface="+mj-cs"/>
+              </a:rPr>
+              <a:t>Final Paper</a:t>
+            </a:r>
+          </a:p>
+        </p:txBody>
+      </p:sp>
+      <p:pic>
+        <p:nvPicPr>
+          <p:cNvPr id="8" name="Picture 7">
+            <a:extLst>
+              <a:ext uri="{FF2B5EF4-FFF2-40B4-BE49-F238E27FC236}">
+                <a16:creationId xmlns:a16="http://schemas.microsoft.com/office/drawing/2014/main" id="{521D4292-9ECC-4DA5-8CC0-C561A0DA118E}"/>
+              </a:ext>
+            </a:extLst>
+          </p:cNvPr>
+          <p:cNvPicPr>
+            <a:picLocks noChangeAspect="1"/>
+          </p:cNvPicPr>
+          <p:nvPr/>
+        </p:nvPicPr>
+        <p:blipFill rotWithShape="1">
+          <a:blip r:embed="rId3"/>
+          <a:srcRect l="8000" r="9400"/>
+          <a:stretch/>
+        </p:blipFill>
+        <p:spPr>
+          <a:xfrm>
+            <a:off x="660103" y="3048000"/>
+            <a:ext cx="2167974" cy="2624666"/>
+          </a:xfrm>
+          <a:prstGeom prst="rect">
+            <a:avLst/>
+          </a:prstGeom>
+          <a:noFill/>
+        </p:spPr>
+      </p:pic>
+      <p:sp>
+        <p:nvSpPr>
+          <p:cNvPr id="6" name="TextBox 5">
+            <a:extLst>
+              <a:ext uri="{FF2B5EF4-FFF2-40B4-BE49-F238E27FC236}">
+                <a16:creationId xmlns:a16="http://schemas.microsoft.com/office/drawing/2014/main" id="{9BF1A4AB-D5D3-46D9-9B5D-F6EB9EE88791}"/>
+              </a:ext>
+            </a:extLst>
+          </p:cNvPr>
+          <p:cNvSpPr txBox="1"/>
+          <p:nvPr/>
+        </p:nvSpPr>
+        <p:spPr>
+          <a:xfrm>
+            <a:off x="3962400" y="643467"/>
+            <a:ext cx="5181600" cy="6001643"/>
+          </a:xfrm>
+          <a:prstGeom prst="rect">
+            <a:avLst/>
+          </a:prstGeom>
+          <a:noFill/>
+        </p:spPr>
+        <p:txBody>
+          <a:bodyPr wrap="square" rtlCol="0">
+            <a:spAutoFit/>
+          </a:bodyPr>
+          <a:lstStyle/>
+          <a:p>
+            <a:pPr marL="342900" indent="-342900">
+              <a:buFont typeface="Arial" panose="020B0604020202020204" pitchFamily="34" charset="0"/>
+              <a:buChar char="•"/>
+            </a:pPr>
+            <a:r>
+              <a:rPr lang="en-US" dirty="0">
+                <a:solidFill>
+                  <a:srgbClr val="404040"/>
+                </a:solidFill>
+              </a:rPr>
+              <a:t>Conclusion</a:t>
+            </a:r>
+          </a:p>
+          <a:p>
+            <a:pPr marL="800100" lvl="1" indent="-342900">
+              <a:buFont typeface="Arial" panose="020B0604020202020204" pitchFamily="34" charset="0"/>
+              <a:buChar char="•"/>
+            </a:pPr>
+            <a:endParaRPr lang="en-US" dirty="0">
+              <a:solidFill>
+                <a:srgbClr val="404040"/>
+              </a:solidFill>
+            </a:endParaRPr>
+          </a:p>
+          <a:p>
+            <a:pPr marL="800100" lvl="1" indent="-342900">
+              <a:buFont typeface="Arial" panose="020B0604020202020204" pitchFamily="34" charset="0"/>
+              <a:buChar char="•"/>
+            </a:pPr>
+            <a:r>
+              <a:rPr lang="en-US" dirty="0">
+                <a:solidFill>
+                  <a:srgbClr val="404040"/>
+                </a:solidFill>
+              </a:rPr>
+              <a:t>Restate Questions Along with Summarized Results</a:t>
+            </a:r>
+          </a:p>
+          <a:p>
+            <a:pPr marL="800100" lvl="1" indent="-342900">
+              <a:buFont typeface="Arial" panose="020B0604020202020204" pitchFamily="34" charset="0"/>
+              <a:buChar char="•"/>
+            </a:pPr>
+            <a:endParaRPr lang="en-US" dirty="0">
+              <a:solidFill>
+                <a:srgbClr val="404040"/>
+              </a:solidFill>
+            </a:endParaRPr>
+          </a:p>
+          <a:p>
+            <a:pPr marL="800100" lvl="1" indent="-342900">
+              <a:buFont typeface="Arial" panose="020B0604020202020204" pitchFamily="34" charset="0"/>
+              <a:buChar char="•"/>
+            </a:pPr>
+            <a:r>
+              <a:rPr lang="en-US" dirty="0">
+                <a:solidFill>
+                  <a:srgbClr val="404040"/>
+                </a:solidFill>
+              </a:rPr>
+              <a:t>Why are These Results Interesting to Those Who May Care about the Data?</a:t>
+            </a:r>
+          </a:p>
+          <a:p>
+            <a:pPr marL="800100" lvl="1" indent="-342900">
+              <a:buFont typeface="Arial" panose="020B0604020202020204" pitchFamily="34" charset="0"/>
+              <a:buChar char="•"/>
+            </a:pPr>
+            <a:endParaRPr lang="en-US" dirty="0">
+              <a:solidFill>
+                <a:srgbClr val="404040"/>
+              </a:solidFill>
+            </a:endParaRPr>
+          </a:p>
+          <a:p>
+            <a:pPr marL="800100" lvl="1" indent="-342900">
+              <a:buFont typeface="Arial" panose="020B0604020202020204" pitchFamily="34" charset="0"/>
+              <a:buChar char="•"/>
+            </a:pPr>
+            <a:r>
+              <a:rPr lang="en-US" dirty="0">
+                <a:solidFill>
+                  <a:srgbClr val="404040"/>
+                </a:solidFill>
+              </a:rPr>
+              <a:t> Where Do We Go from Here?</a:t>
+            </a:r>
+          </a:p>
+          <a:p>
+            <a:pPr marL="800100" lvl="1" indent="-342900">
+              <a:buFont typeface="Arial" panose="020B0604020202020204" pitchFamily="34" charset="0"/>
+              <a:buChar char="•"/>
+            </a:pPr>
+            <a:endParaRPr lang="en-US" dirty="0">
+              <a:solidFill>
+                <a:srgbClr val="404040"/>
+              </a:solidFill>
+            </a:endParaRPr>
+          </a:p>
+          <a:p>
+            <a:pPr marL="800100" lvl="1" indent="-342900">
+              <a:buFont typeface="Arial" panose="020B0604020202020204" pitchFamily="34" charset="0"/>
+              <a:buChar char="•"/>
+            </a:pPr>
+            <a:r>
+              <a:rPr lang="en-US" dirty="0">
+                <a:solidFill>
+                  <a:srgbClr val="404040"/>
+                </a:solidFill>
+              </a:rPr>
+              <a:t>Grading</a:t>
+            </a:r>
+          </a:p>
+          <a:p>
+            <a:pPr marL="1257300" lvl="2" indent="-342900">
+              <a:buFont typeface="Arial" panose="020B0604020202020204" pitchFamily="34" charset="0"/>
+              <a:buChar char="•"/>
+            </a:pPr>
+            <a:r>
+              <a:rPr lang="en-US" dirty="0">
+                <a:solidFill>
+                  <a:srgbClr val="404040"/>
+                </a:solidFill>
+              </a:rPr>
+              <a:t>Summarize Questions and Results</a:t>
+            </a:r>
+          </a:p>
+          <a:p>
+            <a:pPr marL="1257300" lvl="2" indent="-342900">
+              <a:buFont typeface="Arial" panose="020B0604020202020204" pitchFamily="34" charset="0"/>
+              <a:buChar char="•"/>
+            </a:pPr>
+            <a:r>
+              <a:rPr lang="en-US" dirty="0">
+                <a:solidFill>
+                  <a:srgbClr val="404040"/>
+                </a:solidFill>
+              </a:rPr>
+              <a:t>Do I Want to Learn More? </a:t>
+            </a:r>
+          </a:p>
+          <a:p>
+            <a:pPr marL="1257300" lvl="2" indent="-342900">
+              <a:buFont typeface="Arial" panose="020B0604020202020204" pitchFamily="34" charset="0"/>
+              <a:buChar char="•"/>
+            </a:pPr>
+            <a:r>
+              <a:rPr lang="en-US" dirty="0">
+                <a:solidFill>
+                  <a:srgbClr val="404040"/>
+                </a:solidFill>
+              </a:rPr>
+              <a:t>Free of Errors</a:t>
+            </a:r>
+          </a:p>
+        </p:txBody>
+      </p:sp>
+    </p:spTree>
+    <p:custDataLst>
+      <p:tags r:id="rId1"/>
+    </p:custDataLst>
+    <p:extLst>
+      <p:ext uri="{BB962C8B-B14F-4D97-AF65-F5344CB8AC3E}">
+        <p14:creationId xmlns:p14="http://schemas.microsoft.com/office/powerpoint/2010/main" val="1006611518"/>
       </p:ext>
     </p:extLst>
   </p:cSld>
@@ -10811,6 +14733,42 @@
 </p:tagLst>
 </file>
 
+<file path=ppt/tags/tag10.xml><?xml version="1.0" encoding="utf-8"?>
+<p:tagLst xmlns:a="http://schemas.openxmlformats.org/drawingml/2006/main" xmlns:r="http://schemas.openxmlformats.org/officeDocument/2006/relationships" xmlns:p="http://schemas.openxmlformats.org/presentationml/2006/main">
+  <p:tag name="DELIMITERS" val="3.1"/>
+</p:tagLst>
+</file>
+
+<file path=ppt/tags/tag11.xml><?xml version="1.0" encoding="utf-8"?>
+<p:tagLst xmlns:a="http://schemas.openxmlformats.org/drawingml/2006/main" xmlns:r="http://schemas.openxmlformats.org/officeDocument/2006/relationships" xmlns:p="http://schemas.openxmlformats.org/presentationml/2006/main">
+  <p:tag name="DELIMITERS" val="3.1"/>
+</p:tagLst>
+</file>
+
+<file path=ppt/tags/tag12.xml><?xml version="1.0" encoding="utf-8"?>
+<p:tagLst xmlns:a="http://schemas.openxmlformats.org/drawingml/2006/main" xmlns:r="http://schemas.openxmlformats.org/officeDocument/2006/relationships" xmlns:p="http://schemas.openxmlformats.org/presentationml/2006/main">
+  <p:tag name="DELIMITERS" val="3.1"/>
+</p:tagLst>
+</file>
+
+<file path=ppt/tags/tag13.xml><?xml version="1.0" encoding="utf-8"?>
+<p:tagLst xmlns:a="http://schemas.openxmlformats.org/drawingml/2006/main" xmlns:r="http://schemas.openxmlformats.org/officeDocument/2006/relationships" xmlns:p="http://schemas.openxmlformats.org/presentationml/2006/main">
+  <p:tag name="DELIMITERS" val="3.1"/>
+</p:tagLst>
+</file>
+
+<file path=ppt/tags/tag14.xml><?xml version="1.0" encoding="utf-8"?>
+<p:tagLst xmlns:a="http://schemas.openxmlformats.org/drawingml/2006/main" xmlns:r="http://schemas.openxmlformats.org/officeDocument/2006/relationships" xmlns:p="http://schemas.openxmlformats.org/presentationml/2006/main">
+  <p:tag name="DELIMITERS" val="3.1"/>
+</p:tagLst>
+</file>
+
+<file path=ppt/tags/tag15.xml><?xml version="1.0" encoding="utf-8"?>
+<p:tagLst xmlns:a="http://schemas.openxmlformats.org/drawingml/2006/main" xmlns:r="http://schemas.openxmlformats.org/officeDocument/2006/relationships" xmlns:p="http://schemas.openxmlformats.org/presentationml/2006/main">
+  <p:tag name="DELIMITERS" val="3.1"/>
+</p:tagLst>
+</file>
+
 <file path=ppt/tags/tag2.xml><?xml version="1.0" encoding="utf-8"?>
 <p:tagLst xmlns:a="http://schemas.openxmlformats.org/drawingml/2006/main" xmlns:r="http://schemas.openxmlformats.org/officeDocument/2006/relationships" xmlns:p="http://schemas.openxmlformats.org/presentationml/2006/main">
   <p:tag name="DELIMITERS" val="3.1"/>
@@ -10842,6 +14800,18 @@
 </file>
 
 <file path=ppt/tags/tag7.xml><?xml version="1.0" encoding="utf-8"?>
+<p:tagLst xmlns:a="http://schemas.openxmlformats.org/drawingml/2006/main" xmlns:r="http://schemas.openxmlformats.org/officeDocument/2006/relationships" xmlns:p="http://schemas.openxmlformats.org/presentationml/2006/main">
+  <p:tag name="DELIMITERS" val="3.1"/>
+</p:tagLst>
+</file>
+
+<file path=ppt/tags/tag8.xml><?xml version="1.0" encoding="utf-8"?>
+<p:tagLst xmlns:a="http://schemas.openxmlformats.org/drawingml/2006/main" xmlns:r="http://schemas.openxmlformats.org/officeDocument/2006/relationships" xmlns:p="http://schemas.openxmlformats.org/presentationml/2006/main">
+  <p:tag name="DELIMITERS" val="3.1"/>
+</p:tagLst>
+</file>
+
+<file path=ppt/tags/tag9.xml><?xml version="1.0" encoding="utf-8"?>
 <p:tagLst xmlns:a="http://schemas.openxmlformats.org/drawingml/2006/main" xmlns:r="http://schemas.openxmlformats.org/officeDocument/2006/relationships" xmlns:p="http://schemas.openxmlformats.org/presentationml/2006/main">
   <p:tag name="DELIMITERS" val="3.1"/>
 </p:tagLst>
